--- a/Deliverables/Lorann - PowerPoint.pptx
+++ b/Deliverables/Lorann - PowerPoint.pptx
@@ -347,7 +347,7 @@
           <a:p>
             <a:fld id="{92D7BE08-F753-4E2D-BC77-1E5346D3BCE8}" type="datetimeFigureOut">
               <a:rPr lang="fr-FR" smtClean="0"/>
-              <a:t>03/06/2018</a:t>
+              <a:t>04/06/2018</a:t>
             </a:fld>
             <a:endParaRPr lang="fr-FR"/>
           </a:p>
@@ -555,7 +555,7 @@
           <a:p>
             <a:fld id="{92D7BE08-F753-4E2D-BC77-1E5346D3BCE8}" type="datetimeFigureOut">
               <a:rPr lang="fr-FR" smtClean="0"/>
-              <a:t>03/06/2018</a:t>
+              <a:t>04/06/2018</a:t>
             </a:fld>
             <a:endParaRPr lang="fr-FR"/>
           </a:p>
@@ -811,7 +811,7 @@
           <a:p>
             <a:fld id="{92D7BE08-F753-4E2D-BC77-1E5346D3BCE8}" type="datetimeFigureOut">
               <a:rPr lang="fr-FR" smtClean="0"/>
-              <a:t>03/06/2018</a:t>
+              <a:t>04/06/2018</a:t>
             </a:fld>
             <a:endParaRPr lang="fr-FR"/>
           </a:p>
@@ -985,7 +985,7 @@
           <a:p>
             <a:fld id="{92D7BE08-F753-4E2D-BC77-1E5346D3BCE8}" type="datetimeFigureOut">
               <a:rPr lang="fr-FR" smtClean="0"/>
-              <a:t>03/06/2018</a:t>
+              <a:t>04/06/2018</a:t>
             </a:fld>
             <a:endParaRPr lang="fr-FR"/>
           </a:p>
@@ -1328,7 +1328,7 @@
           <a:p>
             <a:fld id="{92D7BE08-F753-4E2D-BC77-1E5346D3BCE8}" type="datetimeFigureOut">
               <a:rPr lang="fr-FR" smtClean="0"/>
-              <a:t>03/06/2018</a:t>
+              <a:t>04/06/2018</a:t>
             </a:fld>
             <a:endParaRPr lang="fr-FR"/>
           </a:p>
@@ -1603,7 +1603,7 @@
           <a:p>
             <a:fld id="{92D7BE08-F753-4E2D-BC77-1E5346D3BCE8}" type="datetimeFigureOut">
               <a:rPr lang="fr-FR" smtClean="0"/>
-              <a:t>03/06/2018</a:t>
+              <a:t>04/06/2018</a:t>
             </a:fld>
             <a:endParaRPr lang="fr-FR"/>
           </a:p>
@@ -1982,7 +1982,7 @@
           <a:p>
             <a:fld id="{92D7BE08-F753-4E2D-BC77-1E5346D3BCE8}" type="datetimeFigureOut">
               <a:rPr lang="fr-FR" smtClean="0"/>
-              <a:t>03/06/2018</a:t>
+              <a:t>04/06/2018</a:t>
             </a:fld>
             <a:endParaRPr lang="fr-FR"/>
           </a:p>
@@ -2100,7 +2100,7 @@
           <a:p>
             <a:fld id="{92D7BE08-F753-4E2D-BC77-1E5346D3BCE8}" type="datetimeFigureOut">
               <a:rPr lang="fr-FR" smtClean="0"/>
-              <a:t>03/06/2018</a:t>
+              <a:t>04/06/2018</a:t>
             </a:fld>
             <a:endParaRPr lang="fr-FR"/>
           </a:p>
@@ -2271,7 +2271,7 @@
           <a:p>
             <a:fld id="{92D7BE08-F753-4E2D-BC77-1E5346D3BCE8}" type="datetimeFigureOut">
               <a:rPr lang="fr-FR" smtClean="0"/>
-              <a:t>03/06/2018</a:t>
+              <a:t>04/06/2018</a:t>
             </a:fld>
             <a:endParaRPr lang="fr-FR"/>
           </a:p>
@@ -2625,7 +2625,7 @@
           <a:p>
             <a:fld id="{92D7BE08-F753-4E2D-BC77-1E5346D3BCE8}" type="datetimeFigureOut">
               <a:rPr lang="fr-FR" smtClean="0"/>
-              <a:t>03/06/2018</a:t>
+              <a:t>04/06/2018</a:t>
             </a:fld>
             <a:endParaRPr lang="fr-FR"/>
           </a:p>
@@ -3007,7 +3007,7 @@
           <a:p>
             <a:fld id="{92D7BE08-F753-4E2D-BC77-1E5346D3BCE8}" type="datetimeFigureOut">
               <a:rPr lang="fr-FR" smtClean="0"/>
-              <a:t>03/06/2018</a:t>
+              <a:t>04/06/2018</a:t>
             </a:fld>
             <a:endParaRPr lang="fr-FR"/>
           </a:p>
@@ -3294,7 +3294,7 @@
           <a:p>
             <a:fld id="{92D7BE08-F753-4E2D-BC77-1E5346D3BCE8}" type="datetimeFigureOut">
               <a:rPr lang="fr-FR" smtClean="0"/>
-              <a:t>03/06/2018</a:t>
+              <a:t>04/06/2018</a:t>
             </a:fld>
             <a:endParaRPr lang="fr-FR"/>
           </a:p>
@@ -5173,7 +5173,12 @@
             <p:ph idx="1"/>
           </p:nvPr>
         </p:nvSpPr>
-        <p:spPr/>
+        <p:spPr>
+          <a:xfrm>
+            <a:off x="1097280" y="1845734"/>
+            <a:ext cx="4998720" cy="4023360"/>
+          </a:xfrm>
+        </p:spPr>
         <p:txBody>
           <a:bodyPr/>
           <a:lstStyle/>
@@ -5202,97 +5207,43 @@
             </a:r>
           </a:p>
           <a:p>
-            <a:pPr>
-              <a:buFont typeface="Arial" panose="020B0604020202020204" pitchFamily="34" charset="0"/>
-              <a:buChar char="•"/>
+            <a:pPr marL="0" indent="0">
+              <a:buNone/>
             </a:pPr>
             <a:endParaRPr lang="en-GB" dirty="0"/>
           </a:p>
-          <a:p>
-            <a:pPr>
-              <a:buFont typeface="Arial" panose="020B0604020202020204" pitchFamily="34" charset="0"/>
-              <a:buChar char="•"/>
-            </a:pPr>
-            <a:r>
-              <a:rPr lang="en-GB" dirty="0">
-                <a:highlight>
-                  <a:srgbClr val="FFFF00"/>
-                </a:highlight>
-              </a:rPr>
-              <a:t>(</a:t>
-            </a:r>
-            <a:r>
-              <a:rPr lang="en-GB" dirty="0" err="1">
-                <a:highlight>
-                  <a:srgbClr val="FFFF00"/>
-                </a:highlight>
-              </a:rPr>
-              <a:t>mettre</a:t>
-            </a:r>
-            <a:r>
-              <a:rPr lang="en-GB" dirty="0">
-                <a:highlight>
-                  <a:srgbClr val="FFFF00"/>
-                </a:highlight>
-              </a:rPr>
-              <a:t> un screen the loran </a:t>
-            </a:r>
-            <a:r>
-              <a:rPr lang="en-GB" dirty="0" err="1">
-                <a:highlight>
-                  <a:srgbClr val="FFFF00"/>
-                </a:highlight>
-              </a:rPr>
-              <a:t>juste</a:t>
-            </a:r>
-            <a:r>
-              <a:rPr lang="en-GB" dirty="0">
-                <a:highlight>
-                  <a:srgbClr val="FFFF00"/>
-                </a:highlight>
-              </a:rPr>
-              <a:t> a </a:t>
-            </a:r>
-            <a:r>
-              <a:rPr lang="en-GB" dirty="0" err="1">
-                <a:highlight>
-                  <a:srgbClr val="FFFF00"/>
-                </a:highlight>
-              </a:rPr>
-              <a:t>côté</a:t>
-            </a:r>
-            <a:r>
-              <a:rPr lang="en-GB" dirty="0">
-                <a:highlight>
-                  <a:srgbClr val="FFFF00"/>
-                </a:highlight>
-              </a:rPr>
-              <a:t> de la </a:t>
-            </a:r>
-            <a:r>
-              <a:rPr lang="en-GB" dirty="0" err="1">
-                <a:highlight>
-                  <a:srgbClr val="FFFF00"/>
-                </a:highlight>
-              </a:rPr>
-              <a:t>porte</a:t>
-            </a:r>
-            <a:r>
-              <a:rPr lang="en-GB" dirty="0">
-                <a:highlight>
-                  <a:srgbClr val="FFFF00"/>
-                </a:highlight>
-              </a:rPr>
-              <a:t> ouverte)</a:t>
-            </a:r>
-            <a:endParaRPr lang="fr-FR" dirty="0">
-              <a:highlight>
-                <a:srgbClr val="FFFF00"/>
-              </a:highlight>
-            </a:endParaRPr>
-          </a:p>
-        </p:txBody>
-      </p:sp>
+        </p:txBody>
+      </p:sp>
+      <p:pic>
+        <p:nvPicPr>
+          <p:cNvPr id="4" name="Image 3">
+            <a:extLst>
+              <a:ext uri="{FF2B5EF4-FFF2-40B4-BE49-F238E27FC236}">
+                <a16:creationId xmlns:a16="http://schemas.microsoft.com/office/drawing/2014/main" id="{EA89052B-818F-4D74-AB55-B2E9D74B5BF1}"/>
+              </a:ext>
+            </a:extLst>
+          </p:cNvPr>
+          <p:cNvPicPr>
+            <a:picLocks noChangeAspect="1"/>
+          </p:cNvPicPr>
+          <p:nvPr/>
+        </p:nvPicPr>
+        <p:blipFill>
+          <a:blip r:embed="rId2"/>
+          <a:stretch>
+            <a:fillRect/>
+          </a:stretch>
+        </p:blipFill>
+        <p:spPr>
+          <a:xfrm>
+            <a:off x="6383655" y="2014326"/>
+            <a:ext cx="4772025" cy="3686175"/>
+          </a:xfrm>
+          <a:prstGeom prst="rect">
+            <a:avLst/>
+          </a:prstGeom>
+        </p:spPr>
+      </p:pic>
     </p:spTree>
     <p:extLst>
       <p:ext uri="{BB962C8B-B14F-4D97-AF65-F5344CB8AC3E}">

--- a/Deliverables/Lorann - PowerPoint.pptx
+++ b/Deliverables/Lorann - PowerPoint.pptx
@@ -4962,38 +4962,41 @@
           </a:p>
         </p:txBody>
       </p:sp>
-      <p:sp>
-        <p:nvSpPr>
-          <p:cNvPr id="3" name="Espace réservé du contenu 2">
+      <p:pic>
+        <p:nvPicPr>
+          <p:cNvPr id="5" name="Espace réservé du contenu 4" descr="Une image contenant capture d’écran&#10;&#10;Description générée avec un niveau de confiance très élevé">
             <a:extLst>
               <a:ext uri="{FF2B5EF4-FFF2-40B4-BE49-F238E27FC236}">
-                <a16:creationId xmlns:a16="http://schemas.microsoft.com/office/drawing/2014/main" id="{712A6107-0339-414A-9F91-1BA1A7AD5116}"/>
+                <a16:creationId xmlns:a16="http://schemas.microsoft.com/office/drawing/2014/main" id="{821F5EA6-B05B-4526-899D-891CC090645D}"/>
               </a:ext>
             </a:extLst>
           </p:cNvPr>
-          <p:cNvSpPr>
-            <a:spLocks noGrp="1"/>
-          </p:cNvSpPr>
+          <p:cNvPicPr>
+            <a:picLocks noGrp="1" noChangeAspect="1"/>
+          </p:cNvPicPr>
           <p:nvPr>
             <p:ph idx="1"/>
           </p:nvPr>
-        </p:nvSpPr>
-        <p:spPr/>
-        <p:txBody>
-          <a:bodyPr/>
-          <a:lstStyle/>
-          <a:p>
-            <a:r>
-              <a:rPr lang="fr-FR" dirty="0">
-                <a:highlight>
-                  <a:srgbClr val="FFFF00"/>
-                </a:highlight>
-              </a:rPr>
-              <a:t>Manque les diagrammes UML</a:t>
-            </a:r>
-          </a:p>
-        </p:txBody>
-      </p:sp>
+        </p:nvPicPr>
+        <p:blipFill>
+          <a:blip r:embed="rId2">
+            <a:extLst>
+              <a:ext uri="{28A0092B-C50C-407E-A947-70E740481C1C}">
+                <a14:useLocalDpi xmlns:a14="http://schemas.microsoft.com/office/drawing/2010/main" val="0"/>
+              </a:ext>
+            </a:extLst>
+          </a:blip>
+          <a:stretch>
+            <a:fillRect/>
+          </a:stretch>
+        </p:blipFill>
+        <p:spPr>
+          <a:xfrm>
+            <a:off x="3233197" y="1846263"/>
+            <a:ext cx="5785932" cy="4022725"/>
+          </a:xfrm>
+        </p:spPr>
+      </p:pic>
     </p:spTree>
     <p:extLst>
       <p:ext uri="{BB962C8B-B14F-4D97-AF65-F5344CB8AC3E}">

--- a/Deliverables/Lorann - PowerPoint.pptx
+++ b/Deliverables/Lorann - PowerPoint.pptx
@@ -5219,10 +5219,10 @@
       </p:sp>
       <p:pic>
         <p:nvPicPr>
-          <p:cNvPr id="4" name="Image 3">
+          <p:cNvPr id="5" name="Image 4">
             <a:extLst>
               <a:ext uri="{FF2B5EF4-FFF2-40B4-BE49-F238E27FC236}">
-                <a16:creationId xmlns:a16="http://schemas.microsoft.com/office/drawing/2014/main" id="{EA89052B-818F-4D74-AB55-B2E9D74B5BF1}"/>
+                <a16:creationId xmlns:a16="http://schemas.microsoft.com/office/drawing/2014/main" id="{37405026-B796-4A20-AA1D-07EC2DFA1324}"/>
               </a:ext>
             </a:extLst>
           </p:cNvPr>
@@ -5239,8 +5239,38 @@
         </p:blipFill>
         <p:spPr>
           <a:xfrm>
-            <a:off x="6383655" y="2014326"/>
-            <a:ext cx="4772025" cy="3686175"/>
+            <a:off x="7614809" y="3925682"/>
+            <a:ext cx="2503378" cy="1943412"/>
+          </a:xfrm>
+          <a:prstGeom prst="rect">
+            <a:avLst/>
+          </a:prstGeom>
+        </p:spPr>
+      </p:pic>
+      <p:pic>
+        <p:nvPicPr>
+          <p:cNvPr id="7" name="Image 6">
+            <a:extLst>
+              <a:ext uri="{FF2B5EF4-FFF2-40B4-BE49-F238E27FC236}">
+                <a16:creationId xmlns:a16="http://schemas.microsoft.com/office/drawing/2014/main" id="{34FE40D1-8425-4A38-8157-DA3B1BD10808}"/>
+              </a:ext>
+            </a:extLst>
+          </p:cNvPr>
+          <p:cNvPicPr>
+            <a:picLocks noChangeAspect="1"/>
+          </p:cNvPicPr>
+          <p:nvPr/>
+        </p:nvPicPr>
+        <p:blipFill>
+          <a:blip r:embed="rId3"/>
+          <a:stretch>
+            <a:fillRect/>
+          </a:stretch>
+        </p:blipFill>
+        <p:spPr>
+          <a:xfrm>
+            <a:off x="7614809" y="1845734"/>
+            <a:ext cx="2503377" cy="1897985"/>
           </a:xfrm>
           <a:prstGeom prst="rect">
             <a:avLst/>

--- a/Deliverables/Lorann - PowerPoint.pptx
+++ b/Deliverables/Lorann - PowerPoint.pptx
@@ -5382,7 +5382,7 @@
             </a:pPr>
             <a:r>
               <a:rPr lang="en-GB" dirty="0"/>
-              <a:t> There is no time limit to finish any level</a:t>
+              <a:t> There is no time limit to finish any level.</a:t>
             </a:r>
             <a:endParaRPr lang="fr-FR" dirty="0"/>
           </a:p>
@@ -5401,7 +5401,7 @@
             </a:r>
             <a:r>
               <a:rPr lang="en-GB" dirty="0"/>
-              <a:t> can move in any direction (left, right, up, down, all diagonals)</a:t>
+              <a:t> can move in any direction (left, right, up, down, all diagonals).</a:t>
             </a:r>
             <a:endParaRPr lang="fr-FR" dirty="0"/>
           </a:p>
@@ -5420,7 +5420,7 @@
             </a:r>
             <a:r>
               <a:rPr lang="en-GB" dirty="0"/>
-              <a:t> cannot go through walls (Pillars, Horizontal and Vertical Bones)</a:t>
+              <a:t> cannot go through walls (Pillars, Horizontal and Vertical Bones).</a:t>
             </a:r>
             <a:endParaRPr lang="fr-FR" dirty="0"/>
           </a:p>
@@ -5466,7 +5466,7 @@
             </a:r>
             <a:r>
               <a:rPr lang="en-GB" dirty="0"/>
-              <a:t> can kill the monsters only using his spell</a:t>
+              <a:t> can kill the monsters only using his spell.</a:t>
             </a:r>
           </a:p>
           <a:p>
@@ -5484,7 +5484,7 @@
             </a:r>
             <a:r>
               <a:rPr lang="en-GB" dirty="0"/>
-              <a:t> can cast his spell only once at a time, and must grab it back (by going on it’s way) to cast it again</a:t>
+              <a:t> can cast his spell only once at a time, and must grab it back (by going on it’s way) to cast it again.</a:t>
             </a:r>
             <a:endParaRPr lang="fr-FR" dirty="0"/>
           </a:p>
@@ -5495,7 +5495,7 @@
             </a:pPr>
             <a:r>
               <a:rPr lang="en-GB" dirty="0"/>
-              <a:t> Monsters cannot go through walls</a:t>
+              <a:t> Monsters cannot go through walls.</a:t>
             </a:r>
             <a:endParaRPr lang="fr-FR" dirty="0"/>
           </a:p>
@@ -5612,7 +5612,7 @@
             </a:pPr>
             <a:r>
               <a:rPr lang="en-GB" dirty="0"/>
-              <a:t> To lead </a:t>
+              <a:t> </a:t>
             </a:r>
             <a:r>
               <a:rPr lang="en-GB" dirty="0" err="1"/>
@@ -5620,7 +5620,7 @@
             </a:r>
             <a:r>
               <a:rPr lang="en-GB" dirty="0"/>
-              <a:t>, you will have to use a few control keys:</a:t>
+              <a:t> can be leaded by 3 types of keycaps:</a:t>
             </a:r>
           </a:p>
           <a:p>
@@ -5664,11 +5664,19 @@
             </a:pPr>
             <a:r>
               <a:rPr lang="fr-FR" dirty="0"/>
-              <a:t> The SPACE key </a:t>
+              <a:t> The </a:t>
             </a:r>
             <a:r>
               <a:rPr lang="fr-FR" dirty="0" err="1"/>
-              <a:t>will</a:t>
+              <a:t>Spell</a:t>
+            </a:r>
+            <a:r>
+              <a:rPr lang="fr-FR" dirty="0"/>
+              <a:t> can </a:t>
+            </a:r>
+            <a:r>
+              <a:rPr lang="fr-FR" dirty="0" err="1"/>
+              <a:t>be</a:t>
             </a:r>
             <a:r>
               <a:rPr lang="fr-FR" dirty="0"/>
@@ -5676,35 +5684,11 @@
             </a:r>
             <a:r>
               <a:rPr lang="fr-FR" dirty="0" err="1"/>
-              <a:t>be</a:t>
+              <a:t>casted</a:t>
             </a:r>
             <a:r>
               <a:rPr lang="fr-FR" dirty="0"/>
-              <a:t> </a:t>
-            </a:r>
-            <a:r>
-              <a:rPr lang="fr-FR" dirty="0" err="1"/>
-              <a:t>used</a:t>
-            </a:r>
-            <a:r>
-              <a:rPr lang="fr-FR" dirty="0"/>
-              <a:t> to </a:t>
-            </a:r>
-            <a:r>
-              <a:rPr lang="fr-FR" dirty="0" err="1"/>
-              <a:t>cast</a:t>
-            </a:r>
-            <a:r>
-              <a:rPr lang="fr-FR" dirty="0"/>
-              <a:t> the </a:t>
-            </a:r>
-            <a:r>
-              <a:rPr lang="fr-FR" dirty="0" err="1"/>
-              <a:t>Spell</a:t>
-            </a:r>
-            <a:r>
-              <a:rPr lang="fr-FR" dirty="0"/>
-              <a:t>,</a:t>
+              <a:t> by the use of the SPACE key.</a:t>
             </a:r>
           </a:p>
           <a:p>
@@ -5714,11 +5698,19 @@
             </a:pPr>
             <a:r>
               <a:rPr lang="fr-FR" dirty="0"/>
-              <a:t> The R key </a:t>
+              <a:t> A </a:t>
             </a:r>
             <a:r>
               <a:rPr lang="fr-FR" dirty="0" err="1"/>
-              <a:t>will</a:t>
+              <a:t>level</a:t>
+            </a:r>
+            <a:r>
+              <a:rPr lang="fr-FR" dirty="0"/>
+              <a:t> can </a:t>
+            </a:r>
+            <a:r>
+              <a:rPr lang="fr-FR" dirty="0" err="1"/>
+              <a:t>be</a:t>
             </a:r>
             <a:r>
               <a:rPr lang="fr-FR" dirty="0"/>
@@ -5726,43 +5718,11 @@
             </a:r>
             <a:r>
               <a:rPr lang="fr-FR" dirty="0" err="1"/>
-              <a:t>be</a:t>
+              <a:t>retried</a:t>
             </a:r>
             <a:r>
               <a:rPr lang="fr-FR" dirty="0"/>
-              <a:t> </a:t>
-            </a:r>
-            <a:r>
-              <a:rPr lang="fr-FR" dirty="0" err="1"/>
-              <a:t>used</a:t>
-            </a:r>
-            <a:r>
-              <a:rPr lang="fr-FR" dirty="0"/>
-              <a:t> to </a:t>
-            </a:r>
-            <a:r>
-              <a:rPr lang="fr-FR" dirty="0" err="1"/>
-              <a:t>retry</a:t>
-            </a:r>
-            <a:r>
-              <a:rPr lang="fr-FR" dirty="0"/>
-              <a:t> the </a:t>
-            </a:r>
-            <a:r>
-              <a:rPr lang="fr-FR" dirty="0" err="1"/>
-              <a:t>level</a:t>
-            </a:r>
-            <a:r>
-              <a:rPr lang="fr-FR" dirty="0"/>
-              <a:t>. But </a:t>
-            </a:r>
-            <a:r>
-              <a:rPr lang="fr-FR" dirty="0" err="1"/>
-              <a:t>this</a:t>
-            </a:r>
-            <a:r>
-              <a:rPr lang="fr-FR" dirty="0"/>
-              <a:t> action </a:t>
+              <a:t> by the use of the R key. This action </a:t>
             </a:r>
             <a:r>
               <a:rPr lang="fr-FR" dirty="0" err="1"/>

--- a/Deliverables/Lorann - PowerPoint.pptx
+++ b/Deliverables/Lorann - PowerPoint.pptx
@@ -5466,7 +5466,7 @@
             </a:r>
             <a:r>
               <a:rPr lang="en-GB" dirty="0"/>
-              <a:t> can kill the monsters only using his spell.</a:t>
+              <a:t> can kill the monsters only using his Spell.</a:t>
             </a:r>
           </a:p>
           <a:p>
@@ -5484,7 +5484,7 @@
             </a:r>
             <a:r>
               <a:rPr lang="en-GB" dirty="0"/>
-              <a:t> can cast his spell only once at a time, and must grab it back (by going on it’s way) to cast it again.</a:t>
+              <a:t> can cast his Spell only once at a time, and must grab it back (by going on it’s way) to cast it again.</a:t>
             </a:r>
             <a:endParaRPr lang="fr-FR" dirty="0"/>
           </a:p>

--- a/Deliverables/Lorann - PowerPoint.pptx
+++ b/Deliverables/Lorann - PowerPoint.pptx
@@ -5431,7 +5431,7 @@
             </a:r>
             <a:r>
               <a:rPr lang="en-GB" dirty="0"/>
-              <a:t> can get killed if he encounters one of the following :</a:t>
+              <a:t> can get killed if he encounters one of the following:</a:t>
             </a:r>
             <a:endParaRPr lang="fr-FR" dirty="0"/>
           </a:p>
@@ -5642,7 +5642,15 @@
             </a:pPr>
             <a:r>
               <a:rPr lang="en-GB" dirty="0"/>
-              <a:t>The ZQSD keys</a:t>
+              <a:t>The </a:t>
+            </a:r>
+            <a:r>
+              <a:rPr lang="en-GB" b="1" dirty="0"/>
+              <a:t>ZQSD</a:t>
+            </a:r>
+            <a:r>
+              <a:rPr lang="en-GB" dirty="0"/>
+              <a:t> keys</a:t>
             </a:r>
           </a:p>
           <a:p>
@@ -5653,7 +5661,15 @@
             </a:pPr>
             <a:r>
               <a:rPr lang="en-GB" dirty="0"/>
-              <a:t>The WASD keys</a:t>
+              <a:t>The </a:t>
+            </a:r>
+            <a:r>
+              <a:rPr lang="en-GB" b="1" dirty="0"/>
+              <a:t>WASD</a:t>
+            </a:r>
+            <a:r>
+              <a:rPr lang="en-GB" dirty="0"/>
+              <a:t> keys</a:t>
             </a:r>
             <a:endParaRPr lang="fr-FR" dirty="0"/>
           </a:p>
@@ -5688,7 +5704,15 @@
             </a:r>
             <a:r>
               <a:rPr lang="fr-FR" dirty="0"/>
-              <a:t> by the use of the SPACE key.</a:t>
+              <a:t> by the use of the </a:t>
+            </a:r>
+            <a:r>
+              <a:rPr lang="fr-FR" b="1" dirty="0"/>
+              <a:t>SPACE</a:t>
+            </a:r>
+            <a:r>
+              <a:rPr lang="fr-FR" dirty="0"/>
+              <a:t> key.</a:t>
             </a:r>
           </a:p>
           <a:p>
@@ -5722,7 +5746,15 @@
             </a:r>
             <a:r>
               <a:rPr lang="fr-FR" dirty="0"/>
-              <a:t> by the use of the R key. This action </a:t>
+              <a:t> by the use of the </a:t>
+            </a:r>
+            <a:r>
+              <a:rPr lang="fr-FR" b="1" dirty="0"/>
+              <a:t>R</a:t>
+            </a:r>
+            <a:r>
+              <a:rPr lang="fr-FR" dirty="0"/>
+              <a:t> key. This action </a:t>
             </a:r>
             <a:r>
               <a:rPr lang="fr-FR" dirty="0" err="1"/>
@@ -5738,19 +5770,7 @@
             </a:r>
             <a:r>
               <a:rPr lang="fr-FR" dirty="0"/>
-              <a:t> </a:t>
-            </a:r>
-            <a:r>
-              <a:rPr lang="fr-FR" dirty="0">
-                <a:highlight>
-                  <a:srgbClr val="FFFF00"/>
-                </a:highlight>
-              </a:rPr>
-              <a:t>xxx</a:t>
-            </a:r>
-            <a:r>
-              <a:rPr lang="fr-FR" dirty="0"/>
-              <a:t> point to the </a:t>
+              <a:t> 150 point to the </a:t>
             </a:r>
             <a:r>
               <a:rPr lang="fr-FR" dirty="0" err="1"/>

--- a/Deliverables/Lorann - PowerPoint.pptx
+++ b/Deliverables/Lorann - PowerPoint.pptx
@@ -4704,10 +4704,9 @@
               <a:buChar char="•"/>
             </a:pPr>
             <a:r>
-              <a:rPr lang="fr-FR" dirty="0" err="1"/>
+              <a:rPr lang="fr-FR" dirty="0"/>
               <a:t>Functioning</a:t>
             </a:r>
-            <a:endParaRPr lang="fr-FR" dirty="0"/>
           </a:p>
           <a:p>
             <a:pPr>
@@ -5597,7 +5596,7 @@
           <a:lstStyle/>
           <a:p>
             <a:r>
-              <a:rPr lang="fr-FR" u="sng" dirty="0" err="1"/>
+              <a:rPr lang="fr-FR" u="sng" dirty="0"/>
               <a:t>Functioning</a:t>
             </a:r>
             <a:r>
@@ -5631,7 +5630,15 @@
             </a:pPr>
             <a:r>
               <a:rPr lang="en-GB" dirty="0"/>
-              <a:t>The arrow keys</a:t>
+              <a:t>The </a:t>
+            </a:r>
+            <a:r>
+              <a:rPr lang="en-GB" b="1" dirty="0"/>
+              <a:t>Arrow</a:t>
+            </a:r>
+            <a:r>
+              <a:rPr lang="en-GB" dirty="0"/>
+              <a:t> keys</a:t>
             </a:r>
           </a:p>
           <a:p>

--- a/Deliverables/Lorann - PowerPoint.pptx
+++ b/Deliverables/Lorann - PowerPoint.pptx
@@ -4579,22 +4579,9 @@
               <a:buChar char="•"/>
             </a:pPr>
             <a:r>
-              <a:rPr lang="fr-FR" dirty="0"/>
-              <a:t> </a:t>
-            </a:r>
-            <a:r>
-              <a:rPr lang="fr-FR" dirty="0" err="1"/>
-              <a:t>Overview</a:t>
-            </a:r>
-            <a:r>
-              <a:rPr lang="fr-FR" dirty="0"/>
-              <a:t> of the </a:t>
-            </a:r>
-            <a:r>
-              <a:rPr lang="fr-FR" dirty="0" err="1"/>
-              <a:t>game</a:t>
-            </a:r>
-            <a:endParaRPr lang="fr-FR" dirty="0"/>
+              <a:rPr lang="en-GB" dirty="0"/>
+              <a:t> Overview of the game</a:t>
+            </a:r>
           </a:p>
           <a:p>
             <a:pPr>
@@ -4602,22 +4589,9 @@
               <a:buChar char="•"/>
             </a:pPr>
             <a:r>
-              <a:rPr lang="fr-FR" dirty="0"/>
-              <a:t> </a:t>
-            </a:r>
-            <a:r>
-              <a:rPr lang="fr-FR" dirty="0" err="1"/>
-              <a:t>Technical</a:t>
-            </a:r>
-            <a:r>
-              <a:rPr lang="fr-FR" dirty="0"/>
-              <a:t> </a:t>
-            </a:r>
-            <a:r>
-              <a:rPr lang="fr-FR" dirty="0" err="1"/>
-              <a:t>explanations</a:t>
-            </a:r>
-            <a:endParaRPr lang="fr-FR" dirty="0"/>
+              <a:rPr lang="en-GB" dirty="0"/>
+              <a:t> Technical explanations</a:t>
+            </a:r>
           </a:p>
           <a:p>
             <a:pPr lvl="1">
@@ -4625,16 +4599,8 @@
               <a:buChar char="•"/>
             </a:pPr>
             <a:r>
-              <a:rPr lang="fr-FR" dirty="0">
-                <a:highlight>
-                  <a:srgbClr val="FFFF00"/>
-                </a:highlight>
-              </a:rPr>
-              <a:t>Diagrammes</a:t>
-            </a:r>
-            <a:r>
-              <a:rPr lang="fr-FR" dirty="0"/>
-              <a:t> </a:t>
+              <a:rPr lang="en-GB" dirty="0"/>
+              <a:t>Diagrams</a:t>
             </a:r>
           </a:p>
           <a:p>
@@ -4643,7 +4609,7 @@
               <a:buChar char="•"/>
             </a:pPr>
             <a:r>
-              <a:rPr lang="fr-FR" dirty="0">
+              <a:rPr lang="en-GB" dirty="0">
                 <a:highlight>
                   <a:srgbClr val="FFFF00"/>
                 </a:highlight>
@@ -4651,7 +4617,7 @@
               <a:t>Code</a:t>
             </a:r>
             <a:r>
-              <a:rPr lang="fr-FR" dirty="0"/>
+              <a:rPr lang="en-GB" dirty="0"/>
               <a:t> </a:t>
             </a:r>
           </a:p>
@@ -4661,22 +4627,9 @@
               <a:buChar char="•"/>
             </a:pPr>
             <a:r>
-              <a:rPr lang="fr-FR" dirty="0"/>
-              <a:t> </a:t>
-            </a:r>
-            <a:r>
-              <a:rPr lang="fr-FR" dirty="0" err="1"/>
-              <a:t>Functional</a:t>
-            </a:r>
-            <a:r>
-              <a:rPr lang="fr-FR" dirty="0"/>
-              <a:t> </a:t>
-            </a:r>
-            <a:r>
-              <a:rPr lang="fr-FR" dirty="0" err="1"/>
-              <a:t>explanations</a:t>
-            </a:r>
-            <a:endParaRPr lang="fr-FR" dirty="0"/>
+              <a:rPr lang="en-GB" dirty="0"/>
+              <a:t> Functional explanations</a:t>
+            </a:r>
           </a:p>
           <a:p>
             <a:pPr lvl="1">
@@ -4684,7 +4637,7 @@
               <a:buChar char="•"/>
             </a:pPr>
             <a:r>
-              <a:rPr lang="fr-FR" dirty="0"/>
+              <a:rPr lang="en-GB" dirty="0"/>
               <a:t>Goal</a:t>
             </a:r>
           </a:p>
@@ -4694,7 +4647,7 @@
               <a:buChar char="•"/>
             </a:pPr>
             <a:r>
-              <a:rPr lang="fr-FR" dirty="0"/>
+              <a:rPr lang="en-GB" dirty="0"/>
               <a:t>Rules</a:t>
             </a:r>
           </a:p>
@@ -4704,7 +4657,7 @@
               <a:buChar char="•"/>
             </a:pPr>
             <a:r>
-              <a:rPr lang="fr-FR" dirty="0"/>
+              <a:rPr lang="en-GB" dirty="0"/>
               <a:t>Functioning</a:t>
             </a:r>
           </a:p>
@@ -4714,18 +4667,9 @@
               <a:buChar char="•"/>
             </a:pPr>
             <a:r>
-              <a:rPr lang="fr-FR" dirty="0" err="1"/>
-              <a:t>Demo</a:t>
-            </a:r>
-            <a:r>
-              <a:rPr lang="fr-FR" dirty="0"/>
-              <a:t> of the </a:t>
-            </a:r>
-            <a:r>
-              <a:rPr lang="fr-FR" dirty="0" err="1"/>
-              <a:t>game</a:t>
-            </a:r>
-            <a:endParaRPr lang="fr-FR" dirty="0"/>
+              <a:rPr lang="en-GB" dirty="0"/>
+              <a:t>Demo of the game</a:t>
+            </a:r>
           </a:p>
         </p:txBody>
       </p:sp>
@@ -4963,10 +4907,10 @@
       </p:sp>
       <p:pic>
         <p:nvPicPr>
-          <p:cNvPr id="5" name="Espace réservé du contenu 4" descr="Une image contenant capture d’écran&#10;&#10;Description générée avec un niveau de confiance très élevé">
+          <p:cNvPr id="9" name="Espace réservé du contenu 8" descr="Une image contenant capture d’écran&#10;&#10;Description générée avec un niveau de confiance très élevé">
             <a:extLst>
               <a:ext uri="{FF2B5EF4-FFF2-40B4-BE49-F238E27FC236}">
-                <a16:creationId xmlns:a16="http://schemas.microsoft.com/office/drawing/2014/main" id="{821F5EA6-B05B-4526-899D-891CC090645D}"/>
+                <a16:creationId xmlns:a16="http://schemas.microsoft.com/office/drawing/2014/main" id="{064BD438-AE89-4DA5-87CD-E4FE768F96C3}"/>
               </a:ext>
             </a:extLst>
           </p:cNvPr>

--- a/Deliverables/Lorann - PowerPoint.pptx
+++ b/Deliverables/Lorann - PowerPoint.pptx
@@ -4397,7 +4397,7 @@
             </a:pPr>
             <a:r>
               <a:rPr lang="en-US" b="1" dirty="0"/>
-              <a:t> Joël DIDIER </a:t>
+              <a:t> Joël DIDIER</a:t>
             </a:r>
             <a:r>
               <a:rPr lang="en-US" dirty="0"/>
@@ -4477,7 +4477,7 @@
               <a:t>Java </a:t>
             </a:r>
             <a:r>
-              <a:rPr lang="fr-FR" i="1" dirty="0" err="1"/>
+              <a:rPr lang="en-GB" i="1" dirty="0"/>
               <a:t>Developer</a:t>
             </a:r>
             <a:r>

--- a/Deliverables/Lorann - PowerPoint.pptx
+++ b/Deliverables/Lorann - PowerPoint.pptx
@@ -4667,7 +4667,11 @@
               <a:buChar char="•"/>
             </a:pPr>
             <a:r>
-              <a:rPr lang="en-GB" dirty="0"/>
+              <a:rPr lang="en-GB" dirty="0">
+                <a:highlight>
+                  <a:srgbClr val="FFFF00"/>
+                </a:highlight>
+              </a:rPr>
               <a:t>Demo of the game</a:t>
             </a:r>
           </a:p>

--- a/Deliverables/Lorann - PowerPoint.pptx
+++ b/Deliverables/Lorann - PowerPoint.pptx
@@ -14,7 +14,8 @@
     <p:sldId id="262" r:id="rId8"/>
     <p:sldId id="260" r:id="rId9"/>
     <p:sldId id="261" r:id="rId10"/>
-    <p:sldId id="264" r:id="rId11"/>
+    <p:sldId id="266" r:id="rId11"/>
+    <p:sldId id="264" r:id="rId12"/>
   </p:sldIdLst>
   <p:sldSz cx="12192000" cy="6858000"/>
   <p:notesSz cx="6858000" cy="9144000"/>
@@ -4156,7 +4157,7 @@
                   <a:srgbClr val="FFFFFF"/>
                 </a:solidFill>
               </a:rPr>
-              <a:t>Java/OPP/UML Project</a:t>
+              <a:t>Java/OOP/UML Project</a:t>
             </a:r>
           </a:p>
         </p:txBody>
@@ -4235,6 +4236,222 @@
           <p:cNvPr id="2" name="Titre 1">
             <a:extLst>
               <a:ext uri="{FF2B5EF4-FFF2-40B4-BE49-F238E27FC236}">
+                <a16:creationId xmlns:a16="http://schemas.microsoft.com/office/drawing/2014/main" id="{FB1A6413-EF2A-4DEB-B313-C8560EF8F165}"/>
+              </a:ext>
+            </a:extLst>
+          </p:cNvPr>
+          <p:cNvSpPr>
+            <a:spLocks noGrp="1"/>
+          </p:cNvSpPr>
+          <p:nvPr>
+            <p:ph type="title"/>
+          </p:nvPr>
+        </p:nvSpPr>
+        <p:spPr/>
+        <p:txBody>
+          <a:bodyPr/>
+          <a:lstStyle/>
+          <a:p>
+            <a:r>
+              <a:rPr lang="en-GB" dirty="0"/>
+              <a:t>Functional</a:t>
+            </a:r>
+            <a:r>
+              <a:rPr lang="fr-FR" dirty="0"/>
+              <a:t> </a:t>
+            </a:r>
+            <a:r>
+              <a:rPr lang="en-GB" dirty="0"/>
+              <a:t>explanations</a:t>
+            </a:r>
+            <a:endParaRPr lang="fr-FR" dirty="0"/>
+          </a:p>
+        </p:txBody>
+      </p:sp>
+      <p:sp>
+        <p:nvSpPr>
+          <p:cNvPr id="3" name="Espace réservé du contenu 2">
+            <a:extLst>
+              <a:ext uri="{FF2B5EF4-FFF2-40B4-BE49-F238E27FC236}">
+                <a16:creationId xmlns:a16="http://schemas.microsoft.com/office/drawing/2014/main" id="{8CCCE6FF-04C8-47A1-91CC-75DFF8C92718}"/>
+              </a:ext>
+            </a:extLst>
+          </p:cNvPr>
+          <p:cNvSpPr>
+            <a:spLocks noGrp="1"/>
+          </p:cNvSpPr>
+          <p:nvPr>
+            <p:ph idx="1"/>
+          </p:nvPr>
+        </p:nvSpPr>
+        <p:spPr/>
+        <p:txBody>
+          <a:bodyPr/>
+          <a:lstStyle/>
+          <a:p>
+            <a:r>
+              <a:rPr lang="en-GB" u="sng" dirty="0"/>
+              <a:t>Points</a:t>
+            </a:r>
+            <a:r>
+              <a:rPr lang="en-GB" dirty="0"/>
+              <a:t>:</a:t>
+            </a:r>
+          </a:p>
+          <a:p>
+            <a:pPr>
+              <a:buFont typeface="Arial" panose="020B0604020202020204" pitchFamily="34" charset="0"/>
+              <a:buChar char="•"/>
+            </a:pPr>
+            <a:r>
+              <a:rPr lang="en-GB" dirty="0"/>
+              <a:t> You can earn points by many ways:</a:t>
+            </a:r>
+          </a:p>
+          <a:p>
+            <a:pPr lvl="1">
+              <a:buSzPct val="50000"/>
+              <a:buFont typeface="Courier New" panose="02070309020205020404" pitchFamily="49" charset="0"/>
+              <a:buChar char="o"/>
+            </a:pPr>
+            <a:r>
+              <a:rPr lang="en-GB" dirty="0"/>
+              <a:t>Collecting a Purse grants 50 points</a:t>
+            </a:r>
+          </a:p>
+          <a:p>
+            <a:pPr lvl="1">
+              <a:buSzPct val="50000"/>
+              <a:buFont typeface="Courier New" panose="02070309020205020404" pitchFamily="49" charset="0"/>
+              <a:buChar char="o"/>
+            </a:pPr>
+            <a:r>
+              <a:rPr lang="en-GB" dirty="0"/>
+              <a:t>Killing a Monster grants 50 points</a:t>
+            </a:r>
+          </a:p>
+          <a:p>
+            <a:pPr lvl="1">
+              <a:buSzPct val="50000"/>
+              <a:buFont typeface="Courier New" panose="02070309020205020404" pitchFamily="49" charset="0"/>
+              <a:buChar char="o"/>
+            </a:pPr>
+            <a:r>
+              <a:rPr lang="en-GB" dirty="0"/>
+              <a:t>Passing through the Door grants 100 points</a:t>
+            </a:r>
+          </a:p>
+          <a:p>
+            <a:pPr lvl="1">
+              <a:buFont typeface="Arial" panose="020B0604020202020204" pitchFamily="34" charset="0"/>
+              <a:buChar char="•"/>
+            </a:pPr>
+            <a:endParaRPr lang="en-GB" dirty="0"/>
+          </a:p>
+          <a:p>
+            <a:pPr lvl="1">
+              <a:buFont typeface="Arial" panose="020B0604020202020204" pitchFamily="34" charset="0"/>
+              <a:buChar char="•"/>
+            </a:pPr>
+            <a:endParaRPr lang="en-GB" dirty="0"/>
+          </a:p>
+          <a:p>
+            <a:pPr marL="201168" lvl="1" indent="0">
+              <a:buNone/>
+            </a:pPr>
+            <a:endParaRPr lang="en-GB" dirty="0"/>
+          </a:p>
+          <a:p>
+            <a:pPr>
+              <a:buFont typeface="Arial" panose="020B0604020202020204" pitchFamily="34" charset="0"/>
+              <a:buChar char="•"/>
+            </a:pPr>
+            <a:r>
+              <a:rPr lang="fr-FR" dirty="0"/>
+              <a:t> You can </a:t>
+            </a:r>
+            <a:r>
+              <a:rPr lang="en-GB" dirty="0"/>
+              <a:t>use the retry button to restart a level, but 150 points will be used.</a:t>
+            </a:r>
+            <a:endParaRPr lang="fr-FR" dirty="0"/>
+          </a:p>
+          <a:p>
+            <a:endParaRPr lang="fr-FR" dirty="0"/>
+          </a:p>
+        </p:txBody>
+      </p:sp>
+      <p:pic>
+        <p:nvPicPr>
+          <p:cNvPr id="5" name="Image 4" descr="Une image contenant objet&#10;&#10;Description générée avec un niveau de confiance très élevé">
+            <a:extLst>
+              <a:ext uri="{FF2B5EF4-FFF2-40B4-BE49-F238E27FC236}">
+                <a16:creationId xmlns:a16="http://schemas.microsoft.com/office/drawing/2014/main" id="{782D9796-ABAA-408C-A775-564B5AD23E87}"/>
+              </a:ext>
+            </a:extLst>
+          </p:cNvPr>
+          <p:cNvPicPr>
+            <a:picLocks noChangeAspect="1"/>
+          </p:cNvPicPr>
+          <p:nvPr/>
+        </p:nvPicPr>
+        <p:blipFill>
+          <a:blip r:embed="rId2">
+            <a:extLst>
+              <a:ext uri="{28A0092B-C50C-407E-A947-70E740481C1C}">
+                <a14:useLocalDpi xmlns:a14="http://schemas.microsoft.com/office/drawing/2010/main" val="0"/>
+              </a:ext>
+            </a:extLst>
+          </a:blip>
+          <a:stretch>
+            <a:fillRect/>
+          </a:stretch>
+        </p:blipFill>
+        <p:spPr>
+          <a:xfrm>
+            <a:off x="3332949" y="3857414"/>
+            <a:ext cx="4945809" cy="426757"/>
+          </a:xfrm>
+          <a:prstGeom prst="rect">
+            <a:avLst/>
+          </a:prstGeom>
+        </p:spPr>
+      </p:pic>
+    </p:spTree>
+    <p:extLst>
+      <p:ext uri="{BB962C8B-B14F-4D97-AF65-F5344CB8AC3E}">
+        <p14:creationId xmlns:p14="http://schemas.microsoft.com/office/powerpoint/2010/main" val="2664573879"/>
+      </p:ext>
+    </p:extLst>
+  </p:cSld>
+  <p:clrMapOvr>
+    <a:masterClrMapping/>
+  </p:clrMapOvr>
+</p:sld>
+</file>
+
+<file path=ppt/slides/slide11.xml><?xml version="1.0" encoding="utf-8"?>
+<p:sld xmlns:a="http://schemas.openxmlformats.org/drawingml/2006/main" xmlns:r="http://schemas.openxmlformats.org/officeDocument/2006/relationships" xmlns:p="http://schemas.openxmlformats.org/presentationml/2006/main">
+  <p:cSld>
+    <p:spTree>
+      <p:nvGrpSpPr>
+        <p:cNvPr id="1" name=""/>
+        <p:cNvGrpSpPr/>
+        <p:nvPr/>
+      </p:nvGrpSpPr>
+      <p:grpSpPr>
+        <a:xfrm>
+          <a:off x="0" y="0"/>
+          <a:ext cx="0" cy="0"/>
+          <a:chOff x="0" y="0"/>
+          <a:chExt cx="0" cy="0"/>
+        </a:xfrm>
+      </p:grpSpPr>
+      <p:sp>
+        <p:nvSpPr>
+          <p:cNvPr id="2" name="Titre 1">
+            <a:extLst>
+              <a:ext uri="{FF2B5EF4-FFF2-40B4-BE49-F238E27FC236}">
                 <a16:creationId xmlns:a16="http://schemas.microsoft.com/office/drawing/2014/main" id="{EB95E5EF-0A79-4311-B5AA-2CBBE63278AC}"/>
               </a:ext>
             </a:extLst>
@@ -4564,7 +4781,9 @@
         </p:nvSpPr>
         <p:spPr/>
         <p:txBody>
-          <a:bodyPr/>
+          <a:bodyPr>
+            <a:normAutofit lnSpcReduction="10000"/>
+          </a:bodyPr>
           <a:lstStyle/>
           <a:p>
             <a:pPr>
@@ -4659,6 +4878,16 @@
             <a:r>
               <a:rPr lang="en-GB" dirty="0"/>
               <a:t>Functioning</a:t>
+            </a:r>
+          </a:p>
+          <a:p>
+            <a:pPr lvl="1">
+              <a:buFont typeface="Arial" panose="020B0604020202020204" pitchFamily="34" charset="0"/>
+              <a:buChar char="•"/>
+            </a:pPr>
+            <a:r>
+              <a:rPr lang="en-GB" dirty="0"/>
+              <a:t>Points</a:t>
             </a:r>
           </a:p>
           <a:p>
@@ -5306,10 +5535,15 @@
             <p:ph idx="1"/>
           </p:nvPr>
         </p:nvSpPr>
-        <p:spPr/>
+        <p:spPr>
+          <a:xfrm>
+            <a:off x="1097280" y="1845734"/>
+            <a:ext cx="10227212" cy="4484728"/>
+          </a:xfrm>
+        </p:spPr>
         <p:txBody>
           <a:bodyPr>
-            <a:normAutofit fontScale="92500" lnSpcReduction="10000"/>
+            <a:normAutofit/>
           </a:bodyPr>
           <a:lstStyle/>
           <a:p>
@@ -5372,6 +5606,14 @@
             <a:endParaRPr lang="fr-FR" dirty="0"/>
           </a:p>
           <a:p>
+            <a:pPr>
+              <a:buFont typeface="Arial" panose="020B0604020202020204" pitchFamily="34" charset="0"/>
+              <a:buChar char="•"/>
+            </a:pPr>
+            <a:r>
+              <a:rPr lang="en-GB" dirty="0"/>
+              <a:t> </a:t>
+            </a:r>
             <a:r>
               <a:rPr lang="en-GB" dirty="0" err="1"/>
               <a:t>Lorann</a:t>
@@ -5725,7 +5967,7 @@
             </a:r>
             <a:r>
               <a:rPr lang="fr-FR" dirty="0"/>
-              <a:t> 150 point to the </a:t>
+              <a:t> a few points to the </a:t>
             </a:r>
             <a:r>
               <a:rPr lang="fr-FR" dirty="0" err="1"/>

--- a/Deliverables/Lorann - PowerPoint.pptx
+++ b/Deliverables/Lorann - PowerPoint.pptx
@@ -9,13 +9,15 @@
     <p:sldId id="265" r:id="rId3"/>
     <p:sldId id="257" r:id="rId4"/>
     <p:sldId id="258" r:id="rId5"/>
-    <p:sldId id="259" r:id="rId6"/>
-    <p:sldId id="263" r:id="rId7"/>
-    <p:sldId id="262" r:id="rId8"/>
-    <p:sldId id="260" r:id="rId9"/>
-    <p:sldId id="261" r:id="rId10"/>
-    <p:sldId id="266" r:id="rId11"/>
-    <p:sldId id="264" r:id="rId12"/>
+    <p:sldId id="270" r:id="rId6"/>
+    <p:sldId id="267" r:id="rId7"/>
+    <p:sldId id="268" r:id="rId8"/>
+    <p:sldId id="269" r:id="rId9"/>
+    <p:sldId id="262" r:id="rId10"/>
+    <p:sldId id="260" r:id="rId11"/>
+    <p:sldId id="261" r:id="rId12"/>
+    <p:sldId id="266" r:id="rId13"/>
+    <p:sldId id="264" r:id="rId14"/>
   </p:sldIdLst>
   <p:sldSz cx="12192000" cy="6858000"/>
   <p:notesSz cx="6858000" cy="9144000"/>
@@ -348,7 +350,7 @@
           <a:p>
             <a:fld id="{92D7BE08-F753-4E2D-BC77-1E5346D3BCE8}" type="datetimeFigureOut">
               <a:rPr lang="fr-FR" smtClean="0"/>
-              <a:t>04/06/2018</a:t>
+              <a:t>06/06/2018</a:t>
             </a:fld>
             <a:endParaRPr lang="fr-FR"/>
           </a:p>
@@ -556,7 +558,7 @@
           <a:p>
             <a:fld id="{92D7BE08-F753-4E2D-BC77-1E5346D3BCE8}" type="datetimeFigureOut">
               <a:rPr lang="fr-FR" smtClean="0"/>
-              <a:t>04/06/2018</a:t>
+              <a:t>06/06/2018</a:t>
             </a:fld>
             <a:endParaRPr lang="fr-FR"/>
           </a:p>
@@ -812,7 +814,7 @@
           <a:p>
             <a:fld id="{92D7BE08-F753-4E2D-BC77-1E5346D3BCE8}" type="datetimeFigureOut">
               <a:rPr lang="fr-FR" smtClean="0"/>
-              <a:t>04/06/2018</a:t>
+              <a:t>06/06/2018</a:t>
             </a:fld>
             <a:endParaRPr lang="fr-FR"/>
           </a:p>
@@ -986,7 +988,7 @@
           <a:p>
             <a:fld id="{92D7BE08-F753-4E2D-BC77-1E5346D3BCE8}" type="datetimeFigureOut">
               <a:rPr lang="fr-FR" smtClean="0"/>
-              <a:t>04/06/2018</a:t>
+              <a:t>06/06/2018</a:t>
             </a:fld>
             <a:endParaRPr lang="fr-FR"/>
           </a:p>
@@ -1329,7 +1331,7 @@
           <a:p>
             <a:fld id="{92D7BE08-F753-4E2D-BC77-1E5346D3BCE8}" type="datetimeFigureOut">
               <a:rPr lang="fr-FR" smtClean="0"/>
-              <a:t>04/06/2018</a:t>
+              <a:t>06/06/2018</a:t>
             </a:fld>
             <a:endParaRPr lang="fr-FR"/>
           </a:p>
@@ -1604,7 +1606,7 @@
           <a:p>
             <a:fld id="{92D7BE08-F753-4E2D-BC77-1E5346D3BCE8}" type="datetimeFigureOut">
               <a:rPr lang="fr-FR" smtClean="0"/>
-              <a:t>04/06/2018</a:t>
+              <a:t>06/06/2018</a:t>
             </a:fld>
             <a:endParaRPr lang="fr-FR"/>
           </a:p>
@@ -1983,7 +1985,7 @@
           <a:p>
             <a:fld id="{92D7BE08-F753-4E2D-BC77-1E5346D3BCE8}" type="datetimeFigureOut">
               <a:rPr lang="fr-FR" smtClean="0"/>
-              <a:t>04/06/2018</a:t>
+              <a:t>06/06/2018</a:t>
             </a:fld>
             <a:endParaRPr lang="fr-FR"/>
           </a:p>
@@ -2101,7 +2103,7 @@
           <a:p>
             <a:fld id="{92D7BE08-F753-4E2D-BC77-1E5346D3BCE8}" type="datetimeFigureOut">
               <a:rPr lang="fr-FR" smtClean="0"/>
-              <a:t>04/06/2018</a:t>
+              <a:t>06/06/2018</a:t>
             </a:fld>
             <a:endParaRPr lang="fr-FR"/>
           </a:p>
@@ -2272,7 +2274,7 @@
           <a:p>
             <a:fld id="{92D7BE08-F753-4E2D-BC77-1E5346D3BCE8}" type="datetimeFigureOut">
               <a:rPr lang="fr-FR" smtClean="0"/>
-              <a:t>04/06/2018</a:t>
+              <a:t>06/06/2018</a:t>
             </a:fld>
             <a:endParaRPr lang="fr-FR"/>
           </a:p>
@@ -2626,7 +2628,7 @@
           <a:p>
             <a:fld id="{92D7BE08-F753-4E2D-BC77-1E5346D3BCE8}" type="datetimeFigureOut">
               <a:rPr lang="fr-FR" smtClean="0"/>
-              <a:t>04/06/2018</a:t>
+              <a:t>06/06/2018</a:t>
             </a:fld>
             <a:endParaRPr lang="fr-FR"/>
           </a:p>
@@ -3008,7 +3010,7 @@
           <a:p>
             <a:fld id="{92D7BE08-F753-4E2D-BC77-1E5346D3BCE8}" type="datetimeFigureOut">
               <a:rPr lang="fr-FR" smtClean="0"/>
-              <a:t>04/06/2018</a:t>
+              <a:t>06/06/2018</a:t>
             </a:fld>
             <a:endParaRPr lang="fr-FR"/>
           </a:p>
@@ -3295,7 +3297,7 @@
           <a:p>
             <a:fld id="{92D7BE08-F753-4E2D-BC77-1E5346D3BCE8}" type="datetimeFigureOut">
               <a:rPr lang="fr-FR" smtClean="0"/>
-              <a:t>04/06/2018</a:t>
+              <a:t>06/06/2018</a:t>
             </a:fld>
             <a:endParaRPr lang="fr-FR"/>
           </a:p>
@@ -4236,7 +4238,7 @@
           <p:cNvPr id="2" name="Titre 1">
             <a:extLst>
               <a:ext uri="{FF2B5EF4-FFF2-40B4-BE49-F238E27FC236}">
-                <a16:creationId xmlns:a16="http://schemas.microsoft.com/office/drawing/2014/main" id="{FB1A6413-EF2A-4DEB-B313-C8560EF8F165}"/>
+                <a16:creationId xmlns:a16="http://schemas.microsoft.com/office/drawing/2014/main" id="{4D84EB35-F52A-4EF2-A06C-11BB278CCC98}"/>
               </a:ext>
             </a:extLst>
           </p:cNvPr>
@@ -4264,39 +4266,94 @@
               <a:rPr lang="en-GB" dirty="0"/>
               <a:t>explanations</a:t>
             </a:r>
+          </a:p>
+        </p:txBody>
+      </p:sp>
+      <p:sp>
+        <p:nvSpPr>
+          <p:cNvPr id="3" name="Espace réservé du contenu 2">
+            <a:extLst>
+              <a:ext uri="{FF2B5EF4-FFF2-40B4-BE49-F238E27FC236}">
+                <a16:creationId xmlns:a16="http://schemas.microsoft.com/office/drawing/2014/main" id="{94B79B1C-6662-4E44-94F8-E7C472E25E6F}"/>
+              </a:ext>
+            </a:extLst>
+          </p:cNvPr>
+          <p:cNvSpPr>
+            <a:spLocks noGrp="1"/>
+          </p:cNvSpPr>
+          <p:nvPr>
+            <p:ph idx="1"/>
+          </p:nvPr>
+        </p:nvSpPr>
+        <p:spPr>
+          <a:xfrm>
+            <a:off x="1097280" y="1845734"/>
+            <a:ext cx="10227212" cy="4484728"/>
+          </a:xfrm>
+        </p:spPr>
+        <p:txBody>
+          <a:bodyPr>
+            <a:normAutofit/>
+          </a:bodyPr>
+          <a:lstStyle/>
+          <a:p>
+            <a:r>
+              <a:rPr lang="fr-FR" u="sng" dirty="0"/>
+              <a:t>Rules</a:t>
+            </a:r>
+            <a:r>
+              <a:rPr lang="fr-FR" dirty="0"/>
+              <a:t>:</a:t>
+            </a:r>
+          </a:p>
+          <a:p>
+            <a:pPr lvl="0">
+              <a:buFont typeface="Arial" panose="020B0604020202020204" pitchFamily="34" charset="0"/>
+              <a:buChar char="•"/>
+            </a:pPr>
+            <a:r>
+              <a:rPr lang="en-GB" dirty="0"/>
+              <a:t> There is no time limit to finish any level.</a:t>
+            </a:r>
             <a:endParaRPr lang="fr-FR" dirty="0"/>
           </a:p>
-        </p:txBody>
-      </p:sp>
-      <p:sp>
-        <p:nvSpPr>
-          <p:cNvPr id="3" name="Espace réservé du contenu 2">
-            <a:extLst>
-              <a:ext uri="{FF2B5EF4-FFF2-40B4-BE49-F238E27FC236}">
-                <a16:creationId xmlns:a16="http://schemas.microsoft.com/office/drawing/2014/main" id="{8CCCE6FF-04C8-47A1-91CC-75DFF8C92718}"/>
-              </a:ext>
-            </a:extLst>
-          </p:cNvPr>
-          <p:cNvSpPr>
-            <a:spLocks noGrp="1"/>
-          </p:cNvSpPr>
-          <p:nvPr>
-            <p:ph idx="1"/>
-          </p:nvPr>
-        </p:nvSpPr>
-        <p:spPr/>
-        <p:txBody>
-          <a:bodyPr/>
-          <a:lstStyle/>
-          <a:p>
-            <a:r>
-              <a:rPr lang="en-GB" u="sng" dirty="0"/>
-              <a:t>Points</a:t>
-            </a:r>
+          <a:p>
+            <a:pPr lvl="0">
+              <a:buFont typeface="Arial" panose="020B0604020202020204" pitchFamily="34" charset="0"/>
+              <a:buChar char="•"/>
+            </a:pPr>
             <a:r>
               <a:rPr lang="en-GB" dirty="0"/>
-              <a:t>:</a:t>
-            </a:r>
+              <a:t> </a:t>
+            </a:r>
+            <a:r>
+              <a:rPr lang="en-GB" dirty="0" err="1"/>
+              <a:t>Lorann</a:t>
+            </a:r>
+            <a:r>
+              <a:rPr lang="en-GB" dirty="0"/>
+              <a:t> can move in any direction (left, right, up, down, all diagonals).</a:t>
+            </a:r>
+            <a:endParaRPr lang="fr-FR" dirty="0"/>
+          </a:p>
+          <a:p>
+            <a:pPr lvl="0">
+              <a:buFont typeface="Arial" panose="020B0604020202020204" pitchFamily="34" charset="0"/>
+              <a:buChar char="•"/>
+            </a:pPr>
+            <a:r>
+              <a:rPr lang="en-GB" dirty="0"/>
+              <a:t> </a:t>
+            </a:r>
+            <a:r>
+              <a:rPr lang="en-GB" dirty="0" err="1"/>
+              <a:t>Lorann</a:t>
+            </a:r>
+            <a:r>
+              <a:rPr lang="en-GB" dirty="0"/>
+              <a:t> cannot go through walls (Pillars, Horizontal and Vertical Bones).</a:t>
+            </a:r>
+            <a:endParaRPr lang="fr-FR" dirty="0"/>
           </a:p>
           <a:p>
             <a:pPr>
@@ -4305,7 +4362,204 @@
             </a:pPr>
             <a:r>
               <a:rPr lang="en-GB" dirty="0"/>
-              <a:t> You can earn points by many ways:</a:t>
+              <a:t> </a:t>
+            </a:r>
+            <a:r>
+              <a:rPr lang="en-GB" dirty="0" err="1"/>
+              <a:t>Lorann</a:t>
+            </a:r>
+            <a:r>
+              <a:rPr lang="en-GB" dirty="0"/>
+              <a:t> can get killed if he encounters one of the following:</a:t>
+            </a:r>
+            <a:endParaRPr lang="fr-FR" dirty="0"/>
+          </a:p>
+          <a:p>
+            <a:pPr lvl="1"/>
+            <a:r>
+              <a:rPr lang="en-GB" dirty="0"/>
+              <a:t>The closed door leading to the next level</a:t>
+            </a:r>
+            <a:endParaRPr lang="fr-FR" dirty="0"/>
+          </a:p>
+          <a:p>
+            <a:pPr lvl="1"/>
+            <a:r>
+              <a:rPr lang="en-GB" dirty="0"/>
+              <a:t>Any of the 4 monsters</a:t>
+            </a:r>
+            <a:endParaRPr lang="fr-FR" dirty="0"/>
+          </a:p>
+          <a:p>
+            <a:pPr>
+              <a:buFont typeface="Arial" panose="020B0604020202020204" pitchFamily="34" charset="0"/>
+              <a:buChar char="•"/>
+            </a:pPr>
+            <a:r>
+              <a:rPr lang="en-GB" dirty="0"/>
+              <a:t> </a:t>
+            </a:r>
+            <a:r>
+              <a:rPr lang="en-GB" dirty="0" err="1"/>
+              <a:t>Lorann</a:t>
+            </a:r>
+            <a:r>
+              <a:rPr lang="en-GB" dirty="0"/>
+              <a:t> can kill the monsters only using his Spell.</a:t>
+            </a:r>
+          </a:p>
+          <a:p>
+            <a:pPr>
+              <a:buFont typeface="Arial" panose="020B0604020202020204" pitchFamily="34" charset="0"/>
+              <a:buChar char="•"/>
+            </a:pPr>
+            <a:r>
+              <a:rPr lang="en-GB" dirty="0"/>
+              <a:t> </a:t>
+            </a:r>
+            <a:r>
+              <a:rPr lang="en-GB" dirty="0" err="1"/>
+              <a:t>Lorann</a:t>
+            </a:r>
+            <a:r>
+              <a:rPr lang="en-GB" dirty="0"/>
+              <a:t> can cast his Spell only once at a time, and must grab it back (by going on it’s way) to cast it again.</a:t>
+            </a:r>
+            <a:endParaRPr lang="fr-FR" dirty="0"/>
+          </a:p>
+          <a:p>
+            <a:pPr lvl="0">
+              <a:buFont typeface="Arial" panose="020B0604020202020204" pitchFamily="34" charset="0"/>
+              <a:buChar char="•"/>
+            </a:pPr>
+            <a:r>
+              <a:rPr lang="en-GB" dirty="0"/>
+              <a:t> Monsters cannot go through walls.</a:t>
+            </a:r>
+            <a:endParaRPr lang="fr-FR" dirty="0"/>
+          </a:p>
+          <a:p>
+            <a:pPr>
+              <a:buFont typeface="Arial" panose="020B0604020202020204" pitchFamily="34" charset="0"/>
+              <a:buChar char="•"/>
+            </a:pPr>
+            <a:endParaRPr lang="fr-FR" dirty="0"/>
+          </a:p>
+        </p:txBody>
+      </p:sp>
+    </p:spTree>
+    <p:extLst>
+      <p:ext uri="{BB962C8B-B14F-4D97-AF65-F5344CB8AC3E}">
+        <p14:creationId xmlns:p14="http://schemas.microsoft.com/office/powerpoint/2010/main" val="1692390166"/>
+      </p:ext>
+    </p:extLst>
+  </p:cSld>
+  <p:clrMapOvr>
+    <a:masterClrMapping/>
+  </p:clrMapOvr>
+</p:sld>
+</file>
+
+<file path=ppt/slides/slide11.xml><?xml version="1.0" encoding="utf-8"?>
+<p:sld xmlns:a="http://schemas.openxmlformats.org/drawingml/2006/main" xmlns:r="http://schemas.openxmlformats.org/officeDocument/2006/relationships" xmlns:p="http://schemas.openxmlformats.org/presentationml/2006/main">
+  <p:cSld>
+    <p:spTree>
+      <p:nvGrpSpPr>
+        <p:cNvPr id="1" name=""/>
+        <p:cNvGrpSpPr/>
+        <p:nvPr/>
+      </p:nvGrpSpPr>
+      <p:grpSpPr>
+        <a:xfrm>
+          <a:off x="0" y="0"/>
+          <a:ext cx="0" cy="0"/>
+          <a:chOff x="0" y="0"/>
+          <a:chExt cx="0" cy="0"/>
+        </a:xfrm>
+      </p:grpSpPr>
+      <p:sp>
+        <p:nvSpPr>
+          <p:cNvPr id="2" name="Titre 1">
+            <a:extLst>
+              <a:ext uri="{FF2B5EF4-FFF2-40B4-BE49-F238E27FC236}">
+                <a16:creationId xmlns:a16="http://schemas.microsoft.com/office/drawing/2014/main" id="{84E139C1-138C-48E8-A007-7E43A8A7CFAD}"/>
+              </a:ext>
+            </a:extLst>
+          </p:cNvPr>
+          <p:cNvSpPr>
+            <a:spLocks noGrp="1"/>
+          </p:cNvSpPr>
+          <p:nvPr>
+            <p:ph type="title"/>
+          </p:nvPr>
+        </p:nvSpPr>
+        <p:spPr/>
+        <p:txBody>
+          <a:bodyPr/>
+          <a:lstStyle/>
+          <a:p>
+            <a:r>
+              <a:rPr lang="en-GB" dirty="0"/>
+              <a:t>Functional</a:t>
+            </a:r>
+            <a:r>
+              <a:rPr lang="fr-FR" dirty="0"/>
+              <a:t> </a:t>
+            </a:r>
+            <a:r>
+              <a:rPr lang="en-GB" dirty="0"/>
+              <a:t>explanations</a:t>
+            </a:r>
+            <a:endParaRPr lang="fr-FR" dirty="0"/>
+          </a:p>
+        </p:txBody>
+      </p:sp>
+      <p:sp>
+        <p:nvSpPr>
+          <p:cNvPr id="3" name="Espace réservé du contenu 2">
+            <a:extLst>
+              <a:ext uri="{FF2B5EF4-FFF2-40B4-BE49-F238E27FC236}">
+                <a16:creationId xmlns:a16="http://schemas.microsoft.com/office/drawing/2014/main" id="{1C9AD590-6FEB-4342-A4C5-B0123E5414CE}"/>
+              </a:ext>
+            </a:extLst>
+          </p:cNvPr>
+          <p:cNvSpPr>
+            <a:spLocks noGrp="1"/>
+          </p:cNvSpPr>
+          <p:nvPr>
+            <p:ph idx="1"/>
+          </p:nvPr>
+        </p:nvSpPr>
+        <p:spPr/>
+        <p:txBody>
+          <a:bodyPr/>
+          <a:lstStyle/>
+          <a:p>
+            <a:r>
+              <a:rPr lang="fr-FR" u="sng" dirty="0"/>
+              <a:t>Functioning</a:t>
+            </a:r>
+            <a:r>
+              <a:rPr lang="fr-FR" dirty="0"/>
+              <a:t>:</a:t>
+            </a:r>
+          </a:p>
+          <a:p>
+            <a:pPr>
+              <a:buFont typeface="Arial" panose="020B0604020202020204" pitchFamily="34" charset="0"/>
+              <a:buChar char="•"/>
+            </a:pPr>
+            <a:r>
+              <a:rPr lang="en-GB" dirty="0"/>
+              <a:t> </a:t>
+            </a:r>
+            <a:r>
+              <a:rPr lang="en-GB" dirty="0" err="1"/>
+              <a:t>Lorann</a:t>
+            </a:r>
+            <a:r>
+              <a:rPr lang="en-GB" dirty="0"/>
+              <a:t> can be leaded by 3 types of keycaps:</a:t>
             </a:r>
           </a:p>
           <a:p>
@@ -4316,7 +4570,15 @@
             </a:pPr>
             <a:r>
               <a:rPr lang="en-GB" dirty="0"/>
-              <a:t>Collecting a Purse grants 50 points</a:t>
+              <a:t>The </a:t>
+            </a:r>
+            <a:r>
+              <a:rPr lang="en-GB" b="1" dirty="0"/>
+              <a:t>Arrow</a:t>
+            </a:r>
+            <a:r>
+              <a:rPr lang="en-GB" dirty="0"/>
+              <a:t> keys</a:t>
             </a:r>
           </a:p>
           <a:p>
@@ -4327,7 +4589,15 @@
             </a:pPr>
             <a:r>
               <a:rPr lang="en-GB" dirty="0"/>
-              <a:t>Killing a Monster grants 50 points</a:t>
+              <a:t>The </a:t>
+            </a:r>
+            <a:r>
+              <a:rPr lang="en-GB" b="1" dirty="0"/>
+              <a:t>ZQSD</a:t>
+            </a:r>
+            <a:r>
+              <a:rPr lang="en-GB" dirty="0"/>
+              <a:t> keys</a:t>
             </a:r>
           </a:p>
           <a:p>
@@ -4338,28 +4608,17 @@
             </a:pPr>
             <a:r>
               <a:rPr lang="en-GB" dirty="0"/>
-              <a:t>Passing through the Door grants 100 points</a:t>
-            </a:r>
-          </a:p>
-          <a:p>
-            <a:pPr lvl="1">
-              <a:buFont typeface="Arial" panose="020B0604020202020204" pitchFamily="34" charset="0"/>
-              <a:buChar char="•"/>
-            </a:pPr>
-            <a:endParaRPr lang="en-GB" dirty="0"/>
-          </a:p>
-          <a:p>
-            <a:pPr lvl="1">
-              <a:buFont typeface="Arial" panose="020B0604020202020204" pitchFamily="34" charset="0"/>
-              <a:buChar char="•"/>
-            </a:pPr>
-            <a:endParaRPr lang="en-GB" dirty="0"/>
-          </a:p>
-          <a:p>
-            <a:pPr marL="201168" lvl="1" indent="0">
-              <a:buNone/>
-            </a:pPr>
-            <a:endParaRPr lang="en-GB" dirty="0"/>
+              <a:t>The </a:t>
+            </a:r>
+            <a:r>
+              <a:rPr lang="en-GB" b="1" dirty="0"/>
+              <a:t>WASD</a:t>
+            </a:r>
+            <a:r>
+              <a:rPr lang="en-GB" dirty="0"/>
+              <a:t> keys</a:t>
+            </a:r>
+            <a:endParaRPr lang="fr-FR" dirty="0"/>
           </a:p>
           <a:p>
             <a:pPr>
@@ -4368,25 +4627,62 @@
             </a:pPr>
             <a:r>
               <a:rPr lang="fr-FR" dirty="0"/>
-              <a:t> You can </a:t>
-            </a:r>
-            <a:r>
-              <a:rPr lang="en-GB" dirty="0"/>
-              <a:t>use the retry button to restart a level, but 150 points will be used.</a:t>
-            </a:r>
+              <a:t> The </a:t>
+            </a:r>
+            <a:r>
+              <a:rPr lang="fr-FR" dirty="0" err="1"/>
+              <a:t>Spell</a:t>
+            </a:r>
+            <a:r>
+              <a:rPr lang="fr-FR" dirty="0"/>
+              <a:t> can </a:t>
+            </a:r>
+            <a:r>
+              <a:rPr lang="fr-FR" dirty="0" err="1"/>
+              <a:t>be</a:t>
+            </a:r>
+            <a:r>
+              <a:rPr lang="fr-FR" dirty="0"/>
+              <a:t> </a:t>
+            </a:r>
+            <a:r>
+              <a:rPr lang="fr-FR" dirty="0" err="1"/>
+              <a:t>casted</a:t>
+            </a:r>
+            <a:r>
+              <a:rPr lang="fr-FR" dirty="0"/>
+              <a:t> by the use of the </a:t>
+            </a:r>
+            <a:r>
+              <a:rPr lang="fr-FR" b="1" dirty="0"/>
+              <a:t>SPACE</a:t>
+            </a:r>
+            <a:r>
+              <a:rPr lang="fr-FR" dirty="0"/>
+              <a:t> key.</a:t>
+            </a:r>
+          </a:p>
+          <a:p>
+            <a:pPr marL="0" indent="0">
+              <a:buNone/>
+            </a:pPr>
             <a:endParaRPr lang="fr-FR" dirty="0"/>
           </a:p>
           <a:p>
+            <a:pPr>
+              <a:buFont typeface="Arial" panose="020B0604020202020204" pitchFamily="34" charset="0"/>
+              <a:buChar char="•"/>
+            </a:pPr>
             <a:endParaRPr lang="fr-FR" dirty="0"/>
           </a:p>
         </p:txBody>
       </p:sp>
       <p:pic>
         <p:nvPicPr>
-          <p:cNvPr id="5" name="Image 4" descr="Une image contenant objet&#10;&#10;Description générée avec un niveau de confiance très élevé">
+          <p:cNvPr id="5" name="Image 4">
             <a:extLst>
               <a:ext uri="{FF2B5EF4-FFF2-40B4-BE49-F238E27FC236}">
-                <a16:creationId xmlns:a16="http://schemas.microsoft.com/office/drawing/2014/main" id="{782D9796-ABAA-408C-A775-564B5AD23E87}"/>
+                <a16:creationId xmlns:a16="http://schemas.microsoft.com/office/drawing/2014/main" id="{3D3C9AAE-5D43-48D2-AC4A-184C8DC6286A}"/>
               </a:ext>
             </a:extLst>
           </p:cNvPr>
@@ -4409,14 +4705,176 @@
         </p:blipFill>
         <p:spPr>
           <a:xfrm>
-            <a:off x="3332949" y="3857414"/>
-            <a:ext cx="4945809" cy="426757"/>
+            <a:off x="2998405" y="4264264"/>
+            <a:ext cx="6256149" cy="1776051"/>
           </a:xfrm>
           <a:prstGeom prst="rect">
             <a:avLst/>
           </a:prstGeom>
         </p:spPr>
       </p:pic>
+    </p:spTree>
+    <p:extLst>
+      <p:ext uri="{BB962C8B-B14F-4D97-AF65-F5344CB8AC3E}">
+        <p14:creationId xmlns:p14="http://schemas.microsoft.com/office/powerpoint/2010/main" val="3375886034"/>
+      </p:ext>
+    </p:extLst>
+  </p:cSld>
+  <p:clrMapOvr>
+    <a:masterClrMapping/>
+  </p:clrMapOvr>
+</p:sld>
+</file>
+
+<file path=ppt/slides/slide12.xml><?xml version="1.0" encoding="utf-8"?>
+<p:sld xmlns:a="http://schemas.openxmlformats.org/drawingml/2006/main" xmlns:r="http://schemas.openxmlformats.org/officeDocument/2006/relationships" xmlns:p="http://schemas.openxmlformats.org/presentationml/2006/main">
+  <p:cSld>
+    <p:spTree>
+      <p:nvGrpSpPr>
+        <p:cNvPr id="1" name=""/>
+        <p:cNvGrpSpPr/>
+        <p:nvPr/>
+      </p:nvGrpSpPr>
+      <p:grpSpPr>
+        <a:xfrm>
+          <a:off x="0" y="0"/>
+          <a:ext cx="0" cy="0"/>
+          <a:chOff x="0" y="0"/>
+          <a:chExt cx="0" cy="0"/>
+        </a:xfrm>
+      </p:grpSpPr>
+      <p:sp>
+        <p:nvSpPr>
+          <p:cNvPr id="2" name="Titre 1">
+            <a:extLst>
+              <a:ext uri="{FF2B5EF4-FFF2-40B4-BE49-F238E27FC236}">
+                <a16:creationId xmlns:a16="http://schemas.microsoft.com/office/drawing/2014/main" id="{FB1A6413-EF2A-4DEB-B313-C8560EF8F165}"/>
+              </a:ext>
+            </a:extLst>
+          </p:cNvPr>
+          <p:cNvSpPr>
+            <a:spLocks noGrp="1"/>
+          </p:cNvSpPr>
+          <p:nvPr>
+            <p:ph type="title"/>
+          </p:nvPr>
+        </p:nvSpPr>
+        <p:spPr/>
+        <p:txBody>
+          <a:bodyPr/>
+          <a:lstStyle/>
+          <a:p>
+            <a:r>
+              <a:rPr lang="en-GB" dirty="0"/>
+              <a:t>Functional</a:t>
+            </a:r>
+            <a:r>
+              <a:rPr lang="fr-FR" dirty="0"/>
+              <a:t> </a:t>
+            </a:r>
+            <a:r>
+              <a:rPr lang="en-GB" dirty="0"/>
+              <a:t>explanations</a:t>
+            </a:r>
+            <a:endParaRPr lang="fr-FR" dirty="0"/>
+          </a:p>
+        </p:txBody>
+      </p:sp>
+      <p:sp>
+        <p:nvSpPr>
+          <p:cNvPr id="3" name="Espace réservé du contenu 2">
+            <a:extLst>
+              <a:ext uri="{FF2B5EF4-FFF2-40B4-BE49-F238E27FC236}">
+                <a16:creationId xmlns:a16="http://schemas.microsoft.com/office/drawing/2014/main" id="{8CCCE6FF-04C8-47A1-91CC-75DFF8C92718}"/>
+              </a:ext>
+            </a:extLst>
+          </p:cNvPr>
+          <p:cNvSpPr>
+            <a:spLocks noGrp="1"/>
+          </p:cNvSpPr>
+          <p:nvPr>
+            <p:ph idx="1"/>
+          </p:nvPr>
+        </p:nvSpPr>
+        <p:spPr/>
+        <p:txBody>
+          <a:bodyPr/>
+          <a:lstStyle/>
+          <a:p>
+            <a:r>
+              <a:rPr lang="en-GB" u="sng" dirty="0"/>
+              <a:t>Points</a:t>
+            </a:r>
+            <a:r>
+              <a:rPr lang="en-GB" dirty="0"/>
+              <a:t>:</a:t>
+            </a:r>
+          </a:p>
+          <a:p>
+            <a:pPr>
+              <a:buFont typeface="Arial" panose="020B0604020202020204" pitchFamily="34" charset="0"/>
+              <a:buChar char="•"/>
+            </a:pPr>
+            <a:r>
+              <a:rPr lang="en-GB" dirty="0"/>
+              <a:t> You can earn points by many ways:</a:t>
+            </a:r>
+          </a:p>
+          <a:p>
+            <a:pPr lvl="1">
+              <a:buSzPct val="50000"/>
+              <a:buFont typeface="Courier New" panose="02070309020205020404" pitchFamily="49" charset="0"/>
+              <a:buChar char="o"/>
+            </a:pPr>
+            <a:r>
+              <a:rPr lang="en-GB" dirty="0"/>
+              <a:t>Collecting a Purse grants 50 points</a:t>
+            </a:r>
+          </a:p>
+          <a:p>
+            <a:pPr lvl="1">
+              <a:buSzPct val="50000"/>
+              <a:buFont typeface="Courier New" panose="02070309020205020404" pitchFamily="49" charset="0"/>
+              <a:buChar char="o"/>
+            </a:pPr>
+            <a:r>
+              <a:rPr lang="en-GB" dirty="0"/>
+              <a:t>Killing a Monster grants 50 points</a:t>
+            </a:r>
+          </a:p>
+          <a:p>
+            <a:pPr lvl="1">
+              <a:buSzPct val="50000"/>
+              <a:buFont typeface="Courier New" panose="02070309020205020404" pitchFamily="49" charset="0"/>
+              <a:buChar char="o"/>
+            </a:pPr>
+            <a:r>
+              <a:rPr lang="en-GB" dirty="0"/>
+              <a:t>Passing through the Door grants 100 points</a:t>
+            </a:r>
+          </a:p>
+          <a:p>
+            <a:pPr lvl="1">
+              <a:buFont typeface="Arial" panose="020B0604020202020204" pitchFamily="34" charset="0"/>
+              <a:buChar char="•"/>
+            </a:pPr>
+            <a:endParaRPr lang="en-GB" dirty="0"/>
+          </a:p>
+          <a:p>
+            <a:pPr lvl="1">
+              <a:buFont typeface="Arial" panose="020B0604020202020204" pitchFamily="34" charset="0"/>
+              <a:buChar char="•"/>
+            </a:pPr>
+            <a:endParaRPr lang="en-GB" dirty="0"/>
+          </a:p>
+          <a:p>
+            <a:pPr marL="201168" lvl="1" indent="0">
+              <a:buNone/>
+            </a:pPr>
+            <a:endParaRPr lang="en-GB" dirty="0"/>
+          </a:p>
+        </p:txBody>
+      </p:sp>
     </p:spTree>
     <p:extLst>
       <p:ext uri="{BB962C8B-B14F-4D97-AF65-F5344CB8AC3E}">
@@ -4430,7 +4888,7 @@
 </p:sld>
 </file>
 
-<file path=ppt/slides/slide11.xml><?xml version="1.0" encoding="utf-8"?>
+<file path=ppt/slides/slide13.xml><?xml version="1.0" encoding="utf-8"?>
 <p:sld xmlns:a="http://schemas.openxmlformats.org/drawingml/2006/main" xmlns:r="http://schemas.openxmlformats.org/officeDocument/2006/relationships" xmlns:p="http://schemas.openxmlformats.org/presentationml/2006/main">
   <p:cSld>
     <p:spTree>
@@ -4782,7 +5240,7 @@
         <p:spPr/>
         <p:txBody>
           <a:bodyPr>
-            <a:normAutofit lnSpcReduction="10000"/>
+            <a:normAutofit/>
           </a:bodyPr>
           <a:lstStyle/>
           <a:p>
@@ -4809,7 +5267,7 @@
             </a:pPr>
             <a:r>
               <a:rPr lang="en-GB" dirty="0"/>
-              <a:t> Technical explanations</a:t>
+              <a:t>Functional explanations</a:t>
             </a:r>
           </a:p>
           <a:p>
@@ -4819,7 +5277,7 @@
             </a:pPr>
             <a:r>
               <a:rPr lang="en-GB" dirty="0"/>
-              <a:t>Diagrams</a:t>
+              <a:t>Characters &amp; Collectibles</a:t>
             </a:r>
           </a:p>
           <a:p>
@@ -4828,26 +5286,18 @@
               <a:buChar char="•"/>
             </a:pPr>
             <a:r>
-              <a:rPr lang="en-GB" dirty="0">
-                <a:highlight>
-                  <a:srgbClr val="FFFF00"/>
-                </a:highlight>
-              </a:rPr>
-              <a:t>Code</a:t>
-            </a:r>
-            <a:r>
               <a:rPr lang="en-GB" dirty="0"/>
-              <a:t> </a:t>
-            </a:r>
-          </a:p>
-          <a:p>
-            <a:pPr>
+              <a:t>Monsters</a:t>
+            </a:r>
+          </a:p>
+          <a:p>
+            <a:pPr lvl="1">
               <a:buFont typeface="Arial" panose="020B0604020202020204" pitchFamily="34" charset="0"/>
               <a:buChar char="•"/>
             </a:pPr>
             <a:r>
               <a:rPr lang="en-GB" dirty="0"/>
-              <a:t> Functional explanations</a:t>
+              <a:t>Spell</a:t>
             </a:r>
           </a:p>
           <a:p>
@@ -5071,7 +5521,7 @@
             </a:r>
             <a:r>
               <a:rPr lang="en-US" dirty="0"/>
-              <a:t>-like game which means that a single character moves square-by-square while collecting a maximum of items to advance to the next stage.</a:t>
+              <a:t>-like game which means that a single character moves square-by-square while collecting a maximum of items and defeat monster to advance to the next stage.</a:t>
             </a:r>
             <a:endParaRPr lang="fr-FR" dirty="0"/>
           </a:p>
@@ -5115,7 +5565,7 @@
           <p:cNvPr id="2" name="Titre 1">
             <a:extLst>
               <a:ext uri="{FF2B5EF4-FFF2-40B4-BE49-F238E27FC236}">
-                <a16:creationId xmlns:a16="http://schemas.microsoft.com/office/drawing/2014/main" id="{25C3CF5D-1C9A-4572-9B53-2A56D9E90DDE}"/>
+                <a16:creationId xmlns:a16="http://schemas.microsoft.com/office/drawing/2014/main" id="{24322A19-2E9B-434C-A553-E006313A3469}"/>
               </a:ext>
             </a:extLst>
           </p:cNvPr>
@@ -5132,18 +5582,27 @@
           <a:lstStyle/>
           <a:p>
             <a:r>
-              <a:rPr lang="en-GB" dirty="0"/>
-              <a:t>Technical explanations </a:t>
-            </a:r>
+              <a:rPr lang="fr-FR" dirty="0" err="1"/>
+              <a:t>Overview</a:t>
+            </a:r>
+            <a:r>
+              <a:rPr lang="fr-FR" dirty="0"/>
+              <a:t> of the </a:t>
+            </a:r>
+            <a:r>
+              <a:rPr lang="fr-FR" dirty="0" err="1"/>
+              <a:t>game</a:t>
+            </a:r>
+            <a:endParaRPr lang="fr-FR" dirty="0"/>
           </a:p>
         </p:txBody>
       </p:sp>
       <p:pic>
         <p:nvPicPr>
-          <p:cNvPr id="9" name="Espace réservé du contenu 8" descr="Une image contenant capture d’écran&#10;&#10;Description générée avec un niveau de confiance très élevé">
+          <p:cNvPr id="9" name="Espace réservé du contenu 8">
             <a:extLst>
               <a:ext uri="{FF2B5EF4-FFF2-40B4-BE49-F238E27FC236}">
-                <a16:creationId xmlns:a16="http://schemas.microsoft.com/office/drawing/2014/main" id="{064BD438-AE89-4DA5-87CD-E4FE768F96C3}"/>
+                <a16:creationId xmlns:a16="http://schemas.microsoft.com/office/drawing/2014/main" id="{2F016379-F461-4C2A-82CC-292AFD6A5771}"/>
               </a:ext>
             </a:extLst>
           </p:cNvPr>
@@ -5168,15 +5627,15 @@
         </p:blipFill>
         <p:spPr>
           <a:xfrm>
-            <a:off x="3233197" y="1846263"/>
-            <a:ext cx="5785932" cy="4022725"/>
+            <a:off x="2743287" y="1846263"/>
+            <a:ext cx="6765752" cy="4022725"/>
           </a:xfrm>
         </p:spPr>
       </p:pic>
     </p:spTree>
     <p:extLst>
       <p:ext uri="{BB962C8B-B14F-4D97-AF65-F5344CB8AC3E}">
-        <p14:creationId xmlns:p14="http://schemas.microsoft.com/office/powerpoint/2010/main" val="3326005571"/>
+        <p14:creationId xmlns:p14="http://schemas.microsoft.com/office/powerpoint/2010/main" val="3041648621"/>
       </p:ext>
     </p:extLst>
   </p:cSld>
@@ -5208,7 +5667,7 @@
           <p:cNvPr id="2" name="Titre 1">
             <a:extLst>
               <a:ext uri="{FF2B5EF4-FFF2-40B4-BE49-F238E27FC236}">
-                <a16:creationId xmlns:a16="http://schemas.microsoft.com/office/drawing/2014/main" id="{B3D01823-9D5A-44B9-8718-C61368323372}"/>
+                <a16:creationId xmlns:a16="http://schemas.microsoft.com/office/drawing/2014/main" id="{55C165C2-6850-4DA9-BD10-9D14533A6F52}"/>
               </a:ext>
             </a:extLst>
           </p:cNvPr>
@@ -5226,9 +5685,8 @@
           <a:p>
             <a:r>
               <a:rPr lang="en-GB" dirty="0"/>
-              <a:t>Technical explanations </a:t>
-            </a:r>
-            <a:endParaRPr lang="fr-FR" dirty="0"/>
+              <a:t>Functional explanations</a:t>
+            </a:r>
           </a:p>
         </p:txBody>
       </p:sp>
@@ -5237,7 +5695,7 @@
           <p:cNvPr id="3" name="Espace réservé du contenu 2">
             <a:extLst>
               <a:ext uri="{FF2B5EF4-FFF2-40B4-BE49-F238E27FC236}">
-                <a16:creationId xmlns:a16="http://schemas.microsoft.com/office/drawing/2014/main" id="{7E83E633-5184-427D-BEBA-8F062BB8982D}"/>
+                <a16:creationId xmlns:a16="http://schemas.microsoft.com/office/drawing/2014/main" id="{B66A6C12-2060-4D2B-A384-AE213B7C7C96}"/>
               </a:ext>
             </a:extLst>
           </p:cNvPr>
@@ -5248,31 +5706,861 @@
             <p:ph idx="1"/>
           </p:nvPr>
         </p:nvSpPr>
-        <p:spPr/>
+        <p:spPr>
+          <a:xfrm>
+            <a:off x="1097280" y="1845734"/>
+            <a:ext cx="6068451" cy="4023360"/>
+          </a:xfrm>
+        </p:spPr>
         <p:txBody>
           <a:bodyPr/>
           <a:lstStyle/>
           <a:p>
             <a:r>
-              <a:rPr lang="fr-FR">
-                <a:highlight>
-                  <a:srgbClr val="FFFF00"/>
-                </a:highlight>
-              </a:rPr>
-              <a:t>Manque le code</a:t>
-            </a:r>
-            <a:endParaRPr lang="fr-FR" dirty="0">
-              <a:highlight>
-                <a:srgbClr val="FFFF00"/>
-              </a:highlight>
-            </a:endParaRPr>
-          </a:p>
-        </p:txBody>
-      </p:sp>
+              <a:rPr lang="fr-FR" u="sng" dirty="0" err="1"/>
+              <a:t>Characters</a:t>
+            </a:r>
+            <a:r>
+              <a:rPr lang="fr-FR" dirty="0"/>
+              <a:t>:</a:t>
+            </a:r>
+          </a:p>
+          <a:p>
+            <a:pPr>
+              <a:buFont typeface="Arial" panose="020B0604020202020204" pitchFamily="34" charset="0"/>
+              <a:buChar char="•"/>
+            </a:pPr>
+            <a:r>
+              <a:rPr lang="fr-FR" dirty="0"/>
+              <a:t> </a:t>
+            </a:r>
+            <a:r>
+              <a:rPr lang="fr-FR" dirty="0" err="1"/>
+              <a:t>Lorann</a:t>
+            </a:r>
+            <a:endParaRPr lang="fr-FR" dirty="0"/>
+          </a:p>
+          <a:p>
+            <a:pPr>
+              <a:buFont typeface="Arial" panose="020B0604020202020204" pitchFamily="34" charset="0"/>
+              <a:buChar char="•"/>
+            </a:pPr>
+            <a:r>
+              <a:rPr lang="fr-FR" dirty="0"/>
+              <a:t> Monsters</a:t>
+            </a:r>
+          </a:p>
+          <a:p>
+            <a:pPr>
+              <a:buFont typeface="Arial" panose="020B0604020202020204" pitchFamily="34" charset="0"/>
+              <a:buChar char="•"/>
+            </a:pPr>
+            <a:endParaRPr lang="fr-FR" dirty="0"/>
+          </a:p>
+          <a:p>
+            <a:pPr marL="0" indent="0">
+              <a:buNone/>
+            </a:pPr>
+            <a:r>
+              <a:rPr lang="fr-FR" u="sng" dirty="0" err="1"/>
+              <a:t>Collectibles</a:t>
+            </a:r>
+            <a:r>
+              <a:rPr lang="fr-FR" dirty="0"/>
+              <a:t>:</a:t>
+            </a:r>
+          </a:p>
+          <a:p>
+            <a:pPr>
+              <a:buFont typeface="Arial" panose="020B0604020202020204" pitchFamily="34" charset="0"/>
+              <a:buChar char="•"/>
+            </a:pPr>
+            <a:r>
+              <a:rPr lang="fr-FR" dirty="0"/>
+              <a:t> </a:t>
+            </a:r>
+            <a:r>
+              <a:rPr lang="fr-FR" dirty="0" err="1"/>
+              <a:t>Purse</a:t>
+            </a:r>
+            <a:endParaRPr lang="fr-FR" dirty="0"/>
+          </a:p>
+          <a:p>
+            <a:pPr>
+              <a:buFont typeface="Arial" panose="020B0604020202020204" pitchFamily="34" charset="0"/>
+              <a:buChar char="•"/>
+            </a:pPr>
+            <a:r>
+              <a:rPr lang="fr-FR" dirty="0"/>
+              <a:t> Energy </a:t>
+            </a:r>
+            <a:r>
+              <a:rPr lang="fr-FR" dirty="0" err="1"/>
+              <a:t>bubble</a:t>
+            </a:r>
+            <a:endParaRPr lang="fr-FR" dirty="0"/>
+          </a:p>
+          <a:p>
+            <a:pPr marL="0" indent="0">
+              <a:buNone/>
+            </a:pPr>
+            <a:endParaRPr lang="fr-FR" dirty="0"/>
+          </a:p>
+        </p:txBody>
+      </p:sp>
+      <p:pic>
+        <p:nvPicPr>
+          <p:cNvPr id="5" name="Image 4" descr="Une image contenant objet&#10;&#10;Description générée avec un niveau de confiance très élevé">
+            <a:extLst>
+              <a:ext uri="{FF2B5EF4-FFF2-40B4-BE49-F238E27FC236}">
+                <a16:creationId xmlns:a16="http://schemas.microsoft.com/office/drawing/2014/main" id="{894FE453-BC62-430C-AE06-B6C2196BDF7B}"/>
+              </a:ext>
+            </a:extLst>
+          </p:cNvPr>
+          <p:cNvPicPr>
+            <a:picLocks noChangeAspect="1"/>
+          </p:cNvPicPr>
+          <p:nvPr/>
+        </p:nvPicPr>
+        <p:blipFill>
+          <a:blip r:embed="rId2">
+            <a:extLst>
+              <a:ext uri="{28A0092B-C50C-407E-A947-70E740481C1C}">
+                <a14:useLocalDpi xmlns:a14="http://schemas.microsoft.com/office/drawing/2010/main" val="0"/>
+              </a:ext>
+            </a:extLst>
+          </a:blip>
+          <a:stretch>
+            <a:fillRect/>
+          </a:stretch>
+        </p:blipFill>
+        <p:spPr>
+          <a:xfrm>
+            <a:off x="3447171" y="2006019"/>
+            <a:ext cx="594945" cy="594945"/>
+          </a:xfrm>
+          <a:prstGeom prst="rect">
+            <a:avLst/>
+          </a:prstGeom>
+        </p:spPr>
+      </p:pic>
+      <p:pic>
+        <p:nvPicPr>
+          <p:cNvPr id="7" name="Image 6" descr="Une image contenant objet&#10;&#10;Description générée avec un niveau de confiance très élevé">
+            <a:extLst>
+              <a:ext uri="{FF2B5EF4-FFF2-40B4-BE49-F238E27FC236}">
+                <a16:creationId xmlns:a16="http://schemas.microsoft.com/office/drawing/2014/main" id="{7213C0E6-91C9-42D6-B3E2-34FFE462F31B}"/>
+              </a:ext>
+            </a:extLst>
+          </p:cNvPr>
+          <p:cNvPicPr>
+            <a:picLocks noChangeAspect="1"/>
+          </p:cNvPicPr>
+          <p:nvPr/>
+        </p:nvPicPr>
+        <p:blipFill>
+          <a:blip r:embed="rId3">
+            <a:extLst>
+              <a:ext uri="{28A0092B-C50C-407E-A947-70E740481C1C}">
+                <a14:useLocalDpi xmlns:a14="http://schemas.microsoft.com/office/drawing/2010/main" val="0"/>
+              </a:ext>
+            </a:extLst>
+          </a:blip>
+          <a:stretch>
+            <a:fillRect/>
+          </a:stretch>
+        </p:blipFill>
+        <p:spPr>
+          <a:xfrm>
+            <a:off x="3441981" y="2655156"/>
+            <a:ext cx="594945" cy="594945"/>
+          </a:xfrm>
+          <a:prstGeom prst="rect">
+            <a:avLst/>
+          </a:prstGeom>
+        </p:spPr>
+      </p:pic>
+      <p:pic>
+        <p:nvPicPr>
+          <p:cNvPr id="9" name="Image 8" descr="Une image contenant clipart&#10;&#10;Description générée avec un niveau de confiance élevé">
+            <a:extLst>
+              <a:ext uri="{FF2B5EF4-FFF2-40B4-BE49-F238E27FC236}">
+                <a16:creationId xmlns:a16="http://schemas.microsoft.com/office/drawing/2014/main" id="{B9DC99B4-AEE2-479E-A874-27BC591A81C2}"/>
+              </a:ext>
+            </a:extLst>
+          </p:cNvPr>
+          <p:cNvPicPr>
+            <a:picLocks noChangeAspect="1"/>
+          </p:cNvPicPr>
+          <p:nvPr/>
+        </p:nvPicPr>
+        <p:blipFill>
+          <a:blip r:embed="rId4">
+            <a:extLst>
+              <a:ext uri="{28A0092B-C50C-407E-A947-70E740481C1C}">
+                <a14:useLocalDpi xmlns:a14="http://schemas.microsoft.com/office/drawing/2010/main" val="0"/>
+              </a:ext>
+            </a:extLst>
+          </a:blip>
+          <a:stretch>
+            <a:fillRect/>
+          </a:stretch>
+        </p:blipFill>
+        <p:spPr>
+          <a:xfrm>
+            <a:off x="4112430" y="2650241"/>
+            <a:ext cx="594945" cy="594945"/>
+          </a:xfrm>
+          <a:prstGeom prst="rect">
+            <a:avLst/>
+          </a:prstGeom>
+        </p:spPr>
+      </p:pic>
+      <p:pic>
+        <p:nvPicPr>
+          <p:cNvPr id="11" name="Image 10">
+            <a:extLst>
+              <a:ext uri="{FF2B5EF4-FFF2-40B4-BE49-F238E27FC236}">
+                <a16:creationId xmlns:a16="http://schemas.microsoft.com/office/drawing/2014/main" id="{719EFC6F-2994-4E35-9E7C-79EA73BCCF13}"/>
+              </a:ext>
+            </a:extLst>
+          </p:cNvPr>
+          <p:cNvPicPr>
+            <a:picLocks noChangeAspect="1"/>
+          </p:cNvPicPr>
+          <p:nvPr/>
+        </p:nvPicPr>
+        <p:blipFill>
+          <a:blip r:embed="rId5">
+            <a:extLst>
+              <a:ext uri="{28A0092B-C50C-407E-A947-70E740481C1C}">
+                <a14:useLocalDpi xmlns:a14="http://schemas.microsoft.com/office/drawing/2010/main" val="0"/>
+              </a:ext>
+            </a:extLst>
+          </a:blip>
+          <a:stretch>
+            <a:fillRect/>
+          </a:stretch>
+        </p:blipFill>
+        <p:spPr>
+          <a:xfrm>
+            <a:off x="4781508" y="2650240"/>
+            <a:ext cx="594945" cy="594945"/>
+          </a:xfrm>
+          <a:prstGeom prst="rect">
+            <a:avLst/>
+          </a:prstGeom>
+        </p:spPr>
+      </p:pic>
+      <p:pic>
+        <p:nvPicPr>
+          <p:cNvPr id="13" name="Image 12">
+            <a:extLst>
+              <a:ext uri="{FF2B5EF4-FFF2-40B4-BE49-F238E27FC236}">
+                <a16:creationId xmlns:a16="http://schemas.microsoft.com/office/drawing/2014/main" id="{6D1EE942-0E7E-4E57-9ED0-931EA0DA125F}"/>
+              </a:ext>
+            </a:extLst>
+          </p:cNvPr>
+          <p:cNvPicPr>
+            <a:picLocks noChangeAspect="1"/>
+          </p:cNvPicPr>
+          <p:nvPr/>
+        </p:nvPicPr>
+        <p:blipFill>
+          <a:blip r:embed="rId6">
+            <a:extLst>
+              <a:ext uri="{28A0092B-C50C-407E-A947-70E740481C1C}">
+                <a14:useLocalDpi xmlns:a14="http://schemas.microsoft.com/office/drawing/2010/main" val="0"/>
+              </a:ext>
+            </a:extLst>
+          </a:blip>
+          <a:stretch>
+            <a:fillRect/>
+          </a:stretch>
+        </p:blipFill>
+        <p:spPr>
+          <a:xfrm>
+            <a:off x="5450586" y="2650239"/>
+            <a:ext cx="594945" cy="594945"/>
+          </a:xfrm>
+          <a:prstGeom prst="rect">
+            <a:avLst/>
+          </a:prstGeom>
+        </p:spPr>
+      </p:pic>
+      <p:pic>
+        <p:nvPicPr>
+          <p:cNvPr id="15" name="Image 14">
+            <a:extLst>
+              <a:ext uri="{FF2B5EF4-FFF2-40B4-BE49-F238E27FC236}">
+                <a16:creationId xmlns:a16="http://schemas.microsoft.com/office/drawing/2014/main" id="{EE1C6F95-ABE4-4CE0-A9ED-E3360E63937C}"/>
+              </a:ext>
+            </a:extLst>
+          </p:cNvPr>
+          <p:cNvPicPr>
+            <a:picLocks noChangeAspect="1"/>
+          </p:cNvPicPr>
+          <p:nvPr/>
+        </p:nvPicPr>
+        <p:blipFill>
+          <a:blip r:embed="rId7">
+            <a:extLst>
+              <a:ext uri="{28A0092B-C50C-407E-A947-70E740481C1C}">
+                <a14:useLocalDpi xmlns:a14="http://schemas.microsoft.com/office/drawing/2010/main" val="0"/>
+              </a:ext>
+            </a:extLst>
+          </a:blip>
+          <a:stretch>
+            <a:fillRect/>
+          </a:stretch>
+        </p:blipFill>
+        <p:spPr>
+          <a:xfrm>
+            <a:off x="3441980" y="3857414"/>
+            <a:ext cx="594946" cy="594946"/>
+          </a:xfrm>
+          <a:prstGeom prst="rect">
+            <a:avLst/>
+          </a:prstGeom>
+        </p:spPr>
+      </p:pic>
+      <p:pic>
+        <p:nvPicPr>
+          <p:cNvPr id="17" name="Image 16" descr="Une image contenant clipart&#10;&#10;Description générée avec un niveau de confiance élevé">
+            <a:extLst>
+              <a:ext uri="{FF2B5EF4-FFF2-40B4-BE49-F238E27FC236}">
+                <a16:creationId xmlns:a16="http://schemas.microsoft.com/office/drawing/2014/main" id="{9CF2ACC0-D9C5-4910-9778-15977D22F83A}"/>
+              </a:ext>
+            </a:extLst>
+          </p:cNvPr>
+          <p:cNvPicPr>
+            <a:picLocks noChangeAspect="1"/>
+          </p:cNvPicPr>
+          <p:nvPr/>
+        </p:nvPicPr>
+        <p:blipFill>
+          <a:blip r:embed="rId8">
+            <a:extLst>
+              <a:ext uri="{28A0092B-C50C-407E-A947-70E740481C1C}">
+                <a14:useLocalDpi xmlns:a14="http://schemas.microsoft.com/office/drawing/2010/main" val="0"/>
+              </a:ext>
+            </a:extLst>
+          </a:blip>
+          <a:stretch>
+            <a:fillRect/>
+          </a:stretch>
+        </p:blipFill>
+        <p:spPr>
+          <a:xfrm>
+            <a:off x="3441980" y="4506551"/>
+            <a:ext cx="594945" cy="594945"/>
+          </a:xfrm>
+          <a:prstGeom prst="rect">
+            <a:avLst/>
+          </a:prstGeom>
+        </p:spPr>
+      </p:pic>
+      <p:sp>
+        <p:nvSpPr>
+          <p:cNvPr id="19" name="Espace réservé du contenu 2">
+            <a:extLst>
+              <a:ext uri="{FF2B5EF4-FFF2-40B4-BE49-F238E27FC236}">
+                <a16:creationId xmlns:a16="http://schemas.microsoft.com/office/drawing/2014/main" id="{FA8839D0-E768-4114-A007-0D61FE7474C4}"/>
+              </a:ext>
+            </a:extLst>
+          </p:cNvPr>
+          <p:cNvSpPr txBox="1">
+            <a:spLocks/>
+          </p:cNvSpPr>
+          <p:nvPr/>
+        </p:nvSpPr>
+        <p:spPr>
+          <a:xfrm>
+            <a:off x="6735769" y="1845734"/>
+            <a:ext cx="4721868" cy="4023360"/>
+          </a:xfrm>
+          <a:prstGeom prst="rect">
+            <a:avLst/>
+          </a:prstGeom>
+        </p:spPr>
+        <p:txBody>
+          <a:bodyPr vert="horz" lIns="0" tIns="45720" rIns="0" bIns="45720" rtlCol="0">
+            <a:normAutofit/>
+          </a:bodyPr>
+          <a:lstStyle>
+            <a:lvl1pPr marL="91440" indent="-91440" algn="l" defTabSz="914400" rtl="0" eaLnBrk="1" latinLnBrk="0" hangingPunct="1">
+              <a:lnSpc>
+                <a:spcPct val="90000"/>
+              </a:lnSpc>
+              <a:spcBef>
+                <a:spcPts val="1200"/>
+              </a:spcBef>
+              <a:spcAft>
+                <a:spcPts val="200"/>
+              </a:spcAft>
+              <a:buClr>
+                <a:schemeClr val="accent1"/>
+              </a:buClr>
+              <a:buSzPct val="100000"/>
+              <a:buFont typeface="Calibri" panose="020F0502020204030204" pitchFamily="34" charset="0"/>
+              <a:buChar char=" "/>
+              <a:defRPr sz="2000" kern="1200">
+                <a:solidFill>
+                  <a:schemeClr val="tx1">
+                    <a:lumMod val="75000"/>
+                    <a:lumOff val="25000"/>
+                  </a:schemeClr>
+                </a:solidFill>
+                <a:latin typeface="+mn-lt"/>
+                <a:ea typeface="+mn-ea"/>
+                <a:cs typeface="+mn-cs"/>
+              </a:defRPr>
+            </a:lvl1pPr>
+            <a:lvl2pPr marL="384048" indent="-182880" algn="l" defTabSz="914400" rtl="0" eaLnBrk="1" latinLnBrk="0" hangingPunct="1">
+              <a:lnSpc>
+                <a:spcPct val="90000"/>
+              </a:lnSpc>
+              <a:spcBef>
+                <a:spcPts val="200"/>
+              </a:spcBef>
+              <a:spcAft>
+                <a:spcPts val="400"/>
+              </a:spcAft>
+              <a:buClr>
+                <a:schemeClr val="accent1"/>
+              </a:buClr>
+              <a:buFont typeface="Calibri" pitchFamily="34" charset="0"/>
+              <a:buChar char="◦"/>
+              <a:defRPr sz="1800" kern="1200">
+                <a:solidFill>
+                  <a:schemeClr val="tx1">
+                    <a:lumMod val="75000"/>
+                    <a:lumOff val="25000"/>
+                  </a:schemeClr>
+                </a:solidFill>
+                <a:latin typeface="+mn-lt"/>
+                <a:ea typeface="+mn-ea"/>
+                <a:cs typeface="+mn-cs"/>
+              </a:defRPr>
+            </a:lvl2pPr>
+            <a:lvl3pPr marL="566928" indent="-182880" algn="l" defTabSz="914400" rtl="0" eaLnBrk="1" latinLnBrk="0" hangingPunct="1">
+              <a:lnSpc>
+                <a:spcPct val="90000"/>
+              </a:lnSpc>
+              <a:spcBef>
+                <a:spcPts val="200"/>
+              </a:spcBef>
+              <a:spcAft>
+                <a:spcPts val="400"/>
+              </a:spcAft>
+              <a:buClr>
+                <a:schemeClr val="accent1"/>
+              </a:buClr>
+              <a:buFont typeface="Calibri" pitchFamily="34" charset="0"/>
+              <a:buChar char="◦"/>
+              <a:defRPr sz="1400" kern="1200">
+                <a:solidFill>
+                  <a:schemeClr val="tx1">
+                    <a:lumMod val="75000"/>
+                    <a:lumOff val="25000"/>
+                  </a:schemeClr>
+                </a:solidFill>
+                <a:latin typeface="+mn-lt"/>
+                <a:ea typeface="+mn-ea"/>
+                <a:cs typeface="+mn-cs"/>
+              </a:defRPr>
+            </a:lvl3pPr>
+            <a:lvl4pPr marL="749808" indent="-182880" algn="l" defTabSz="914400" rtl="0" eaLnBrk="1" latinLnBrk="0" hangingPunct="1">
+              <a:lnSpc>
+                <a:spcPct val="90000"/>
+              </a:lnSpc>
+              <a:spcBef>
+                <a:spcPts val="200"/>
+              </a:spcBef>
+              <a:spcAft>
+                <a:spcPts val="400"/>
+              </a:spcAft>
+              <a:buClr>
+                <a:schemeClr val="accent1"/>
+              </a:buClr>
+              <a:buFont typeface="Calibri" pitchFamily="34" charset="0"/>
+              <a:buChar char="◦"/>
+              <a:defRPr sz="1400" kern="1200">
+                <a:solidFill>
+                  <a:schemeClr val="tx1">
+                    <a:lumMod val="75000"/>
+                    <a:lumOff val="25000"/>
+                  </a:schemeClr>
+                </a:solidFill>
+                <a:latin typeface="+mn-lt"/>
+                <a:ea typeface="+mn-ea"/>
+                <a:cs typeface="+mn-cs"/>
+              </a:defRPr>
+            </a:lvl4pPr>
+            <a:lvl5pPr marL="932688" indent="-182880" algn="l" defTabSz="914400" rtl="0" eaLnBrk="1" latinLnBrk="0" hangingPunct="1">
+              <a:lnSpc>
+                <a:spcPct val="90000"/>
+              </a:lnSpc>
+              <a:spcBef>
+                <a:spcPts val="200"/>
+              </a:spcBef>
+              <a:spcAft>
+                <a:spcPts val="400"/>
+              </a:spcAft>
+              <a:buClr>
+                <a:schemeClr val="accent1"/>
+              </a:buClr>
+              <a:buFont typeface="Calibri" pitchFamily="34" charset="0"/>
+              <a:buChar char="◦"/>
+              <a:defRPr sz="1400" kern="1200">
+                <a:solidFill>
+                  <a:schemeClr val="tx1">
+                    <a:lumMod val="75000"/>
+                    <a:lumOff val="25000"/>
+                  </a:schemeClr>
+                </a:solidFill>
+                <a:latin typeface="+mn-lt"/>
+                <a:ea typeface="+mn-ea"/>
+                <a:cs typeface="+mn-cs"/>
+              </a:defRPr>
+            </a:lvl5pPr>
+            <a:lvl6pPr marL="1100000" indent="-228600" algn="l" defTabSz="914400" rtl="0" eaLnBrk="1" latinLnBrk="0" hangingPunct="1">
+              <a:lnSpc>
+                <a:spcPct val="90000"/>
+              </a:lnSpc>
+              <a:spcBef>
+                <a:spcPts val="200"/>
+              </a:spcBef>
+              <a:spcAft>
+                <a:spcPts val="400"/>
+              </a:spcAft>
+              <a:buClr>
+                <a:schemeClr val="accent1"/>
+              </a:buClr>
+              <a:buFont typeface="Calibri" pitchFamily="34" charset="0"/>
+              <a:buChar char="◦"/>
+              <a:defRPr sz="1400" kern="1200">
+                <a:solidFill>
+                  <a:schemeClr val="tx1">
+                    <a:lumMod val="75000"/>
+                    <a:lumOff val="25000"/>
+                  </a:schemeClr>
+                </a:solidFill>
+                <a:latin typeface="+mn-lt"/>
+                <a:ea typeface="+mn-ea"/>
+                <a:cs typeface="+mn-cs"/>
+              </a:defRPr>
+            </a:lvl6pPr>
+            <a:lvl7pPr marL="1300000" indent="-228600" algn="l" defTabSz="914400" rtl="0" eaLnBrk="1" latinLnBrk="0" hangingPunct="1">
+              <a:lnSpc>
+                <a:spcPct val="90000"/>
+              </a:lnSpc>
+              <a:spcBef>
+                <a:spcPts val="200"/>
+              </a:spcBef>
+              <a:spcAft>
+                <a:spcPts val="400"/>
+              </a:spcAft>
+              <a:buClr>
+                <a:schemeClr val="accent1"/>
+              </a:buClr>
+              <a:buFont typeface="Calibri" pitchFamily="34" charset="0"/>
+              <a:buChar char="◦"/>
+              <a:defRPr sz="1400" kern="1200">
+                <a:solidFill>
+                  <a:schemeClr val="tx1">
+                    <a:lumMod val="75000"/>
+                    <a:lumOff val="25000"/>
+                  </a:schemeClr>
+                </a:solidFill>
+                <a:latin typeface="+mn-lt"/>
+                <a:ea typeface="+mn-ea"/>
+                <a:cs typeface="+mn-cs"/>
+              </a:defRPr>
+            </a:lvl7pPr>
+            <a:lvl8pPr marL="1500000" indent="-228600" algn="l" defTabSz="914400" rtl="0" eaLnBrk="1" latinLnBrk="0" hangingPunct="1">
+              <a:lnSpc>
+                <a:spcPct val="90000"/>
+              </a:lnSpc>
+              <a:spcBef>
+                <a:spcPts val="200"/>
+              </a:spcBef>
+              <a:spcAft>
+                <a:spcPts val="400"/>
+              </a:spcAft>
+              <a:buClr>
+                <a:schemeClr val="accent1"/>
+              </a:buClr>
+              <a:buFont typeface="Calibri" pitchFamily="34" charset="0"/>
+              <a:buChar char="◦"/>
+              <a:defRPr sz="1400" kern="1200">
+                <a:solidFill>
+                  <a:schemeClr val="tx1">
+                    <a:lumMod val="75000"/>
+                    <a:lumOff val="25000"/>
+                  </a:schemeClr>
+                </a:solidFill>
+                <a:latin typeface="+mn-lt"/>
+                <a:ea typeface="+mn-ea"/>
+                <a:cs typeface="+mn-cs"/>
+              </a:defRPr>
+            </a:lvl8pPr>
+            <a:lvl9pPr marL="1700000" indent="-228600" algn="l" defTabSz="914400" rtl="0" eaLnBrk="1" latinLnBrk="0" hangingPunct="1">
+              <a:lnSpc>
+                <a:spcPct val="90000"/>
+              </a:lnSpc>
+              <a:spcBef>
+                <a:spcPts val="200"/>
+              </a:spcBef>
+              <a:spcAft>
+                <a:spcPts val="400"/>
+              </a:spcAft>
+              <a:buClr>
+                <a:schemeClr val="accent1"/>
+              </a:buClr>
+              <a:buFont typeface="Calibri" pitchFamily="34" charset="0"/>
+              <a:buChar char="◦"/>
+              <a:defRPr sz="1400" kern="1200">
+                <a:solidFill>
+                  <a:schemeClr val="tx1">
+                    <a:lumMod val="75000"/>
+                    <a:lumOff val="25000"/>
+                  </a:schemeClr>
+                </a:solidFill>
+                <a:latin typeface="+mn-lt"/>
+                <a:ea typeface="+mn-ea"/>
+                <a:cs typeface="+mn-cs"/>
+              </a:defRPr>
+            </a:lvl9pPr>
+          </a:lstStyle>
+          <a:p>
+            <a:r>
+              <a:rPr lang="fr-FR" u="sng" dirty="0"/>
+              <a:t>Non-living items</a:t>
+            </a:r>
+            <a:r>
+              <a:rPr lang="fr-FR" dirty="0"/>
+              <a:t>:</a:t>
+            </a:r>
+          </a:p>
+          <a:p>
+            <a:pPr>
+              <a:buFont typeface="Arial" panose="020B0604020202020204" pitchFamily="34" charset="0"/>
+              <a:buChar char="•"/>
+            </a:pPr>
+            <a:r>
+              <a:rPr lang="fr-FR" dirty="0"/>
+              <a:t> Walls</a:t>
+            </a:r>
+          </a:p>
+          <a:p>
+            <a:pPr>
+              <a:buFont typeface="Arial" panose="020B0604020202020204" pitchFamily="34" charset="0"/>
+              <a:buChar char="•"/>
+            </a:pPr>
+            <a:r>
+              <a:rPr lang="fr-FR" dirty="0"/>
+              <a:t> </a:t>
+            </a:r>
+            <a:r>
+              <a:rPr lang="fr-FR" dirty="0" err="1"/>
+              <a:t>Door</a:t>
+            </a:r>
+            <a:endParaRPr lang="fr-FR" dirty="0"/>
+          </a:p>
+          <a:p>
+            <a:pPr marL="0" indent="0">
+              <a:buFont typeface="Calibri" panose="020F0502020204030204" pitchFamily="34" charset="0"/>
+              <a:buNone/>
+            </a:pPr>
+            <a:endParaRPr lang="fr-FR" dirty="0"/>
+          </a:p>
+        </p:txBody>
+      </p:sp>
+      <p:pic>
+        <p:nvPicPr>
+          <p:cNvPr id="21" name="Image 20">
+            <a:extLst>
+              <a:ext uri="{FF2B5EF4-FFF2-40B4-BE49-F238E27FC236}">
+                <a16:creationId xmlns:a16="http://schemas.microsoft.com/office/drawing/2014/main" id="{4654D69B-9562-4C21-9AE7-FB901644A834}"/>
+              </a:ext>
+            </a:extLst>
+          </p:cNvPr>
+          <p:cNvPicPr>
+            <a:picLocks noChangeAspect="1"/>
+          </p:cNvPicPr>
+          <p:nvPr/>
+        </p:nvPicPr>
+        <p:blipFill>
+          <a:blip r:embed="rId9">
+            <a:extLst>
+              <a:ext uri="{28A0092B-C50C-407E-A947-70E740481C1C}">
+                <a14:useLocalDpi xmlns:a14="http://schemas.microsoft.com/office/drawing/2010/main" val="0"/>
+              </a:ext>
+            </a:extLst>
+          </a:blip>
+          <a:stretch>
+            <a:fillRect/>
+          </a:stretch>
+        </p:blipFill>
+        <p:spPr>
+          <a:xfrm>
+            <a:off x="9014211" y="2655157"/>
+            <a:ext cx="594945" cy="594945"/>
+          </a:xfrm>
+          <a:prstGeom prst="rect">
+            <a:avLst/>
+          </a:prstGeom>
+        </p:spPr>
+      </p:pic>
+      <p:pic>
+        <p:nvPicPr>
+          <p:cNvPr id="23" name="Image 22">
+            <a:extLst>
+              <a:ext uri="{FF2B5EF4-FFF2-40B4-BE49-F238E27FC236}">
+                <a16:creationId xmlns:a16="http://schemas.microsoft.com/office/drawing/2014/main" id="{C06B9FB5-EE98-4591-ADAD-9FDDBB1C9901}"/>
+              </a:ext>
+            </a:extLst>
+          </p:cNvPr>
+          <p:cNvPicPr>
+            <a:picLocks noChangeAspect="1"/>
+          </p:cNvPicPr>
+          <p:nvPr/>
+        </p:nvPicPr>
+        <p:blipFill>
+          <a:blip r:embed="rId10">
+            <a:extLst>
+              <a:ext uri="{28A0092B-C50C-407E-A947-70E740481C1C}">
+                <a14:useLocalDpi xmlns:a14="http://schemas.microsoft.com/office/drawing/2010/main" val="0"/>
+              </a:ext>
+            </a:extLst>
+          </a:blip>
+          <a:stretch>
+            <a:fillRect/>
+          </a:stretch>
+        </p:blipFill>
+        <p:spPr>
+          <a:xfrm>
+            <a:off x="9683289" y="2655157"/>
+            <a:ext cx="594945" cy="594945"/>
+          </a:xfrm>
+          <a:prstGeom prst="rect">
+            <a:avLst/>
+          </a:prstGeom>
+        </p:spPr>
+      </p:pic>
+      <p:pic>
+        <p:nvPicPr>
+          <p:cNvPr id="25" name="Image 24">
+            <a:extLst>
+              <a:ext uri="{FF2B5EF4-FFF2-40B4-BE49-F238E27FC236}">
+                <a16:creationId xmlns:a16="http://schemas.microsoft.com/office/drawing/2014/main" id="{A802A31C-BEF3-4158-B0A8-BD18D21B5D24}"/>
+              </a:ext>
+            </a:extLst>
+          </p:cNvPr>
+          <p:cNvPicPr>
+            <a:picLocks noChangeAspect="1"/>
+          </p:cNvPicPr>
+          <p:nvPr/>
+        </p:nvPicPr>
+        <p:blipFill>
+          <a:blip r:embed="rId11">
+            <a:extLst>
+              <a:ext uri="{28A0092B-C50C-407E-A947-70E740481C1C}">
+                <a14:useLocalDpi xmlns:a14="http://schemas.microsoft.com/office/drawing/2010/main" val="0"/>
+              </a:ext>
+            </a:extLst>
+          </a:blip>
+          <a:stretch>
+            <a:fillRect/>
+          </a:stretch>
+        </p:blipFill>
+        <p:spPr>
+          <a:xfrm>
+            <a:off x="9014211" y="2006020"/>
+            <a:ext cx="594945" cy="594945"/>
+          </a:xfrm>
+          <a:prstGeom prst="rect">
+            <a:avLst/>
+          </a:prstGeom>
+        </p:spPr>
+      </p:pic>
+      <p:pic>
+        <p:nvPicPr>
+          <p:cNvPr id="27" name="Image 26">
+            <a:extLst>
+              <a:ext uri="{FF2B5EF4-FFF2-40B4-BE49-F238E27FC236}">
+                <a16:creationId xmlns:a16="http://schemas.microsoft.com/office/drawing/2014/main" id="{66727354-6BCA-4AAC-82F9-953F631BB3C3}"/>
+              </a:ext>
+            </a:extLst>
+          </p:cNvPr>
+          <p:cNvPicPr>
+            <a:picLocks noChangeAspect="1"/>
+          </p:cNvPicPr>
+          <p:nvPr/>
+        </p:nvPicPr>
+        <p:blipFill>
+          <a:blip r:embed="rId12">
+            <a:extLst>
+              <a:ext uri="{28A0092B-C50C-407E-A947-70E740481C1C}">
+                <a14:useLocalDpi xmlns:a14="http://schemas.microsoft.com/office/drawing/2010/main" val="0"/>
+              </a:ext>
+            </a:extLst>
+          </a:blip>
+          <a:stretch>
+            <a:fillRect/>
+          </a:stretch>
+        </p:blipFill>
+        <p:spPr>
+          <a:xfrm>
+            <a:off x="9683289" y="2006020"/>
+            <a:ext cx="594945" cy="594945"/>
+          </a:xfrm>
+          <a:prstGeom prst="rect">
+            <a:avLst/>
+          </a:prstGeom>
+        </p:spPr>
+      </p:pic>
+      <p:pic>
+        <p:nvPicPr>
+          <p:cNvPr id="29" name="Image 28">
+            <a:extLst>
+              <a:ext uri="{FF2B5EF4-FFF2-40B4-BE49-F238E27FC236}">
+                <a16:creationId xmlns:a16="http://schemas.microsoft.com/office/drawing/2014/main" id="{3CE5F8DD-4A64-4AE5-B7C6-2345C092E9A6}"/>
+              </a:ext>
+            </a:extLst>
+          </p:cNvPr>
+          <p:cNvPicPr>
+            <a:picLocks noChangeAspect="1"/>
+          </p:cNvPicPr>
+          <p:nvPr/>
+        </p:nvPicPr>
+        <p:blipFill>
+          <a:blip r:embed="rId13">
+            <a:extLst>
+              <a:ext uri="{28A0092B-C50C-407E-A947-70E740481C1C}">
+                <a14:useLocalDpi xmlns:a14="http://schemas.microsoft.com/office/drawing/2010/main" val="0"/>
+              </a:ext>
+            </a:extLst>
+          </a:blip>
+          <a:stretch>
+            <a:fillRect/>
+          </a:stretch>
+        </p:blipFill>
+        <p:spPr>
+          <a:xfrm>
+            <a:off x="10352367" y="2006019"/>
+            <a:ext cx="594945" cy="594945"/>
+          </a:xfrm>
+          <a:prstGeom prst="rect">
+            <a:avLst/>
+          </a:prstGeom>
+        </p:spPr>
+      </p:pic>
     </p:spTree>
     <p:extLst>
       <p:ext uri="{BB962C8B-B14F-4D97-AF65-F5344CB8AC3E}">
-        <p14:creationId xmlns:p14="http://schemas.microsoft.com/office/powerpoint/2010/main" val="3917110270"/>
+        <p14:creationId xmlns:p14="http://schemas.microsoft.com/office/powerpoint/2010/main" val="2619189010"/>
       </p:ext>
     </p:extLst>
   </p:cSld>
@@ -5304,7 +6592,7 @@
           <p:cNvPr id="2" name="Titre 1">
             <a:extLst>
               <a:ext uri="{FF2B5EF4-FFF2-40B4-BE49-F238E27FC236}">
-                <a16:creationId xmlns:a16="http://schemas.microsoft.com/office/drawing/2014/main" id="{68972747-CDDF-4909-A2AB-75DF9C8929FE}"/>
+                <a16:creationId xmlns:a16="http://schemas.microsoft.com/office/drawing/2014/main" id="{032B6AEF-C876-43EC-A3BB-520E6059A878}"/>
               </a:ext>
             </a:extLst>
           </p:cNvPr>
@@ -5322,15 +6610,7 @@
           <a:p>
             <a:r>
               <a:rPr lang="en-GB" dirty="0"/>
-              <a:t>Functional</a:t>
-            </a:r>
-            <a:r>
-              <a:rPr lang="fr-FR" dirty="0"/>
-              <a:t> </a:t>
-            </a:r>
-            <a:r>
-              <a:rPr lang="en-GB" dirty="0"/>
-              <a:t>explanations</a:t>
+              <a:t>Functional explanations</a:t>
             </a:r>
             <a:endParaRPr lang="fr-FR" dirty="0"/>
           </a:p>
@@ -5341,7 +6621,7 @@
           <p:cNvPr id="3" name="Espace réservé du contenu 2">
             <a:extLst>
               <a:ext uri="{FF2B5EF4-FFF2-40B4-BE49-F238E27FC236}">
-                <a16:creationId xmlns:a16="http://schemas.microsoft.com/office/drawing/2014/main" id="{0D614921-F83A-48AB-9AC5-FCDEA4F655E9}"/>
+                <a16:creationId xmlns:a16="http://schemas.microsoft.com/office/drawing/2014/main" id="{D46423FC-BF38-49FF-A12A-175EFBB3D32F}"/>
               </a:ext>
             </a:extLst>
           </p:cNvPr>
@@ -5352,19 +6632,14 @@
             <p:ph idx="1"/>
           </p:nvPr>
         </p:nvSpPr>
-        <p:spPr>
-          <a:xfrm>
-            <a:off x="1097280" y="1845734"/>
-            <a:ext cx="4998720" cy="4023360"/>
-          </a:xfrm>
-        </p:spPr>
+        <p:spPr/>
         <p:txBody>
           <a:bodyPr/>
           <a:lstStyle/>
           <a:p>
             <a:r>
               <a:rPr lang="fr-FR" u="sng" dirty="0"/>
-              <a:t>Goal</a:t>
+              <a:t>Monsters</a:t>
             </a:r>
             <a:r>
               <a:rPr lang="fr-FR" dirty="0"/>
@@ -5378,27 +6653,148 @@
             </a:pPr>
             <a:r>
               <a:rPr lang="fr-FR" dirty="0"/>
+              <a:t> Monsters can go </a:t>
+            </a:r>
+            <a:r>
+              <a:rPr lang="fr-FR" b="1" dirty="0"/>
+              <a:t>UP</a:t>
+            </a:r>
+            <a:r>
+              <a:rPr lang="fr-FR" dirty="0"/>
+              <a:t>, </a:t>
+            </a:r>
+            <a:r>
+              <a:rPr lang="fr-FR" b="1" dirty="0"/>
+              <a:t>LEFT</a:t>
+            </a:r>
+            <a:r>
+              <a:rPr lang="fr-FR" dirty="0"/>
+              <a:t>, </a:t>
+            </a:r>
+            <a:r>
+              <a:rPr lang="fr-FR" b="1" dirty="0"/>
+              <a:t>RIGHT</a:t>
+            </a:r>
+            <a:r>
+              <a:rPr lang="fr-FR" dirty="0"/>
+              <a:t>, </a:t>
+            </a:r>
+            <a:r>
+              <a:rPr lang="fr-FR" b="1" dirty="0"/>
+              <a:t>DOWN</a:t>
+            </a:r>
+            <a:r>
+              <a:rPr lang="fr-FR" dirty="0"/>
+              <a:t> and </a:t>
+            </a:r>
+            <a:r>
+              <a:rPr lang="fr-FR" b="1" dirty="0"/>
+              <a:t>DIAGONAL</a:t>
+            </a:r>
+            <a:r>
+              <a:rPr lang="fr-FR" dirty="0"/>
+              <a:t>.</a:t>
+            </a:r>
+          </a:p>
+          <a:p>
+            <a:pPr>
+              <a:buFont typeface="Arial" panose="020B0604020202020204" pitchFamily="34" charset="0"/>
+              <a:buChar char="•"/>
+            </a:pPr>
+            <a:r>
+              <a:rPr lang="fr-FR" dirty="0"/>
               <a:t> </a:t>
             </a:r>
             <a:r>
               <a:rPr lang="en-GB" dirty="0"/>
-              <a:t>The goal is to achieve to go out by the door. To open the door, you must find the Energy bubble.</a:t>
-            </a:r>
+              <a:t>They will try to attack you so use your spell carefully! </a:t>
+            </a:r>
+            <a:endParaRPr lang="fr-FR" dirty="0"/>
           </a:p>
           <a:p>
             <a:pPr marL="0" indent="0">
               <a:buNone/>
             </a:pPr>
-            <a:endParaRPr lang="en-GB" dirty="0"/>
+            <a:endParaRPr lang="fr-FR" dirty="0"/>
+          </a:p>
+          <a:p>
+            <a:pPr lvl="4">
+              <a:buFont typeface="Arial" panose="020B0604020202020204" pitchFamily="34" charset="0"/>
+              <a:buChar char="•"/>
+            </a:pPr>
+            <a:r>
+              <a:rPr lang="fr-FR" sz="1600" dirty="0" err="1"/>
+              <a:t>Ghost</a:t>
+            </a:r>
+            <a:endParaRPr lang="fr-FR" sz="1600" dirty="0"/>
+          </a:p>
+          <a:p>
+            <a:pPr lvl="3">
+              <a:buFont typeface="Arial" panose="020B0604020202020204" pitchFamily="34" charset="0"/>
+              <a:buChar char="•"/>
+            </a:pPr>
+            <a:endParaRPr lang="fr-FR" sz="1600" dirty="0"/>
+          </a:p>
+          <a:p>
+            <a:pPr lvl="4">
+              <a:buFont typeface="Arial" panose="020B0604020202020204" pitchFamily="34" charset="0"/>
+              <a:buChar char="•"/>
+            </a:pPr>
+            <a:r>
+              <a:rPr lang="fr-FR" sz="1600" dirty="0" err="1"/>
+              <a:t>Skull</a:t>
+            </a:r>
+            <a:endParaRPr lang="fr-FR" sz="1600" dirty="0"/>
+          </a:p>
+          <a:p>
+            <a:pPr lvl="3">
+              <a:buFont typeface="Arial" panose="020B0604020202020204" pitchFamily="34" charset="0"/>
+              <a:buChar char="•"/>
+            </a:pPr>
+            <a:endParaRPr lang="fr-FR" sz="1600" dirty="0"/>
+          </a:p>
+          <a:p>
+            <a:pPr lvl="4">
+              <a:buFont typeface="Arial" panose="020B0604020202020204" pitchFamily="34" charset="0"/>
+              <a:buChar char="•"/>
+            </a:pPr>
+            <a:r>
+              <a:rPr lang="fr-FR" sz="1600" dirty="0"/>
+              <a:t>Totem</a:t>
+            </a:r>
+          </a:p>
+          <a:p>
+            <a:pPr lvl="3">
+              <a:buFont typeface="Arial" panose="020B0604020202020204" pitchFamily="34" charset="0"/>
+              <a:buChar char="•"/>
+            </a:pPr>
+            <a:endParaRPr lang="fr-FR" sz="1600" dirty="0"/>
+          </a:p>
+          <a:p>
+            <a:pPr lvl="4">
+              <a:buFont typeface="Arial" panose="020B0604020202020204" pitchFamily="34" charset="0"/>
+              <a:buChar char="•"/>
+            </a:pPr>
+            <a:r>
+              <a:rPr lang="fr-FR" sz="1600" dirty="0"/>
+              <a:t>Storm</a:t>
+            </a:r>
+          </a:p>
+          <a:p>
+            <a:pPr lvl="3">
+              <a:buFont typeface="Arial" panose="020B0604020202020204" pitchFamily="34" charset="0"/>
+              <a:buChar char="•"/>
+            </a:pPr>
+            <a:endParaRPr lang="fr-FR" dirty="0"/>
           </a:p>
         </p:txBody>
       </p:sp>
       <p:pic>
         <p:nvPicPr>
-          <p:cNvPr id="5" name="Image 4">
+          <p:cNvPr id="5" name="Image 4" descr="Une image contenant objet&#10;&#10;Description générée avec un niveau de confiance très élevé">
             <a:extLst>
               <a:ext uri="{FF2B5EF4-FFF2-40B4-BE49-F238E27FC236}">
-                <a16:creationId xmlns:a16="http://schemas.microsoft.com/office/drawing/2014/main" id="{37405026-B796-4A20-AA1D-07EC2DFA1324}"/>
+                <a16:creationId xmlns:a16="http://schemas.microsoft.com/office/drawing/2014/main" id="{98A6449B-FDE7-4440-9762-F3C53564DDFD}"/>
               </a:ext>
             </a:extLst>
           </p:cNvPr>
@@ -5408,15 +6804,21 @@
           <p:nvPr/>
         </p:nvPicPr>
         <p:blipFill>
-          <a:blip r:embed="rId2"/>
+          <a:blip r:embed="rId2">
+            <a:extLst>
+              <a:ext uri="{28A0092B-C50C-407E-A947-70E740481C1C}">
+                <a14:useLocalDpi xmlns:a14="http://schemas.microsoft.com/office/drawing/2010/main" val="0"/>
+              </a:ext>
+            </a:extLst>
+          </a:blip>
           <a:stretch>
             <a:fillRect/>
           </a:stretch>
         </p:blipFill>
         <p:spPr>
           <a:xfrm>
-            <a:off x="7614809" y="3925682"/>
-            <a:ext cx="2503378" cy="1943412"/>
+            <a:off x="3342164" y="3431458"/>
+            <a:ext cx="534760" cy="534760"/>
           </a:xfrm>
           <a:prstGeom prst="rect">
             <a:avLst/>
@@ -5425,10 +6827,10 @@
       </p:pic>
       <p:pic>
         <p:nvPicPr>
-          <p:cNvPr id="7" name="Image 6">
+          <p:cNvPr id="7" name="Image 6" descr="Une image contenant clipart&#10;&#10;Description générée avec un niveau de confiance élevé">
             <a:extLst>
               <a:ext uri="{FF2B5EF4-FFF2-40B4-BE49-F238E27FC236}">
-                <a16:creationId xmlns:a16="http://schemas.microsoft.com/office/drawing/2014/main" id="{34FE40D1-8425-4A38-8157-DA3B1BD10808}"/>
+                <a16:creationId xmlns:a16="http://schemas.microsoft.com/office/drawing/2014/main" id="{69BE1745-0192-4C43-BEB3-0700E36D85F3}"/>
               </a:ext>
             </a:extLst>
           </p:cNvPr>
@@ -5438,15 +6840,93 @@
           <p:nvPr/>
         </p:nvPicPr>
         <p:blipFill>
-          <a:blip r:embed="rId3"/>
+          <a:blip r:embed="rId3">
+            <a:extLst>
+              <a:ext uri="{28A0092B-C50C-407E-A947-70E740481C1C}">
+                <a14:useLocalDpi xmlns:a14="http://schemas.microsoft.com/office/drawing/2010/main" val="0"/>
+              </a:ext>
+            </a:extLst>
+          </a:blip>
           <a:stretch>
             <a:fillRect/>
           </a:stretch>
         </p:blipFill>
         <p:spPr>
           <a:xfrm>
-            <a:off x="7614809" y="1845734"/>
-            <a:ext cx="2503377" cy="1897985"/>
+            <a:off x="3342164" y="4009290"/>
+            <a:ext cx="534760" cy="534760"/>
+          </a:xfrm>
+          <a:prstGeom prst="rect">
+            <a:avLst/>
+          </a:prstGeom>
+        </p:spPr>
+      </p:pic>
+      <p:pic>
+        <p:nvPicPr>
+          <p:cNvPr id="9" name="Image 8">
+            <a:extLst>
+              <a:ext uri="{FF2B5EF4-FFF2-40B4-BE49-F238E27FC236}">
+                <a16:creationId xmlns:a16="http://schemas.microsoft.com/office/drawing/2014/main" id="{72F4A145-181A-44E2-BA6F-A3A1427DBB81}"/>
+              </a:ext>
+            </a:extLst>
+          </p:cNvPr>
+          <p:cNvPicPr>
+            <a:picLocks noChangeAspect="1"/>
+          </p:cNvPicPr>
+          <p:nvPr/>
+        </p:nvPicPr>
+        <p:blipFill>
+          <a:blip r:embed="rId4">
+            <a:extLst>
+              <a:ext uri="{28A0092B-C50C-407E-A947-70E740481C1C}">
+                <a14:useLocalDpi xmlns:a14="http://schemas.microsoft.com/office/drawing/2010/main" val="0"/>
+              </a:ext>
+            </a:extLst>
+          </a:blip>
+          <a:stretch>
+            <a:fillRect/>
+          </a:stretch>
+        </p:blipFill>
+        <p:spPr>
+          <a:xfrm>
+            <a:off x="3342164" y="4587122"/>
+            <a:ext cx="534760" cy="534760"/>
+          </a:xfrm>
+          <a:prstGeom prst="rect">
+            <a:avLst/>
+          </a:prstGeom>
+        </p:spPr>
+      </p:pic>
+      <p:pic>
+        <p:nvPicPr>
+          <p:cNvPr id="11" name="Image 10">
+            <a:extLst>
+              <a:ext uri="{FF2B5EF4-FFF2-40B4-BE49-F238E27FC236}">
+                <a16:creationId xmlns:a16="http://schemas.microsoft.com/office/drawing/2014/main" id="{5C56D827-052D-49E0-8E88-83E1451CFA4B}"/>
+              </a:ext>
+            </a:extLst>
+          </p:cNvPr>
+          <p:cNvPicPr>
+            <a:picLocks noChangeAspect="1"/>
+          </p:cNvPicPr>
+          <p:nvPr/>
+        </p:nvPicPr>
+        <p:blipFill>
+          <a:blip r:embed="rId5">
+            <a:extLst>
+              <a:ext uri="{28A0092B-C50C-407E-A947-70E740481C1C}">
+                <a14:useLocalDpi xmlns:a14="http://schemas.microsoft.com/office/drawing/2010/main" val="0"/>
+              </a:ext>
+            </a:extLst>
+          </a:blip>
+          <a:stretch>
+            <a:fillRect/>
+          </a:stretch>
+        </p:blipFill>
+        <p:spPr>
+          <a:xfrm>
+            <a:off x="3342164" y="5164954"/>
+            <a:ext cx="534760" cy="534760"/>
           </a:xfrm>
           <a:prstGeom prst="rect">
             <a:avLst/>
@@ -5456,7 +6936,7 @@
     </p:spTree>
     <p:extLst>
       <p:ext uri="{BB962C8B-B14F-4D97-AF65-F5344CB8AC3E}">
-        <p14:creationId xmlns:p14="http://schemas.microsoft.com/office/powerpoint/2010/main" val="2983243882"/>
+        <p14:creationId xmlns:p14="http://schemas.microsoft.com/office/powerpoint/2010/main" val="539075554"/>
       </p:ext>
     </p:extLst>
   </p:cSld>
@@ -5488,7 +6968,7 @@
           <p:cNvPr id="2" name="Titre 1">
             <a:extLst>
               <a:ext uri="{FF2B5EF4-FFF2-40B4-BE49-F238E27FC236}">
-                <a16:creationId xmlns:a16="http://schemas.microsoft.com/office/drawing/2014/main" id="{4D84EB35-F52A-4EF2-A06C-11BB278CCC98}"/>
+                <a16:creationId xmlns:a16="http://schemas.microsoft.com/office/drawing/2014/main" id="{D9D9958B-F60A-4448-8DE9-660E3A804CA2}"/>
               </a:ext>
             </a:extLst>
           </p:cNvPr>
@@ -5506,16 +6986,9 @@
           <a:p>
             <a:r>
               <a:rPr lang="en-GB" dirty="0"/>
-              <a:t>Functional</a:t>
-            </a:r>
-            <a:r>
-              <a:rPr lang="fr-FR" dirty="0"/>
-              <a:t> </a:t>
-            </a:r>
-            <a:r>
-              <a:rPr lang="en-GB" dirty="0"/>
-              <a:t>explanations</a:t>
-            </a:r>
+              <a:t>Functional explanations</a:t>
+            </a:r>
+            <a:endParaRPr lang="fr-FR" dirty="0"/>
           </a:p>
         </p:txBody>
       </p:sp>
@@ -5524,7 +6997,7 @@
           <p:cNvPr id="3" name="Espace réservé du contenu 2">
             <a:extLst>
               <a:ext uri="{FF2B5EF4-FFF2-40B4-BE49-F238E27FC236}">
-                <a16:creationId xmlns:a16="http://schemas.microsoft.com/office/drawing/2014/main" id="{94B79B1C-6662-4E44-94F8-E7C472E25E6F}"/>
+                <a16:creationId xmlns:a16="http://schemas.microsoft.com/office/drawing/2014/main" id="{260EF2F7-E06B-4D57-A46A-2A5DB60FBD5C}"/>
               </a:ext>
             </a:extLst>
           </p:cNvPr>
@@ -5538,72 +7011,21 @@
         <p:spPr>
           <a:xfrm>
             <a:off x="1097280" y="1845734"/>
-            <a:ext cx="10227212" cy="4484728"/>
-          </a:xfrm>
-        </p:spPr>
-        <p:txBody>
-          <a:bodyPr>
-            <a:normAutofit/>
-          </a:bodyPr>
+            <a:ext cx="4775982" cy="4023360"/>
+          </a:xfrm>
+        </p:spPr>
+        <p:txBody>
+          <a:bodyPr/>
           <a:lstStyle/>
           <a:p>
             <a:r>
-              <a:rPr lang="fr-FR" u="sng" dirty="0"/>
-              <a:t>Rules</a:t>
+              <a:rPr lang="fr-FR" u="sng" dirty="0" err="1"/>
+              <a:t>Spell</a:t>
             </a:r>
             <a:r>
               <a:rPr lang="fr-FR" dirty="0"/>
               <a:t>:</a:t>
             </a:r>
-          </a:p>
-          <a:p>
-            <a:pPr lvl="0">
-              <a:buFont typeface="Arial" panose="020B0604020202020204" pitchFamily="34" charset="0"/>
-              <a:buChar char="•"/>
-            </a:pPr>
-            <a:r>
-              <a:rPr lang="en-GB" dirty="0"/>
-              <a:t> There is no time limit to finish any level.</a:t>
-            </a:r>
-            <a:endParaRPr lang="fr-FR" dirty="0"/>
-          </a:p>
-          <a:p>
-            <a:pPr lvl="0">
-              <a:buFont typeface="Arial" panose="020B0604020202020204" pitchFamily="34" charset="0"/>
-              <a:buChar char="•"/>
-            </a:pPr>
-            <a:r>
-              <a:rPr lang="en-GB" dirty="0"/>
-              <a:t> </a:t>
-            </a:r>
-            <a:r>
-              <a:rPr lang="en-GB" dirty="0" err="1"/>
-              <a:t>Lorann</a:t>
-            </a:r>
-            <a:r>
-              <a:rPr lang="en-GB" dirty="0"/>
-              <a:t> can move in any direction (left, right, up, down, all diagonals).</a:t>
-            </a:r>
-            <a:endParaRPr lang="fr-FR" dirty="0"/>
-          </a:p>
-          <a:p>
-            <a:pPr lvl="0">
-              <a:buFont typeface="Arial" panose="020B0604020202020204" pitchFamily="34" charset="0"/>
-              <a:buChar char="•"/>
-            </a:pPr>
-            <a:r>
-              <a:rPr lang="en-GB" dirty="0"/>
-              <a:t> </a:t>
-            </a:r>
-            <a:r>
-              <a:rPr lang="en-GB" dirty="0" err="1"/>
-              <a:t>Lorann</a:t>
-            </a:r>
-            <a:r>
-              <a:rPr lang="en-GB" dirty="0"/>
-              <a:t> cannot go through walls (Pillars, Horizontal and Vertical Bones).</a:t>
-            </a:r>
-            <a:endParaRPr lang="fr-FR" dirty="0"/>
           </a:p>
           <a:p>
             <a:pPr>
@@ -5611,7 +7033,7 @@
               <a:buChar char="•"/>
             </a:pPr>
             <a:r>
-              <a:rPr lang="en-GB" dirty="0"/>
+              <a:rPr lang="fr-FR" dirty="0"/>
               <a:t> </a:t>
             </a:r>
             <a:r>
@@ -5620,23 +7042,7 @@
             </a:r>
             <a:r>
               <a:rPr lang="en-GB" dirty="0"/>
-              <a:t> can get killed if he encounters one of the following:</a:t>
-            </a:r>
-            <a:endParaRPr lang="fr-FR" dirty="0"/>
-          </a:p>
-          <a:p>
-            <a:pPr lvl="1"/>
-            <a:r>
-              <a:rPr lang="en-GB" dirty="0"/>
-              <a:t>The closed door leading to the next level</a:t>
-            </a:r>
-            <a:endParaRPr lang="fr-FR" dirty="0"/>
-          </a:p>
-          <a:p>
-            <a:pPr lvl="1"/>
-            <a:r>
-              <a:rPr lang="en-GB" dirty="0"/>
-              <a:t>Any of the 4 monsters</a:t>
+              <a:t> can cast a multicolour spell in order to kill a monster.</a:t>
             </a:r>
             <a:endParaRPr lang="fr-FR" dirty="0"/>
           </a:p>
@@ -5647,7 +7053,7 @@
             </a:pPr>
             <a:r>
               <a:rPr lang="en-GB" dirty="0"/>
-              <a:t> </a:t>
+              <a:t> The Spell can bounce on walls and go back to </a:t>
             </a:r>
             <a:r>
               <a:rPr lang="en-GB" dirty="0" err="1"/>
@@ -5655,7 +7061,7 @@
             </a:r>
             <a:r>
               <a:rPr lang="en-GB" dirty="0"/>
-              <a:t> can kill the monsters only using his Spell.</a:t>
+              <a:t>.</a:t>
             </a:r>
           </a:p>
           <a:p>
@@ -5665,42 +7071,231 @@
             </a:pPr>
             <a:r>
               <a:rPr lang="en-GB" dirty="0"/>
-              <a:t> </a:t>
-            </a:r>
-            <a:r>
-              <a:rPr lang="en-GB" dirty="0" err="1"/>
-              <a:t>Lorann</a:t>
-            </a:r>
-            <a:r>
-              <a:rPr lang="en-GB" dirty="0"/>
-              <a:t> can cast his Spell only once at a time, and must grab it back (by going on it’s way) to cast it again.</a:t>
-            </a:r>
-            <a:endParaRPr lang="fr-FR" dirty="0"/>
-          </a:p>
-          <a:p>
-            <a:pPr lvl="0">
-              <a:buFont typeface="Arial" panose="020B0604020202020204" pitchFamily="34" charset="0"/>
-              <a:buChar char="•"/>
-            </a:pPr>
-            <a:r>
-              <a:rPr lang="en-GB" dirty="0"/>
-              <a:t> Monsters cannot go through walls.</a:t>
-            </a:r>
-            <a:endParaRPr lang="fr-FR" dirty="0"/>
-          </a:p>
-          <a:p>
-            <a:pPr>
-              <a:buFont typeface="Arial" panose="020B0604020202020204" pitchFamily="34" charset="0"/>
-              <a:buChar char="•"/>
-            </a:pPr>
-            <a:endParaRPr lang="fr-FR" dirty="0"/>
-          </a:p>
-        </p:txBody>
-      </p:sp>
+              <a:t> If the spell hits a monster, it kills him.</a:t>
+            </a:r>
+          </a:p>
+        </p:txBody>
+      </p:sp>
+      <p:pic>
+        <p:nvPicPr>
+          <p:cNvPr id="5" name="Image 4" descr="Une image contenant horloge, objet&#10;&#10;Description générée avec un niveau de confiance très élevé">
+            <a:extLst>
+              <a:ext uri="{FF2B5EF4-FFF2-40B4-BE49-F238E27FC236}">
+                <a16:creationId xmlns:a16="http://schemas.microsoft.com/office/drawing/2014/main" id="{8070086E-B172-4ACD-9DAF-A63102B75F73}"/>
+              </a:ext>
+            </a:extLst>
+          </p:cNvPr>
+          <p:cNvPicPr>
+            <a:picLocks noChangeAspect="1"/>
+          </p:cNvPicPr>
+          <p:nvPr/>
+        </p:nvPicPr>
+        <p:blipFill>
+          <a:blip r:embed="rId2">
+            <a:extLst>
+              <a:ext uri="{28A0092B-C50C-407E-A947-70E740481C1C}">
+                <a14:useLocalDpi xmlns:a14="http://schemas.microsoft.com/office/drawing/2010/main" val="0"/>
+              </a:ext>
+            </a:extLst>
+          </a:blip>
+          <a:stretch>
+            <a:fillRect/>
+          </a:stretch>
+        </p:blipFill>
+        <p:spPr>
+          <a:xfrm>
+            <a:off x="7807547" y="2314917"/>
+            <a:ext cx="440445" cy="440445"/>
+          </a:xfrm>
+          <a:prstGeom prst="rect">
+            <a:avLst/>
+          </a:prstGeom>
+        </p:spPr>
+      </p:pic>
+      <p:pic>
+        <p:nvPicPr>
+          <p:cNvPr id="7" name="Image 6" descr="Une image contenant horloge, objet&#10;&#10;Description générée avec un niveau de confiance très élevé">
+            <a:extLst>
+              <a:ext uri="{FF2B5EF4-FFF2-40B4-BE49-F238E27FC236}">
+                <a16:creationId xmlns:a16="http://schemas.microsoft.com/office/drawing/2014/main" id="{A6DE09AC-71DB-4FF1-A7D6-A490186CB51A}"/>
+              </a:ext>
+            </a:extLst>
+          </p:cNvPr>
+          <p:cNvPicPr>
+            <a:picLocks noChangeAspect="1"/>
+          </p:cNvPicPr>
+          <p:nvPr/>
+        </p:nvPicPr>
+        <p:blipFill>
+          <a:blip r:embed="rId3">
+            <a:extLst>
+              <a:ext uri="{28A0092B-C50C-407E-A947-70E740481C1C}">
+                <a14:useLocalDpi xmlns:a14="http://schemas.microsoft.com/office/drawing/2010/main" val="0"/>
+              </a:ext>
+            </a:extLst>
+          </a:blip>
+          <a:stretch>
+            <a:fillRect/>
+          </a:stretch>
+        </p:blipFill>
+        <p:spPr>
+          <a:xfrm>
+            <a:off x="8283160" y="2312377"/>
+            <a:ext cx="440445" cy="440445"/>
+          </a:xfrm>
+          <a:prstGeom prst="rect">
+            <a:avLst/>
+          </a:prstGeom>
+        </p:spPr>
+      </p:pic>
+      <p:pic>
+        <p:nvPicPr>
+          <p:cNvPr id="9" name="Image 8" descr="Une image contenant horloge, objet&#10;&#10;Description générée avec un niveau de confiance très élevé">
+            <a:extLst>
+              <a:ext uri="{FF2B5EF4-FFF2-40B4-BE49-F238E27FC236}">
+                <a16:creationId xmlns:a16="http://schemas.microsoft.com/office/drawing/2014/main" id="{51A8D92D-8B30-4001-832E-382C1CF54D82}"/>
+              </a:ext>
+            </a:extLst>
+          </p:cNvPr>
+          <p:cNvPicPr>
+            <a:picLocks noChangeAspect="1"/>
+          </p:cNvPicPr>
+          <p:nvPr/>
+        </p:nvPicPr>
+        <p:blipFill>
+          <a:blip r:embed="rId4">
+            <a:extLst>
+              <a:ext uri="{28A0092B-C50C-407E-A947-70E740481C1C}">
+                <a14:useLocalDpi xmlns:a14="http://schemas.microsoft.com/office/drawing/2010/main" val="0"/>
+              </a:ext>
+            </a:extLst>
+          </a:blip>
+          <a:stretch>
+            <a:fillRect/>
+          </a:stretch>
+        </p:blipFill>
+        <p:spPr>
+          <a:xfrm>
+            <a:off x="8758773" y="2312377"/>
+            <a:ext cx="440445" cy="440445"/>
+          </a:xfrm>
+          <a:prstGeom prst="rect">
+            <a:avLst/>
+          </a:prstGeom>
+        </p:spPr>
+      </p:pic>
+      <p:pic>
+        <p:nvPicPr>
+          <p:cNvPr id="11" name="Image 10" descr="Une image contenant horloge, objet, temps, monté&#10;&#10;Description générée avec un niveau de confiance très élevé">
+            <a:extLst>
+              <a:ext uri="{FF2B5EF4-FFF2-40B4-BE49-F238E27FC236}">
+                <a16:creationId xmlns:a16="http://schemas.microsoft.com/office/drawing/2014/main" id="{4E71E3EE-2ADA-4C1B-866D-1B6B98F87656}"/>
+              </a:ext>
+            </a:extLst>
+          </p:cNvPr>
+          <p:cNvPicPr>
+            <a:picLocks noChangeAspect="1"/>
+          </p:cNvPicPr>
+          <p:nvPr/>
+        </p:nvPicPr>
+        <p:blipFill>
+          <a:blip r:embed="rId5">
+            <a:extLst>
+              <a:ext uri="{28A0092B-C50C-407E-A947-70E740481C1C}">
+                <a14:useLocalDpi xmlns:a14="http://schemas.microsoft.com/office/drawing/2010/main" val="0"/>
+              </a:ext>
+            </a:extLst>
+          </a:blip>
+          <a:stretch>
+            <a:fillRect/>
+          </a:stretch>
+        </p:blipFill>
+        <p:spPr>
+          <a:xfrm>
+            <a:off x="9234386" y="2312377"/>
+            <a:ext cx="440445" cy="440445"/>
+          </a:xfrm>
+          <a:prstGeom prst="rect">
+            <a:avLst/>
+          </a:prstGeom>
+        </p:spPr>
+      </p:pic>
+      <p:pic>
+        <p:nvPicPr>
+          <p:cNvPr id="13" name="Image 12" descr="Une image contenant horloge, objet, jaune&#10;&#10;Description générée avec un niveau de confiance très élevé">
+            <a:extLst>
+              <a:ext uri="{FF2B5EF4-FFF2-40B4-BE49-F238E27FC236}">
+                <a16:creationId xmlns:a16="http://schemas.microsoft.com/office/drawing/2014/main" id="{A76D331E-835F-413E-BEF5-5F1C1101EC16}"/>
+              </a:ext>
+            </a:extLst>
+          </p:cNvPr>
+          <p:cNvPicPr>
+            <a:picLocks noChangeAspect="1"/>
+          </p:cNvPicPr>
+          <p:nvPr/>
+        </p:nvPicPr>
+        <p:blipFill>
+          <a:blip r:embed="rId6">
+            <a:extLst>
+              <a:ext uri="{28A0092B-C50C-407E-A947-70E740481C1C}">
+                <a14:useLocalDpi xmlns:a14="http://schemas.microsoft.com/office/drawing/2010/main" val="0"/>
+              </a:ext>
+            </a:extLst>
+          </a:blip>
+          <a:stretch>
+            <a:fillRect/>
+          </a:stretch>
+        </p:blipFill>
+        <p:spPr>
+          <a:xfrm>
+            <a:off x="9709999" y="2312377"/>
+            <a:ext cx="440445" cy="440445"/>
+          </a:xfrm>
+          <a:prstGeom prst="rect">
+            <a:avLst/>
+          </a:prstGeom>
+        </p:spPr>
+      </p:pic>
+      <p:pic>
+        <p:nvPicPr>
+          <p:cNvPr id="21" name="Image 20">
+            <a:extLst>
+              <a:ext uri="{FF2B5EF4-FFF2-40B4-BE49-F238E27FC236}">
+                <a16:creationId xmlns:a16="http://schemas.microsoft.com/office/drawing/2014/main" id="{00A56BDF-332F-4B14-944D-7CEF0B54C327}"/>
+              </a:ext>
+            </a:extLst>
+          </p:cNvPr>
+          <p:cNvPicPr>
+            <a:picLocks noChangeAspect="1"/>
+          </p:cNvPicPr>
+          <p:nvPr/>
+        </p:nvPicPr>
+        <p:blipFill>
+          <a:blip r:embed="rId7">
+            <a:extLst>
+              <a:ext uri="{28A0092B-C50C-407E-A947-70E740481C1C}">
+                <a14:useLocalDpi xmlns:a14="http://schemas.microsoft.com/office/drawing/2010/main" val="0"/>
+              </a:ext>
+            </a:extLst>
+          </a:blip>
+          <a:stretch>
+            <a:fillRect/>
+          </a:stretch>
+        </p:blipFill>
+        <p:spPr>
+          <a:xfrm>
+            <a:off x="6692995" y="4102639"/>
+            <a:ext cx="4572000" cy="1828800"/>
+          </a:xfrm>
+          <a:prstGeom prst="rect">
+            <a:avLst/>
+          </a:prstGeom>
+        </p:spPr>
+      </p:pic>
     </p:spTree>
     <p:extLst>
       <p:ext uri="{BB962C8B-B14F-4D97-AF65-F5344CB8AC3E}">
-        <p14:creationId xmlns:p14="http://schemas.microsoft.com/office/powerpoint/2010/main" val="1692390166"/>
+        <p14:creationId xmlns:p14="http://schemas.microsoft.com/office/powerpoint/2010/main" val="2249765490"/>
       </p:ext>
     </p:extLst>
   </p:cSld>
@@ -5732,7 +7327,7 @@
           <p:cNvPr id="2" name="Titre 1">
             <a:extLst>
               <a:ext uri="{FF2B5EF4-FFF2-40B4-BE49-F238E27FC236}">
-                <a16:creationId xmlns:a16="http://schemas.microsoft.com/office/drawing/2014/main" id="{84E139C1-138C-48E8-A007-7E43A8A7CFAD}"/>
+                <a16:creationId xmlns:a16="http://schemas.microsoft.com/office/drawing/2014/main" id="{68972747-CDDF-4909-A2AB-75DF9C8929FE}"/>
               </a:ext>
             </a:extLst>
           </p:cNvPr>
@@ -5769,7 +7364,7 @@
           <p:cNvPr id="3" name="Espace réservé du contenu 2">
             <a:extLst>
               <a:ext uri="{FF2B5EF4-FFF2-40B4-BE49-F238E27FC236}">
-                <a16:creationId xmlns:a16="http://schemas.microsoft.com/office/drawing/2014/main" id="{1C9AD590-6FEB-4342-A4C5-B0123E5414CE}"/>
+                <a16:creationId xmlns:a16="http://schemas.microsoft.com/office/drawing/2014/main" id="{0D614921-F83A-48AB-9AC5-FCDEA4F655E9}"/>
               </a:ext>
             </a:extLst>
           </p:cNvPr>
@@ -5780,14 +7375,19 @@
             <p:ph idx="1"/>
           </p:nvPr>
         </p:nvSpPr>
-        <p:spPr/>
+        <p:spPr>
+          <a:xfrm>
+            <a:off x="1097280" y="1845734"/>
+            <a:ext cx="4998720" cy="4023360"/>
+          </a:xfrm>
+        </p:spPr>
         <p:txBody>
           <a:bodyPr/>
           <a:lstStyle/>
           <a:p>
             <a:r>
               <a:rPr lang="fr-FR" u="sng" dirty="0"/>
-              <a:t>Functioning</a:t>
+              <a:t>Goal</a:t>
             </a:r>
             <a:r>
               <a:rPr lang="fr-FR" dirty="0"/>
@@ -5800,75 +7400,13 @@
               <a:buChar char="•"/>
             </a:pPr>
             <a:r>
+              <a:rPr lang="fr-FR" dirty="0"/>
+              <a:t> </a:t>
+            </a:r>
+            <a:r>
               <a:rPr lang="en-GB" dirty="0"/>
-              <a:t> </a:t>
-            </a:r>
-            <a:r>
-              <a:rPr lang="en-GB" dirty="0" err="1"/>
-              <a:t>Lorann</a:t>
-            </a:r>
-            <a:r>
-              <a:rPr lang="en-GB" dirty="0"/>
-              <a:t> can be leaded by 3 types of keycaps:</a:t>
-            </a:r>
-          </a:p>
-          <a:p>
-            <a:pPr lvl="1">
-              <a:buSzPct val="50000"/>
-              <a:buFont typeface="Courier New" panose="02070309020205020404" pitchFamily="49" charset="0"/>
-              <a:buChar char="o"/>
-            </a:pPr>
-            <a:r>
-              <a:rPr lang="en-GB" dirty="0"/>
-              <a:t>The </a:t>
-            </a:r>
-            <a:r>
-              <a:rPr lang="en-GB" b="1" dirty="0"/>
-              <a:t>Arrow</a:t>
-            </a:r>
-            <a:r>
-              <a:rPr lang="en-GB" dirty="0"/>
-              <a:t> keys</a:t>
-            </a:r>
-          </a:p>
-          <a:p>
-            <a:pPr lvl="1">
-              <a:buSzPct val="50000"/>
-              <a:buFont typeface="Courier New" panose="02070309020205020404" pitchFamily="49" charset="0"/>
-              <a:buChar char="o"/>
-            </a:pPr>
-            <a:r>
-              <a:rPr lang="en-GB" dirty="0"/>
-              <a:t>The </a:t>
-            </a:r>
-            <a:r>
-              <a:rPr lang="en-GB" b="1" dirty="0"/>
-              <a:t>ZQSD</a:t>
-            </a:r>
-            <a:r>
-              <a:rPr lang="en-GB" dirty="0"/>
-              <a:t> keys</a:t>
-            </a:r>
-          </a:p>
-          <a:p>
-            <a:pPr lvl="1">
-              <a:buSzPct val="50000"/>
-              <a:buFont typeface="Courier New" panose="02070309020205020404" pitchFamily="49" charset="0"/>
-              <a:buChar char="o"/>
-            </a:pPr>
-            <a:r>
-              <a:rPr lang="en-GB" dirty="0"/>
-              <a:t>The </a:t>
-            </a:r>
-            <a:r>
-              <a:rPr lang="en-GB" b="1" dirty="0"/>
-              <a:t>WASD</a:t>
-            </a:r>
-            <a:r>
-              <a:rPr lang="en-GB" dirty="0"/>
-              <a:t> keys</a:t>
-            </a:r>
-            <a:endParaRPr lang="fr-FR" dirty="0"/>
+              <a:t>The goal is to achieve to go out by the door.</a:t>
+            </a:r>
           </a:p>
           <a:p>
             <a:pPr>
@@ -5876,127 +7414,94 @@
               <a:buChar char="•"/>
             </a:pPr>
             <a:r>
-              <a:rPr lang="fr-FR" dirty="0"/>
-              <a:t> The </a:t>
-            </a:r>
-            <a:r>
-              <a:rPr lang="fr-FR" dirty="0" err="1"/>
-              <a:t>Spell</a:t>
-            </a:r>
-            <a:r>
-              <a:rPr lang="fr-FR" dirty="0"/>
-              <a:t> can </a:t>
-            </a:r>
-            <a:r>
-              <a:rPr lang="fr-FR" dirty="0" err="1"/>
-              <a:t>be</a:t>
-            </a:r>
-            <a:r>
-              <a:rPr lang="fr-FR" dirty="0"/>
-              <a:t> </a:t>
-            </a:r>
-            <a:r>
-              <a:rPr lang="fr-FR" dirty="0" err="1"/>
-              <a:t>casted</a:t>
-            </a:r>
-            <a:r>
-              <a:rPr lang="fr-FR" dirty="0"/>
-              <a:t> by the use of the </a:t>
-            </a:r>
-            <a:r>
-              <a:rPr lang="fr-FR" b="1" dirty="0"/>
-              <a:t>SPACE</a:t>
-            </a:r>
-            <a:r>
-              <a:rPr lang="fr-FR" dirty="0"/>
-              <a:t> key.</a:t>
-            </a:r>
-          </a:p>
-          <a:p>
-            <a:pPr>
-              <a:buFont typeface="Arial" panose="020B0604020202020204" pitchFamily="34" charset="0"/>
-              <a:buChar char="•"/>
-            </a:pPr>
-            <a:r>
-              <a:rPr lang="fr-FR" dirty="0"/>
-              <a:t> A </a:t>
-            </a:r>
-            <a:r>
-              <a:rPr lang="fr-FR" dirty="0" err="1"/>
-              <a:t>level</a:t>
-            </a:r>
-            <a:r>
-              <a:rPr lang="fr-FR" dirty="0"/>
-              <a:t> can </a:t>
-            </a:r>
-            <a:r>
-              <a:rPr lang="fr-FR" dirty="0" err="1"/>
-              <a:t>be</a:t>
-            </a:r>
-            <a:r>
-              <a:rPr lang="fr-FR" dirty="0"/>
-              <a:t> </a:t>
-            </a:r>
-            <a:r>
-              <a:rPr lang="fr-FR" dirty="0" err="1"/>
-              <a:t>retried</a:t>
-            </a:r>
-            <a:r>
-              <a:rPr lang="fr-FR" dirty="0"/>
-              <a:t> by the use of the </a:t>
-            </a:r>
-            <a:r>
-              <a:rPr lang="fr-FR" b="1" dirty="0"/>
-              <a:t>R</a:t>
-            </a:r>
-            <a:r>
-              <a:rPr lang="fr-FR" dirty="0"/>
-              <a:t> key. This action </a:t>
-            </a:r>
-            <a:r>
-              <a:rPr lang="fr-FR" dirty="0" err="1"/>
-              <a:t>will</a:t>
-            </a:r>
-            <a:r>
-              <a:rPr lang="fr-FR" dirty="0"/>
-              <a:t> </a:t>
-            </a:r>
-            <a:r>
-              <a:rPr lang="fr-FR" dirty="0" err="1"/>
-              <a:t>cost</a:t>
-            </a:r>
-            <a:r>
-              <a:rPr lang="fr-FR" dirty="0"/>
-              <a:t> a few points to the </a:t>
-            </a:r>
-            <a:r>
-              <a:rPr lang="fr-FR" dirty="0" err="1"/>
-              <a:t>player</a:t>
-            </a:r>
-            <a:r>
-              <a:rPr lang="fr-FR" dirty="0"/>
-              <a:t>.</a:t>
+              <a:rPr lang="en-GB" dirty="0"/>
+              <a:t> You must find the Energy bubble to unlock the door.</a:t>
             </a:r>
           </a:p>
           <a:p>
             <a:pPr marL="0" indent="0">
               <a:buNone/>
             </a:pPr>
-            <a:endParaRPr lang="fr-FR" dirty="0"/>
-          </a:p>
-          <a:p>
-            <a:pPr>
-              <a:buFont typeface="Arial" panose="020B0604020202020204" pitchFamily="34" charset="0"/>
-              <a:buChar char="•"/>
-            </a:pPr>
-            <a:endParaRPr lang="fr-FR" dirty="0"/>
-          </a:p>
-        </p:txBody>
-      </p:sp>
+            <a:endParaRPr lang="en-GB" dirty="0"/>
+          </a:p>
+        </p:txBody>
+      </p:sp>
+      <p:pic>
+        <p:nvPicPr>
+          <p:cNvPr id="6" name="Image 5">
+            <a:extLst>
+              <a:ext uri="{FF2B5EF4-FFF2-40B4-BE49-F238E27FC236}">
+                <a16:creationId xmlns:a16="http://schemas.microsoft.com/office/drawing/2014/main" id="{90BA709E-536B-44C9-8069-C2ED2E2054DD}"/>
+              </a:ext>
+            </a:extLst>
+          </p:cNvPr>
+          <p:cNvPicPr>
+            <a:picLocks noChangeAspect="1"/>
+          </p:cNvPicPr>
+          <p:nvPr/>
+        </p:nvPicPr>
+        <p:blipFill>
+          <a:blip r:embed="rId2">
+            <a:extLst>
+              <a:ext uri="{28A0092B-C50C-407E-A947-70E740481C1C}">
+                <a14:useLocalDpi xmlns:a14="http://schemas.microsoft.com/office/drawing/2010/main" val="0"/>
+              </a:ext>
+            </a:extLst>
+          </a:blip>
+          <a:stretch>
+            <a:fillRect/>
+          </a:stretch>
+        </p:blipFill>
+        <p:spPr>
+          <a:xfrm>
+            <a:off x="7614809" y="3852093"/>
+            <a:ext cx="2516484" cy="1950275"/>
+          </a:xfrm>
+          <a:prstGeom prst="rect">
+            <a:avLst/>
+          </a:prstGeom>
+        </p:spPr>
+      </p:pic>
+      <p:pic>
+        <p:nvPicPr>
+          <p:cNvPr id="9" name="Image 8">
+            <a:extLst>
+              <a:ext uri="{FF2B5EF4-FFF2-40B4-BE49-F238E27FC236}">
+                <a16:creationId xmlns:a16="http://schemas.microsoft.com/office/drawing/2014/main" id="{A1210AED-8E21-4A3D-AFE3-0A0A638E3D36}"/>
+              </a:ext>
+            </a:extLst>
+          </p:cNvPr>
+          <p:cNvPicPr>
+            <a:picLocks noChangeAspect="1"/>
+          </p:cNvPicPr>
+          <p:nvPr/>
+        </p:nvPicPr>
+        <p:blipFill>
+          <a:blip r:embed="rId3">
+            <a:extLst>
+              <a:ext uri="{28A0092B-C50C-407E-A947-70E740481C1C}">
+                <a14:useLocalDpi xmlns:a14="http://schemas.microsoft.com/office/drawing/2010/main" val="0"/>
+              </a:ext>
+            </a:extLst>
+          </a:blip>
+          <a:stretch>
+            <a:fillRect/>
+          </a:stretch>
+        </p:blipFill>
+        <p:spPr>
+          <a:xfrm>
+            <a:off x="7614809" y="1841832"/>
+            <a:ext cx="2516484" cy="1905789"/>
+          </a:xfrm>
+          <a:prstGeom prst="rect">
+            <a:avLst/>
+          </a:prstGeom>
+        </p:spPr>
+      </p:pic>
     </p:spTree>
     <p:extLst>
       <p:ext uri="{BB962C8B-B14F-4D97-AF65-F5344CB8AC3E}">
-        <p14:creationId xmlns:p14="http://schemas.microsoft.com/office/powerpoint/2010/main" val="3375886034"/>
+        <p14:creationId xmlns:p14="http://schemas.microsoft.com/office/powerpoint/2010/main" val="2983243882"/>
       </p:ext>
     </p:extLst>
   </p:cSld>

--- a/Deliverables/Lorann - PowerPoint.pptx
+++ b/Deliverables/Lorann - PowerPoint.pptx
@@ -11,13 +11,14 @@
     <p:sldId id="258" r:id="rId5"/>
     <p:sldId id="270" r:id="rId6"/>
     <p:sldId id="267" r:id="rId7"/>
-    <p:sldId id="268" r:id="rId8"/>
-    <p:sldId id="269" r:id="rId9"/>
-    <p:sldId id="262" r:id="rId10"/>
-    <p:sldId id="260" r:id="rId11"/>
-    <p:sldId id="261" r:id="rId12"/>
-    <p:sldId id="266" r:id="rId13"/>
-    <p:sldId id="264" r:id="rId14"/>
+    <p:sldId id="271" r:id="rId8"/>
+    <p:sldId id="268" r:id="rId9"/>
+    <p:sldId id="269" r:id="rId10"/>
+    <p:sldId id="262" r:id="rId11"/>
+    <p:sldId id="260" r:id="rId12"/>
+    <p:sldId id="261" r:id="rId13"/>
+    <p:sldId id="266" r:id="rId14"/>
+    <p:sldId id="264" r:id="rId15"/>
   </p:sldIdLst>
   <p:sldSz cx="12192000" cy="6858000"/>
   <p:notesSz cx="6858000" cy="9144000"/>
@@ -4238,7 +4239,7 @@
           <p:cNvPr id="2" name="Titre 1">
             <a:extLst>
               <a:ext uri="{FF2B5EF4-FFF2-40B4-BE49-F238E27FC236}">
-                <a16:creationId xmlns:a16="http://schemas.microsoft.com/office/drawing/2014/main" id="{4D84EB35-F52A-4EF2-A06C-11BB278CCC98}"/>
+                <a16:creationId xmlns:a16="http://schemas.microsoft.com/office/drawing/2014/main" id="{68972747-CDDF-4909-A2AB-75DF9C8929FE}"/>
               </a:ext>
             </a:extLst>
           </p:cNvPr>
@@ -4266,6 +4267,7 @@
               <a:rPr lang="en-GB" dirty="0"/>
               <a:t>explanations</a:t>
             </a:r>
+            <a:endParaRPr lang="fr-FR" dirty="0"/>
           </a:p>
         </p:txBody>
       </p:sp>
@@ -4274,7 +4276,7 @@
           <p:cNvPr id="3" name="Espace réservé du contenu 2">
             <a:extLst>
               <a:ext uri="{FF2B5EF4-FFF2-40B4-BE49-F238E27FC236}">
-                <a16:creationId xmlns:a16="http://schemas.microsoft.com/office/drawing/2014/main" id="{94B79B1C-6662-4E44-94F8-E7C472E25E6F}"/>
+                <a16:creationId xmlns:a16="http://schemas.microsoft.com/office/drawing/2014/main" id="{0D614921-F83A-48AB-9AC5-FCDEA4F655E9}"/>
               </a:ext>
             </a:extLst>
           </p:cNvPr>
@@ -4288,72 +4290,21 @@
         <p:spPr>
           <a:xfrm>
             <a:off x="1097280" y="1845734"/>
-            <a:ext cx="10227212" cy="4484728"/>
-          </a:xfrm>
-        </p:spPr>
-        <p:txBody>
-          <a:bodyPr>
-            <a:normAutofit/>
-          </a:bodyPr>
+            <a:ext cx="4998720" cy="4023360"/>
+          </a:xfrm>
+        </p:spPr>
+        <p:txBody>
+          <a:bodyPr/>
           <a:lstStyle/>
           <a:p>
             <a:r>
               <a:rPr lang="fr-FR" u="sng" dirty="0"/>
-              <a:t>Rules</a:t>
+              <a:t>Goal</a:t>
             </a:r>
             <a:r>
               <a:rPr lang="fr-FR" dirty="0"/>
               <a:t>:</a:t>
             </a:r>
-          </a:p>
-          <a:p>
-            <a:pPr lvl="0">
-              <a:buFont typeface="Arial" panose="020B0604020202020204" pitchFamily="34" charset="0"/>
-              <a:buChar char="•"/>
-            </a:pPr>
-            <a:r>
-              <a:rPr lang="en-GB" dirty="0"/>
-              <a:t> There is no time limit to finish any level.</a:t>
-            </a:r>
-            <a:endParaRPr lang="fr-FR" dirty="0"/>
-          </a:p>
-          <a:p>
-            <a:pPr lvl="0">
-              <a:buFont typeface="Arial" panose="020B0604020202020204" pitchFamily="34" charset="0"/>
-              <a:buChar char="•"/>
-            </a:pPr>
-            <a:r>
-              <a:rPr lang="en-GB" dirty="0"/>
-              <a:t> </a:t>
-            </a:r>
-            <a:r>
-              <a:rPr lang="en-GB" dirty="0" err="1"/>
-              <a:t>Lorann</a:t>
-            </a:r>
-            <a:r>
-              <a:rPr lang="en-GB" dirty="0"/>
-              <a:t> can move in any direction (left, right, up, down, all diagonals).</a:t>
-            </a:r>
-            <a:endParaRPr lang="fr-FR" dirty="0"/>
-          </a:p>
-          <a:p>
-            <a:pPr lvl="0">
-              <a:buFont typeface="Arial" panose="020B0604020202020204" pitchFamily="34" charset="0"/>
-              <a:buChar char="•"/>
-            </a:pPr>
-            <a:r>
-              <a:rPr lang="en-GB" dirty="0"/>
-              <a:t> </a:t>
-            </a:r>
-            <a:r>
-              <a:rPr lang="en-GB" dirty="0" err="1"/>
-              <a:t>Lorann</a:t>
-            </a:r>
-            <a:r>
-              <a:rPr lang="en-GB" dirty="0"/>
-              <a:t> cannot go through walls (Pillars, Horizontal and Vertical Bones).</a:t>
-            </a:r>
-            <a:endParaRPr lang="fr-FR" dirty="0"/>
           </a:p>
           <a:p>
             <a:pPr>
@@ -4361,34 +4312,13 @@
               <a:buChar char="•"/>
             </a:pPr>
             <a:r>
+              <a:rPr lang="fr-FR" dirty="0"/>
+              <a:t> </a:t>
+            </a:r>
+            <a:r>
               <a:rPr lang="en-GB" dirty="0"/>
-              <a:t> </a:t>
-            </a:r>
-            <a:r>
-              <a:rPr lang="en-GB" dirty="0" err="1"/>
-              <a:t>Lorann</a:t>
-            </a:r>
-            <a:r>
-              <a:rPr lang="en-GB" dirty="0"/>
-              <a:t> can get killed if he encounters one of the following:</a:t>
-            </a:r>
-            <a:endParaRPr lang="fr-FR" dirty="0"/>
-          </a:p>
-          <a:p>
-            <a:pPr lvl="1"/>
-            <a:r>
-              <a:rPr lang="en-GB" dirty="0"/>
-              <a:t>The closed door leading to the next level</a:t>
-            </a:r>
-            <a:endParaRPr lang="fr-FR" dirty="0"/>
-          </a:p>
-          <a:p>
-            <a:pPr lvl="1"/>
-            <a:r>
-              <a:rPr lang="en-GB" dirty="0"/>
-              <a:t>Any of the 4 monsters</a:t>
-            </a:r>
-            <a:endParaRPr lang="fr-FR" dirty="0"/>
+              <a:t>The goal is to achieve to go out by the door.</a:t>
+            </a:r>
           </a:p>
           <a:p>
             <a:pPr>
@@ -4397,60 +4327,93 @@
             </a:pPr>
             <a:r>
               <a:rPr lang="en-GB" dirty="0"/>
-              <a:t> </a:t>
-            </a:r>
-            <a:r>
-              <a:rPr lang="en-GB" dirty="0" err="1"/>
-              <a:t>Lorann</a:t>
-            </a:r>
-            <a:r>
-              <a:rPr lang="en-GB" dirty="0"/>
-              <a:t> can kill the monsters only using his Spell.</a:t>
-            </a:r>
-          </a:p>
-          <a:p>
-            <a:pPr>
-              <a:buFont typeface="Arial" panose="020B0604020202020204" pitchFamily="34" charset="0"/>
-              <a:buChar char="•"/>
+              <a:t> You must find the Energy bubble to unlock the door.</a:t>
+            </a:r>
+          </a:p>
+          <a:p>
+            <a:pPr marL="0" indent="0">
+              <a:buNone/>
             </a:pPr>
-            <a:r>
-              <a:rPr lang="en-GB" dirty="0"/>
-              <a:t> </a:t>
-            </a:r>
-            <a:r>
-              <a:rPr lang="en-GB" dirty="0" err="1"/>
-              <a:t>Lorann</a:t>
-            </a:r>
-            <a:r>
-              <a:rPr lang="en-GB" dirty="0"/>
-              <a:t> can cast his Spell only once at a time, and must grab it back (by going on it’s way) to cast it again.</a:t>
-            </a:r>
-            <a:endParaRPr lang="fr-FR" dirty="0"/>
-          </a:p>
-          <a:p>
-            <a:pPr lvl="0">
-              <a:buFont typeface="Arial" panose="020B0604020202020204" pitchFamily="34" charset="0"/>
-              <a:buChar char="•"/>
-            </a:pPr>
-            <a:r>
-              <a:rPr lang="en-GB" dirty="0"/>
-              <a:t> Monsters cannot go through walls.</a:t>
-            </a:r>
-            <a:endParaRPr lang="fr-FR" dirty="0"/>
-          </a:p>
-          <a:p>
-            <a:pPr>
-              <a:buFont typeface="Arial" panose="020B0604020202020204" pitchFamily="34" charset="0"/>
-              <a:buChar char="•"/>
-            </a:pPr>
-            <a:endParaRPr lang="fr-FR" dirty="0"/>
-          </a:p>
-        </p:txBody>
-      </p:sp>
+            <a:endParaRPr lang="en-GB" dirty="0"/>
+          </a:p>
+        </p:txBody>
+      </p:sp>
+      <p:pic>
+        <p:nvPicPr>
+          <p:cNvPr id="6" name="Image 5">
+            <a:extLst>
+              <a:ext uri="{FF2B5EF4-FFF2-40B4-BE49-F238E27FC236}">
+                <a16:creationId xmlns:a16="http://schemas.microsoft.com/office/drawing/2014/main" id="{90BA709E-536B-44C9-8069-C2ED2E2054DD}"/>
+              </a:ext>
+            </a:extLst>
+          </p:cNvPr>
+          <p:cNvPicPr>
+            <a:picLocks noChangeAspect="1"/>
+          </p:cNvPicPr>
+          <p:nvPr/>
+        </p:nvPicPr>
+        <p:blipFill>
+          <a:blip r:embed="rId2">
+            <a:extLst>
+              <a:ext uri="{28A0092B-C50C-407E-A947-70E740481C1C}">
+                <a14:useLocalDpi xmlns:a14="http://schemas.microsoft.com/office/drawing/2010/main" val="0"/>
+              </a:ext>
+            </a:extLst>
+          </a:blip>
+          <a:stretch>
+            <a:fillRect/>
+          </a:stretch>
+        </p:blipFill>
+        <p:spPr>
+          <a:xfrm>
+            <a:off x="7614809" y="3852093"/>
+            <a:ext cx="2516484" cy="1950275"/>
+          </a:xfrm>
+          <a:prstGeom prst="rect">
+            <a:avLst/>
+          </a:prstGeom>
+        </p:spPr>
+      </p:pic>
+      <p:pic>
+        <p:nvPicPr>
+          <p:cNvPr id="9" name="Image 8">
+            <a:extLst>
+              <a:ext uri="{FF2B5EF4-FFF2-40B4-BE49-F238E27FC236}">
+                <a16:creationId xmlns:a16="http://schemas.microsoft.com/office/drawing/2014/main" id="{A1210AED-8E21-4A3D-AFE3-0A0A638E3D36}"/>
+              </a:ext>
+            </a:extLst>
+          </p:cNvPr>
+          <p:cNvPicPr>
+            <a:picLocks noChangeAspect="1"/>
+          </p:cNvPicPr>
+          <p:nvPr/>
+        </p:nvPicPr>
+        <p:blipFill>
+          <a:blip r:embed="rId3">
+            <a:extLst>
+              <a:ext uri="{28A0092B-C50C-407E-A947-70E740481C1C}">
+                <a14:useLocalDpi xmlns:a14="http://schemas.microsoft.com/office/drawing/2010/main" val="0"/>
+              </a:ext>
+            </a:extLst>
+          </a:blip>
+          <a:stretch>
+            <a:fillRect/>
+          </a:stretch>
+        </p:blipFill>
+        <p:spPr>
+          <a:xfrm>
+            <a:off x="7614809" y="1841832"/>
+            <a:ext cx="2516484" cy="1905789"/>
+          </a:xfrm>
+          <a:prstGeom prst="rect">
+            <a:avLst/>
+          </a:prstGeom>
+        </p:spPr>
+      </p:pic>
     </p:spTree>
     <p:extLst>
       <p:ext uri="{BB962C8B-B14F-4D97-AF65-F5344CB8AC3E}">
-        <p14:creationId xmlns:p14="http://schemas.microsoft.com/office/powerpoint/2010/main" val="1692390166"/>
+        <p14:creationId xmlns:p14="http://schemas.microsoft.com/office/powerpoint/2010/main" val="2983243882"/>
       </p:ext>
     </p:extLst>
   </p:cSld>
@@ -4482,7 +4445,7 @@
           <p:cNvPr id="2" name="Titre 1">
             <a:extLst>
               <a:ext uri="{FF2B5EF4-FFF2-40B4-BE49-F238E27FC236}">
-                <a16:creationId xmlns:a16="http://schemas.microsoft.com/office/drawing/2014/main" id="{84E139C1-138C-48E8-A007-7E43A8A7CFAD}"/>
+                <a16:creationId xmlns:a16="http://schemas.microsoft.com/office/drawing/2014/main" id="{4D84EB35-F52A-4EF2-A06C-11BB278CCC98}"/>
               </a:ext>
             </a:extLst>
           </p:cNvPr>
@@ -4510,7 +4473,6 @@
               <a:rPr lang="en-GB" dirty="0"/>
               <a:t>explanations</a:t>
             </a:r>
-            <a:endParaRPr lang="fr-FR" dirty="0"/>
           </a:p>
         </p:txBody>
       </p:sp>
@@ -4519,7 +4481,7 @@
           <p:cNvPr id="3" name="Espace réservé du contenu 2">
             <a:extLst>
               <a:ext uri="{FF2B5EF4-FFF2-40B4-BE49-F238E27FC236}">
-                <a16:creationId xmlns:a16="http://schemas.microsoft.com/office/drawing/2014/main" id="{1C9AD590-6FEB-4342-A4C5-B0123E5414CE}"/>
+                <a16:creationId xmlns:a16="http://schemas.microsoft.com/office/drawing/2014/main" id="{94B79B1C-6662-4E44-94F8-E7C472E25E6F}"/>
               </a:ext>
             </a:extLst>
           </p:cNvPr>
@@ -4530,19 +4492,75 @@
             <p:ph idx="1"/>
           </p:nvPr>
         </p:nvSpPr>
-        <p:spPr/>
-        <p:txBody>
-          <a:bodyPr/>
+        <p:spPr>
+          <a:xfrm>
+            <a:off x="1097280" y="1845734"/>
+            <a:ext cx="10227212" cy="4484728"/>
+          </a:xfrm>
+        </p:spPr>
+        <p:txBody>
+          <a:bodyPr>
+            <a:normAutofit/>
+          </a:bodyPr>
           <a:lstStyle/>
           <a:p>
             <a:r>
               <a:rPr lang="fr-FR" u="sng" dirty="0"/>
-              <a:t>Functioning</a:t>
+              <a:t>Rules</a:t>
             </a:r>
             <a:r>
               <a:rPr lang="fr-FR" dirty="0"/>
               <a:t>:</a:t>
             </a:r>
+          </a:p>
+          <a:p>
+            <a:pPr lvl="0">
+              <a:buFont typeface="Arial" panose="020B0604020202020204" pitchFamily="34" charset="0"/>
+              <a:buChar char="•"/>
+            </a:pPr>
+            <a:r>
+              <a:rPr lang="en-GB" dirty="0"/>
+              <a:t> There is no time limit to finish any level.</a:t>
+            </a:r>
+            <a:endParaRPr lang="fr-FR" dirty="0"/>
+          </a:p>
+          <a:p>
+            <a:pPr lvl="0">
+              <a:buFont typeface="Arial" panose="020B0604020202020204" pitchFamily="34" charset="0"/>
+              <a:buChar char="•"/>
+            </a:pPr>
+            <a:r>
+              <a:rPr lang="en-GB" dirty="0"/>
+              <a:t> </a:t>
+            </a:r>
+            <a:r>
+              <a:rPr lang="en-GB" dirty="0" err="1"/>
+              <a:t>Lorann</a:t>
+            </a:r>
+            <a:r>
+              <a:rPr lang="en-GB" dirty="0"/>
+              <a:t> can move in any direction (left, right, up, down, all diagonals).</a:t>
+            </a:r>
+            <a:endParaRPr lang="fr-FR" dirty="0"/>
+          </a:p>
+          <a:p>
+            <a:pPr lvl="0">
+              <a:buFont typeface="Arial" panose="020B0604020202020204" pitchFamily="34" charset="0"/>
+              <a:buChar char="•"/>
+            </a:pPr>
+            <a:r>
+              <a:rPr lang="en-GB" dirty="0"/>
+              <a:t> </a:t>
+            </a:r>
+            <a:r>
+              <a:rPr lang="en-GB" dirty="0" err="1"/>
+              <a:t>Lorann</a:t>
+            </a:r>
+            <a:r>
+              <a:rPr lang="en-GB" dirty="0"/>
+              <a:t> cannot go through walls (Pillars, Horizontal and Vertical Bones).</a:t>
+            </a:r>
+            <a:endParaRPr lang="fr-FR" dirty="0"/>
           </a:p>
           <a:p>
             <a:pPr>
@@ -4559,64 +4577,23 @@
             </a:r>
             <a:r>
               <a:rPr lang="en-GB" dirty="0"/>
-              <a:t> can be leaded by 3 types of keycaps:</a:t>
-            </a:r>
-          </a:p>
-          <a:p>
-            <a:pPr lvl="1">
-              <a:buSzPct val="50000"/>
-              <a:buFont typeface="Courier New" panose="02070309020205020404" pitchFamily="49" charset="0"/>
-              <a:buChar char="o"/>
-            </a:pPr>
+              <a:t> can get killed if he encounters one of the following:</a:t>
+            </a:r>
+            <a:endParaRPr lang="fr-FR" dirty="0"/>
+          </a:p>
+          <a:p>
+            <a:pPr lvl="1"/>
             <a:r>
               <a:rPr lang="en-GB" dirty="0"/>
-              <a:t>The </a:t>
-            </a:r>
-            <a:r>
-              <a:rPr lang="en-GB" b="1" dirty="0"/>
-              <a:t>Arrow</a:t>
-            </a:r>
+              <a:t>The closed door leading to the next level</a:t>
+            </a:r>
+            <a:endParaRPr lang="fr-FR" dirty="0"/>
+          </a:p>
+          <a:p>
+            <a:pPr lvl="1"/>
             <a:r>
               <a:rPr lang="en-GB" dirty="0"/>
-              <a:t> keys</a:t>
-            </a:r>
-          </a:p>
-          <a:p>
-            <a:pPr lvl="1">
-              <a:buSzPct val="50000"/>
-              <a:buFont typeface="Courier New" panose="02070309020205020404" pitchFamily="49" charset="0"/>
-              <a:buChar char="o"/>
-            </a:pPr>
-            <a:r>
-              <a:rPr lang="en-GB" dirty="0"/>
-              <a:t>The </a:t>
-            </a:r>
-            <a:r>
-              <a:rPr lang="en-GB" b="1" dirty="0"/>
-              <a:t>ZQSD</a:t>
-            </a:r>
-            <a:r>
-              <a:rPr lang="en-GB" dirty="0"/>
-              <a:t> keys</a:t>
-            </a:r>
-          </a:p>
-          <a:p>
-            <a:pPr lvl="1">
-              <a:buSzPct val="50000"/>
-              <a:buFont typeface="Courier New" panose="02070309020205020404" pitchFamily="49" charset="0"/>
-              <a:buChar char="o"/>
-            </a:pPr>
-            <a:r>
-              <a:rPr lang="en-GB" dirty="0"/>
-              <a:t>The </a:t>
-            </a:r>
-            <a:r>
-              <a:rPr lang="en-GB" b="1" dirty="0"/>
-              <a:t>WASD</a:t>
-            </a:r>
-            <a:r>
-              <a:rPr lang="en-GB" dirty="0"/>
-              <a:t> keys</a:t>
+              <a:t>Any of the 4 monsters</a:t>
             </a:r>
             <a:endParaRPr lang="fr-FR" dirty="0"/>
           </a:p>
@@ -4626,46 +4603,46 @@
               <a:buChar char="•"/>
             </a:pPr>
             <a:r>
-              <a:rPr lang="fr-FR" dirty="0"/>
-              <a:t> The </a:t>
-            </a:r>
-            <a:r>
-              <a:rPr lang="fr-FR" dirty="0" err="1"/>
-              <a:t>Spell</a:t>
-            </a:r>
-            <a:r>
-              <a:rPr lang="fr-FR" dirty="0"/>
-              <a:t> can </a:t>
-            </a:r>
-            <a:r>
-              <a:rPr lang="fr-FR" dirty="0" err="1"/>
-              <a:t>be</a:t>
-            </a:r>
-            <a:r>
-              <a:rPr lang="fr-FR" dirty="0"/>
+              <a:rPr lang="en-GB" dirty="0"/>
               <a:t> </a:t>
             </a:r>
             <a:r>
-              <a:rPr lang="fr-FR" dirty="0" err="1"/>
-              <a:t>casted</a:t>
-            </a:r>
-            <a:r>
-              <a:rPr lang="fr-FR" dirty="0"/>
-              <a:t> by the use of the </a:t>
-            </a:r>
-            <a:r>
-              <a:rPr lang="fr-FR" b="1" dirty="0"/>
-              <a:t>SPACE</a:t>
-            </a:r>
-            <a:r>
-              <a:rPr lang="fr-FR" dirty="0"/>
-              <a:t> key.</a:t>
-            </a:r>
-          </a:p>
-          <a:p>
-            <a:pPr marL="0" indent="0">
-              <a:buNone/>
+              <a:rPr lang="en-GB" dirty="0" err="1"/>
+              <a:t>Lorann</a:t>
+            </a:r>
+            <a:r>
+              <a:rPr lang="en-GB" dirty="0"/>
+              <a:t> can kill the monsters only using his Spell.</a:t>
+            </a:r>
+          </a:p>
+          <a:p>
+            <a:pPr>
+              <a:buFont typeface="Arial" panose="020B0604020202020204" pitchFamily="34" charset="0"/>
+              <a:buChar char="•"/>
             </a:pPr>
+            <a:r>
+              <a:rPr lang="en-GB" dirty="0"/>
+              <a:t> </a:t>
+            </a:r>
+            <a:r>
+              <a:rPr lang="en-GB" dirty="0" err="1"/>
+              <a:t>Lorann</a:t>
+            </a:r>
+            <a:r>
+              <a:rPr lang="en-GB" dirty="0"/>
+              <a:t> can cast his Spell only once at a time, and must grab it back (by going on it’s way) to cast it again.</a:t>
+            </a:r>
+            <a:endParaRPr lang="fr-FR" dirty="0"/>
+          </a:p>
+          <a:p>
+            <a:pPr lvl="0">
+              <a:buFont typeface="Arial" panose="020B0604020202020204" pitchFamily="34" charset="0"/>
+              <a:buChar char="•"/>
+            </a:pPr>
+            <a:r>
+              <a:rPr lang="en-GB" dirty="0"/>
+              <a:t> Monsters cannot go through walls.</a:t>
+            </a:r>
             <a:endParaRPr lang="fr-FR" dirty="0"/>
           </a:p>
           <a:p>
@@ -4677,46 +4654,10 @@
           </a:p>
         </p:txBody>
       </p:sp>
-      <p:pic>
-        <p:nvPicPr>
-          <p:cNvPr id="5" name="Image 4">
-            <a:extLst>
-              <a:ext uri="{FF2B5EF4-FFF2-40B4-BE49-F238E27FC236}">
-                <a16:creationId xmlns:a16="http://schemas.microsoft.com/office/drawing/2014/main" id="{3D3C9AAE-5D43-48D2-AC4A-184C8DC6286A}"/>
-              </a:ext>
-            </a:extLst>
-          </p:cNvPr>
-          <p:cNvPicPr>
-            <a:picLocks noChangeAspect="1"/>
-          </p:cNvPicPr>
-          <p:nvPr/>
-        </p:nvPicPr>
-        <p:blipFill>
-          <a:blip r:embed="rId2">
-            <a:extLst>
-              <a:ext uri="{28A0092B-C50C-407E-A947-70E740481C1C}">
-                <a14:useLocalDpi xmlns:a14="http://schemas.microsoft.com/office/drawing/2010/main" val="0"/>
-              </a:ext>
-            </a:extLst>
-          </a:blip>
-          <a:stretch>
-            <a:fillRect/>
-          </a:stretch>
-        </p:blipFill>
-        <p:spPr>
-          <a:xfrm>
-            <a:off x="2998405" y="4264264"/>
-            <a:ext cx="6256149" cy="1776051"/>
-          </a:xfrm>
-          <a:prstGeom prst="rect">
-            <a:avLst/>
-          </a:prstGeom>
-        </p:spPr>
-      </p:pic>
     </p:spTree>
     <p:extLst>
       <p:ext uri="{BB962C8B-B14F-4D97-AF65-F5344CB8AC3E}">
-        <p14:creationId xmlns:p14="http://schemas.microsoft.com/office/powerpoint/2010/main" val="3375886034"/>
+        <p14:creationId xmlns:p14="http://schemas.microsoft.com/office/powerpoint/2010/main" val="1692390166"/>
       </p:ext>
     </p:extLst>
   </p:cSld>
@@ -4748,6 +4689,272 @@
           <p:cNvPr id="2" name="Titre 1">
             <a:extLst>
               <a:ext uri="{FF2B5EF4-FFF2-40B4-BE49-F238E27FC236}">
+                <a16:creationId xmlns:a16="http://schemas.microsoft.com/office/drawing/2014/main" id="{84E139C1-138C-48E8-A007-7E43A8A7CFAD}"/>
+              </a:ext>
+            </a:extLst>
+          </p:cNvPr>
+          <p:cNvSpPr>
+            <a:spLocks noGrp="1"/>
+          </p:cNvSpPr>
+          <p:nvPr>
+            <p:ph type="title"/>
+          </p:nvPr>
+        </p:nvSpPr>
+        <p:spPr/>
+        <p:txBody>
+          <a:bodyPr/>
+          <a:lstStyle/>
+          <a:p>
+            <a:r>
+              <a:rPr lang="en-GB" dirty="0"/>
+              <a:t>Functional</a:t>
+            </a:r>
+            <a:r>
+              <a:rPr lang="fr-FR" dirty="0"/>
+              <a:t> </a:t>
+            </a:r>
+            <a:r>
+              <a:rPr lang="en-GB" dirty="0"/>
+              <a:t>explanations</a:t>
+            </a:r>
+            <a:endParaRPr lang="fr-FR" dirty="0"/>
+          </a:p>
+        </p:txBody>
+      </p:sp>
+      <p:sp>
+        <p:nvSpPr>
+          <p:cNvPr id="3" name="Espace réservé du contenu 2">
+            <a:extLst>
+              <a:ext uri="{FF2B5EF4-FFF2-40B4-BE49-F238E27FC236}">
+                <a16:creationId xmlns:a16="http://schemas.microsoft.com/office/drawing/2014/main" id="{1C9AD590-6FEB-4342-A4C5-B0123E5414CE}"/>
+              </a:ext>
+            </a:extLst>
+          </p:cNvPr>
+          <p:cNvSpPr>
+            <a:spLocks noGrp="1"/>
+          </p:cNvSpPr>
+          <p:nvPr>
+            <p:ph idx="1"/>
+          </p:nvPr>
+        </p:nvSpPr>
+        <p:spPr/>
+        <p:txBody>
+          <a:bodyPr/>
+          <a:lstStyle/>
+          <a:p>
+            <a:r>
+              <a:rPr lang="fr-FR" u="sng" dirty="0"/>
+              <a:t>Functioning</a:t>
+            </a:r>
+            <a:r>
+              <a:rPr lang="fr-FR" dirty="0"/>
+              <a:t>:</a:t>
+            </a:r>
+          </a:p>
+          <a:p>
+            <a:pPr>
+              <a:buFont typeface="Arial" panose="020B0604020202020204" pitchFamily="34" charset="0"/>
+              <a:buChar char="•"/>
+            </a:pPr>
+            <a:r>
+              <a:rPr lang="en-GB" dirty="0"/>
+              <a:t> </a:t>
+            </a:r>
+            <a:r>
+              <a:rPr lang="en-GB" dirty="0" err="1"/>
+              <a:t>Lorann</a:t>
+            </a:r>
+            <a:r>
+              <a:rPr lang="en-GB" dirty="0"/>
+              <a:t> can be leaded by 3 types of keycaps:</a:t>
+            </a:r>
+          </a:p>
+          <a:p>
+            <a:pPr lvl="1">
+              <a:buSzPct val="50000"/>
+              <a:buFont typeface="Courier New" panose="02070309020205020404" pitchFamily="49" charset="0"/>
+              <a:buChar char="o"/>
+            </a:pPr>
+            <a:r>
+              <a:rPr lang="en-GB" dirty="0"/>
+              <a:t>The </a:t>
+            </a:r>
+            <a:r>
+              <a:rPr lang="en-GB" b="1" dirty="0"/>
+              <a:t>Arrow</a:t>
+            </a:r>
+            <a:r>
+              <a:rPr lang="en-GB" dirty="0"/>
+              <a:t> keys</a:t>
+            </a:r>
+          </a:p>
+          <a:p>
+            <a:pPr lvl="1">
+              <a:buSzPct val="50000"/>
+              <a:buFont typeface="Courier New" panose="02070309020205020404" pitchFamily="49" charset="0"/>
+              <a:buChar char="o"/>
+            </a:pPr>
+            <a:r>
+              <a:rPr lang="en-GB" dirty="0"/>
+              <a:t>The </a:t>
+            </a:r>
+            <a:r>
+              <a:rPr lang="en-GB" b="1" dirty="0"/>
+              <a:t>ZQSD</a:t>
+            </a:r>
+            <a:r>
+              <a:rPr lang="en-GB" dirty="0"/>
+              <a:t> keys</a:t>
+            </a:r>
+          </a:p>
+          <a:p>
+            <a:pPr lvl="1">
+              <a:buSzPct val="50000"/>
+              <a:buFont typeface="Courier New" panose="02070309020205020404" pitchFamily="49" charset="0"/>
+              <a:buChar char="o"/>
+            </a:pPr>
+            <a:r>
+              <a:rPr lang="en-GB" dirty="0"/>
+              <a:t>The </a:t>
+            </a:r>
+            <a:r>
+              <a:rPr lang="en-GB" b="1" dirty="0"/>
+              <a:t>WASD</a:t>
+            </a:r>
+            <a:r>
+              <a:rPr lang="en-GB" dirty="0"/>
+              <a:t> keys</a:t>
+            </a:r>
+            <a:endParaRPr lang="fr-FR" dirty="0"/>
+          </a:p>
+          <a:p>
+            <a:pPr>
+              <a:buFont typeface="Arial" panose="020B0604020202020204" pitchFamily="34" charset="0"/>
+              <a:buChar char="•"/>
+            </a:pPr>
+            <a:r>
+              <a:rPr lang="fr-FR" dirty="0"/>
+              <a:t> The </a:t>
+            </a:r>
+            <a:r>
+              <a:rPr lang="fr-FR" dirty="0" err="1"/>
+              <a:t>Spell</a:t>
+            </a:r>
+            <a:r>
+              <a:rPr lang="fr-FR" dirty="0"/>
+              <a:t> can </a:t>
+            </a:r>
+            <a:r>
+              <a:rPr lang="fr-FR" dirty="0" err="1"/>
+              <a:t>be</a:t>
+            </a:r>
+            <a:r>
+              <a:rPr lang="fr-FR" dirty="0"/>
+              <a:t> </a:t>
+            </a:r>
+            <a:r>
+              <a:rPr lang="fr-FR" dirty="0" err="1"/>
+              <a:t>casted</a:t>
+            </a:r>
+            <a:r>
+              <a:rPr lang="fr-FR" dirty="0"/>
+              <a:t> by the use of the </a:t>
+            </a:r>
+            <a:r>
+              <a:rPr lang="fr-FR" b="1" dirty="0"/>
+              <a:t>SPACE</a:t>
+            </a:r>
+            <a:r>
+              <a:rPr lang="fr-FR" dirty="0"/>
+              <a:t> key.</a:t>
+            </a:r>
+          </a:p>
+          <a:p>
+            <a:pPr marL="0" indent="0">
+              <a:buNone/>
+            </a:pPr>
+            <a:endParaRPr lang="fr-FR" dirty="0"/>
+          </a:p>
+          <a:p>
+            <a:pPr>
+              <a:buFont typeface="Arial" panose="020B0604020202020204" pitchFamily="34" charset="0"/>
+              <a:buChar char="•"/>
+            </a:pPr>
+            <a:endParaRPr lang="fr-FR" dirty="0"/>
+          </a:p>
+        </p:txBody>
+      </p:sp>
+      <p:pic>
+        <p:nvPicPr>
+          <p:cNvPr id="5" name="Image 4">
+            <a:extLst>
+              <a:ext uri="{FF2B5EF4-FFF2-40B4-BE49-F238E27FC236}">
+                <a16:creationId xmlns:a16="http://schemas.microsoft.com/office/drawing/2014/main" id="{3D3C9AAE-5D43-48D2-AC4A-184C8DC6286A}"/>
+              </a:ext>
+            </a:extLst>
+          </p:cNvPr>
+          <p:cNvPicPr>
+            <a:picLocks noChangeAspect="1"/>
+          </p:cNvPicPr>
+          <p:nvPr/>
+        </p:nvPicPr>
+        <p:blipFill>
+          <a:blip r:embed="rId2">
+            <a:extLst>
+              <a:ext uri="{28A0092B-C50C-407E-A947-70E740481C1C}">
+                <a14:useLocalDpi xmlns:a14="http://schemas.microsoft.com/office/drawing/2010/main" val="0"/>
+              </a:ext>
+            </a:extLst>
+          </a:blip>
+          <a:stretch>
+            <a:fillRect/>
+          </a:stretch>
+        </p:blipFill>
+        <p:spPr>
+          <a:xfrm>
+            <a:off x="2998405" y="4264264"/>
+            <a:ext cx="6256149" cy="1776051"/>
+          </a:xfrm>
+          <a:prstGeom prst="rect">
+            <a:avLst/>
+          </a:prstGeom>
+        </p:spPr>
+      </p:pic>
+    </p:spTree>
+    <p:extLst>
+      <p:ext uri="{BB962C8B-B14F-4D97-AF65-F5344CB8AC3E}">
+        <p14:creationId xmlns:p14="http://schemas.microsoft.com/office/powerpoint/2010/main" val="3375886034"/>
+      </p:ext>
+    </p:extLst>
+  </p:cSld>
+  <p:clrMapOvr>
+    <a:masterClrMapping/>
+  </p:clrMapOvr>
+</p:sld>
+</file>
+
+<file path=ppt/slides/slide13.xml><?xml version="1.0" encoding="utf-8"?>
+<p:sld xmlns:a="http://schemas.openxmlformats.org/drawingml/2006/main" xmlns:r="http://schemas.openxmlformats.org/officeDocument/2006/relationships" xmlns:p="http://schemas.openxmlformats.org/presentationml/2006/main">
+  <p:cSld>
+    <p:spTree>
+      <p:nvGrpSpPr>
+        <p:cNvPr id="1" name=""/>
+        <p:cNvGrpSpPr/>
+        <p:nvPr/>
+      </p:nvGrpSpPr>
+      <p:grpSpPr>
+        <a:xfrm>
+          <a:off x="0" y="0"/>
+          <a:ext cx="0" cy="0"/>
+          <a:chOff x="0" y="0"/>
+          <a:chExt cx="0" cy="0"/>
+        </a:xfrm>
+      </p:grpSpPr>
+      <p:sp>
+        <p:nvSpPr>
+          <p:cNvPr id="2" name="Titre 1">
+            <a:extLst>
+              <a:ext uri="{FF2B5EF4-FFF2-40B4-BE49-F238E27FC236}">
                 <a16:creationId xmlns:a16="http://schemas.microsoft.com/office/drawing/2014/main" id="{FB1A6413-EF2A-4DEB-B313-C8560EF8F165}"/>
               </a:ext>
             </a:extLst>
@@ -4888,7 +5095,7 @@
 </p:sld>
 </file>
 
-<file path=ppt/slides/slide13.xml><?xml version="1.0" encoding="utf-8"?>
+<file path=ppt/slides/slide14.xml><?xml version="1.0" encoding="utf-8"?>
 <p:sld xmlns:a="http://schemas.openxmlformats.org/drawingml/2006/main" xmlns:r="http://schemas.openxmlformats.org/officeDocument/2006/relationships" xmlns:p="http://schemas.openxmlformats.org/presentationml/2006/main">
   <p:cSld>
     <p:spTree>
@@ -5240,7 +5447,7 @@
         <p:spPr/>
         <p:txBody>
           <a:bodyPr>
-            <a:normAutofit/>
+            <a:normAutofit lnSpcReduction="10000"/>
           </a:bodyPr>
           <a:lstStyle/>
           <a:p>
@@ -5279,6 +5486,17 @@
               <a:rPr lang="en-GB" dirty="0"/>
               <a:t>Characters &amp; Collectibles</a:t>
             </a:r>
+          </a:p>
+          <a:p>
+            <a:pPr lvl="1">
+              <a:buFont typeface="Arial" panose="020B0604020202020204" pitchFamily="34" charset="0"/>
+              <a:buChar char="•"/>
+            </a:pPr>
+            <a:r>
+              <a:rPr lang="en-GB" dirty="0" err="1"/>
+              <a:t>Lorann</a:t>
+            </a:r>
+            <a:endParaRPr lang="en-GB" dirty="0"/>
           </a:p>
           <a:p>
             <a:pPr lvl="1">
@@ -6592,7 +6810,7 @@
           <p:cNvPr id="2" name="Titre 1">
             <a:extLst>
               <a:ext uri="{FF2B5EF4-FFF2-40B4-BE49-F238E27FC236}">
-                <a16:creationId xmlns:a16="http://schemas.microsoft.com/office/drawing/2014/main" id="{032B6AEF-C876-43EC-A3BB-520E6059A878}"/>
+                <a16:creationId xmlns:a16="http://schemas.microsoft.com/office/drawing/2014/main" id="{1D3A9BA6-AE6F-44A1-BF08-FFA7828864CC}"/>
               </a:ext>
             </a:extLst>
           </p:cNvPr>
@@ -6621,7 +6839,7 @@
           <p:cNvPr id="3" name="Espace réservé du contenu 2">
             <a:extLst>
               <a:ext uri="{FF2B5EF4-FFF2-40B4-BE49-F238E27FC236}">
-                <a16:creationId xmlns:a16="http://schemas.microsoft.com/office/drawing/2014/main" id="{D46423FC-BF38-49FF-A12A-175EFBB3D32F}"/>
+                <a16:creationId xmlns:a16="http://schemas.microsoft.com/office/drawing/2014/main" id="{BAE107CF-CDC9-44BD-86AF-FF1692620D85}"/>
               </a:ext>
             </a:extLst>
           </p:cNvPr>
@@ -6638,8 +6856,8 @@
           <a:lstStyle/>
           <a:p>
             <a:r>
-              <a:rPr lang="fr-FR" u="sng" dirty="0"/>
-              <a:t>Monsters</a:t>
+              <a:rPr lang="fr-FR" u="sng" dirty="0" err="1"/>
+              <a:t>Lorann</a:t>
             </a:r>
             <a:r>
               <a:rPr lang="fr-FR" dirty="0"/>
@@ -6653,7 +6871,15 @@
             </a:pPr>
             <a:r>
               <a:rPr lang="fr-FR" dirty="0"/>
-              <a:t> Monsters can go </a:t>
+              <a:t> </a:t>
+            </a:r>
+            <a:r>
+              <a:rPr lang="fr-FR" dirty="0" err="1"/>
+              <a:t>Lorann</a:t>
+            </a:r>
+            <a:r>
+              <a:rPr lang="fr-FR" dirty="0"/>
+              <a:t> can go </a:t>
             </a:r>
             <a:r>
               <a:rPr lang="fr-FR" b="1" dirty="0"/>
@@ -6706,95 +6932,61 @@
               <a:t> </a:t>
             </a:r>
             <a:r>
-              <a:rPr lang="en-GB" dirty="0"/>
-              <a:t>They will try to attack you so use your spell carefully! </a:t>
+              <a:rPr lang="fr-FR" dirty="0" err="1"/>
+              <a:t>Lorann</a:t>
+            </a:r>
+            <a:r>
+              <a:rPr lang="fr-FR" dirty="0"/>
+              <a:t> can shoot a </a:t>
+            </a:r>
+            <a:r>
+              <a:rPr lang="fr-FR" dirty="0" err="1"/>
+              <a:t>Spell</a:t>
+            </a:r>
+            <a:r>
+              <a:rPr lang="fr-FR" dirty="0"/>
+              <a:t> </a:t>
+            </a:r>
+            <a:r>
+              <a:rPr lang="fr-FR" dirty="0" err="1"/>
+              <a:t>that</a:t>
+            </a:r>
+            <a:r>
+              <a:rPr lang="fr-FR" dirty="0"/>
+              <a:t> can </a:t>
+            </a:r>
+            <a:r>
+              <a:rPr lang="fr-FR" dirty="0" err="1"/>
+              <a:t>kill</a:t>
+            </a:r>
+            <a:r>
+              <a:rPr lang="fr-FR"/>
+              <a:t> Monsters.</a:t>
             </a:r>
             <a:endParaRPr lang="fr-FR" dirty="0"/>
           </a:p>
           <a:p>
-            <a:pPr marL="0" indent="0">
-              <a:buNone/>
-            </a:pPr>
-            <a:endParaRPr lang="fr-FR" dirty="0"/>
-          </a:p>
-          <a:p>
-            <a:pPr lvl="4">
-              <a:buFont typeface="Arial" panose="020B0604020202020204" pitchFamily="34" charset="0"/>
-              <a:buChar char="•"/>
-            </a:pPr>
-            <a:r>
-              <a:rPr lang="fr-FR" sz="1600" dirty="0" err="1"/>
-              <a:t>Ghost</a:t>
-            </a:r>
-            <a:endParaRPr lang="fr-FR" sz="1600" dirty="0"/>
-          </a:p>
-          <a:p>
-            <a:pPr lvl="3">
-              <a:buFont typeface="Arial" panose="020B0604020202020204" pitchFamily="34" charset="0"/>
-              <a:buChar char="•"/>
-            </a:pPr>
-            <a:endParaRPr lang="fr-FR" sz="1600" dirty="0"/>
-          </a:p>
-          <a:p>
-            <a:pPr lvl="4">
-              <a:buFont typeface="Arial" panose="020B0604020202020204" pitchFamily="34" charset="0"/>
-              <a:buChar char="•"/>
-            </a:pPr>
-            <a:r>
-              <a:rPr lang="fr-FR" sz="1600" dirty="0" err="1"/>
-              <a:t>Skull</a:t>
-            </a:r>
-            <a:endParaRPr lang="fr-FR" sz="1600" dirty="0"/>
-          </a:p>
-          <a:p>
-            <a:pPr lvl="3">
-              <a:buFont typeface="Arial" panose="020B0604020202020204" pitchFamily="34" charset="0"/>
-              <a:buChar char="•"/>
-            </a:pPr>
-            <a:endParaRPr lang="fr-FR" sz="1600" dirty="0"/>
-          </a:p>
-          <a:p>
-            <a:pPr lvl="4">
-              <a:buFont typeface="Arial" panose="020B0604020202020204" pitchFamily="34" charset="0"/>
-              <a:buChar char="•"/>
-            </a:pPr>
-            <a:r>
-              <a:rPr lang="fr-FR" sz="1600" dirty="0"/>
-              <a:t>Totem</a:t>
-            </a:r>
-          </a:p>
-          <a:p>
-            <a:pPr lvl="3">
-              <a:buFont typeface="Arial" panose="020B0604020202020204" pitchFamily="34" charset="0"/>
-              <a:buChar char="•"/>
-            </a:pPr>
-            <a:endParaRPr lang="fr-FR" sz="1600" dirty="0"/>
-          </a:p>
-          <a:p>
-            <a:pPr lvl="4">
-              <a:buFont typeface="Arial" panose="020B0604020202020204" pitchFamily="34" charset="0"/>
-              <a:buChar char="•"/>
-            </a:pPr>
-            <a:r>
-              <a:rPr lang="fr-FR" sz="1600" dirty="0"/>
-              <a:t>Storm</a:t>
-            </a:r>
-          </a:p>
-          <a:p>
-            <a:pPr lvl="3">
+            <a:pPr>
               <a:buFont typeface="Arial" panose="020B0604020202020204" pitchFamily="34" charset="0"/>
               <a:buChar char="•"/>
             </a:pPr>
             <a:endParaRPr lang="fr-FR" dirty="0"/>
           </a:p>
+          <a:p>
+            <a:pPr>
+              <a:buFont typeface="Arial" panose="020B0604020202020204" pitchFamily="34" charset="0"/>
+              <a:buChar char="•"/>
+            </a:pPr>
+            <a:endParaRPr lang="fr-FR" dirty="0"/>
+          </a:p>
         </p:txBody>
       </p:sp>
       <p:pic>
         <p:nvPicPr>
-          <p:cNvPr id="5" name="Image 4" descr="Une image contenant objet&#10;&#10;Description générée avec un niveau de confiance très élevé">
+          <p:cNvPr id="9" name="Image 8" descr="Une image contenant objet, trousse de secours&#10;&#10;Description générée avec un niveau de confiance très élevé">
             <a:extLst>
               <a:ext uri="{FF2B5EF4-FFF2-40B4-BE49-F238E27FC236}">
-                <a16:creationId xmlns:a16="http://schemas.microsoft.com/office/drawing/2014/main" id="{98A6449B-FDE7-4440-9762-F3C53564DDFD}"/>
+                <a16:creationId xmlns:a16="http://schemas.microsoft.com/office/drawing/2014/main" id="{B72BFA1C-BCEF-4F4B-ABFF-D79C99D1CD0B}"/>
               </a:ext>
             </a:extLst>
           </p:cNvPr>
@@ -6817,116 +7009,8 @@
         </p:blipFill>
         <p:spPr>
           <a:xfrm>
-            <a:off x="3342164" y="3431458"/>
-            <a:ext cx="534760" cy="534760"/>
-          </a:xfrm>
-          <a:prstGeom prst="rect">
-            <a:avLst/>
-          </a:prstGeom>
-        </p:spPr>
-      </p:pic>
-      <p:pic>
-        <p:nvPicPr>
-          <p:cNvPr id="7" name="Image 6" descr="Une image contenant clipart&#10;&#10;Description générée avec un niveau de confiance élevé">
-            <a:extLst>
-              <a:ext uri="{FF2B5EF4-FFF2-40B4-BE49-F238E27FC236}">
-                <a16:creationId xmlns:a16="http://schemas.microsoft.com/office/drawing/2014/main" id="{69BE1745-0192-4C43-BEB3-0700E36D85F3}"/>
-              </a:ext>
-            </a:extLst>
-          </p:cNvPr>
-          <p:cNvPicPr>
-            <a:picLocks noChangeAspect="1"/>
-          </p:cNvPicPr>
-          <p:nvPr/>
-        </p:nvPicPr>
-        <p:blipFill>
-          <a:blip r:embed="rId3">
-            <a:extLst>
-              <a:ext uri="{28A0092B-C50C-407E-A947-70E740481C1C}">
-                <a14:useLocalDpi xmlns:a14="http://schemas.microsoft.com/office/drawing/2010/main" val="0"/>
-              </a:ext>
-            </a:extLst>
-          </a:blip>
-          <a:stretch>
-            <a:fillRect/>
-          </a:stretch>
-        </p:blipFill>
-        <p:spPr>
-          <a:xfrm>
-            <a:off x="3342164" y="4009290"/>
-            <a:ext cx="534760" cy="534760"/>
-          </a:xfrm>
-          <a:prstGeom prst="rect">
-            <a:avLst/>
-          </a:prstGeom>
-        </p:spPr>
-      </p:pic>
-      <p:pic>
-        <p:nvPicPr>
-          <p:cNvPr id="9" name="Image 8">
-            <a:extLst>
-              <a:ext uri="{FF2B5EF4-FFF2-40B4-BE49-F238E27FC236}">
-                <a16:creationId xmlns:a16="http://schemas.microsoft.com/office/drawing/2014/main" id="{72F4A145-181A-44E2-BA6F-A3A1427DBB81}"/>
-              </a:ext>
-            </a:extLst>
-          </p:cNvPr>
-          <p:cNvPicPr>
-            <a:picLocks noChangeAspect="1"/>
-          </p:cNvPicPr>
-          <p:nvPr/>
-        </p:nvPicPr>
-        <p:blipFill>
-          <a:blip r:embed="rId4">
-            <a:extLst>
-              <a:ext uri="{28A0092B-C50C-407E-A947-70E740481C1C}">
-                <a14:useLocalDpi xmlns:a14="http://schemas.microsoft.com/office/drawing/2010/main" val="0"/>
-              </a:ext>
-            </a:extLst>
-          </a:blip>
-          <a:stretch>
-            <a:fillRect/>
-          </a:stretch>
-        </p:blipFill>
-        <p:spPr>
-          <a:xfrm>
-            <a:off x="3342164" y="4587122"/>
-            <a:ext cx="534760" cy="534760"/>
-          </a:xfrm>
-          <a:prstGeom prst="rect">
-            <a:avLst/>
-          </a:prstGeom>
-        </p:spPr>
-      </p:pic>
-      <p:pic>
-        <p:nvPicPr>
-          <p:cNvPr id="11" name="Image 10">
-            <a:extLst>
-              <a:ext uri="{FF2B5EF4-FFF2-40B4-BE49-F238E27FC236}">
-                <a16:creationId xmlns:a16="http://schemas.microsoft.com/office/drawing/2014/main" id="{5C56D827-052D-49E0-8E88-83E1451CFA4B}"/>
-              </a:ext>
-            </a:extLst>
-          </p:cNvPr>
-          <p:cNvPicPr>
-            <a:picLocks noChangeAspect="1"/>
-          </p:cNvPicPr>
-          <p:nvPr/>
-        </p:nvPicPr>
-        <p:blipFill>
-          <a:blip r:embed="rId5">
-            <a:extLst>
-              <a:ext uri="{28A0092B-C50C-407E-A947-70E740481C1C}">
-                <a14:useLocalDpi xmlns:a14="http://schemas.microsoft.com/office/drawing/2010/main" val="0"/>
-              </a:ext>
-            </a:extLst>
-          </a:blip>
-          <a:stretch>
-            <a:fillRect/>
-          </a:stretch>
-        </p:blipFill>
-        <p:spPr>
-          <a:xfrm>
-            <a:off x="3342164" y="5164954"/>
-            <a:ext cx="534760" cy="534760"/>
+            <a:off x="8715374" y="2028824"/>
+            <a:ext cx="885825" cy="885825"/>
           </a:xfrm>
           <a:prstGeom prst="rect">
             <a:avLst/>
@@ -6936,7 +7020,7 @@
     </p:spTree>
     <p:extLst>
       <p:ext uri="{BB962C8B-B14F-4D97-AF65-F5344CB8AC3E}">
-        <p14:creationId xmlns:p14="http://schemas.microsoft.com/office/powerpoint/2010/main" val="539075554"/>
+        <p14:creationId xmlns:p14="http://schemas.microsoft.com/office/powerpoint/2010/main" val="1806281745"/>
       </p:ext>
     </p:extLst>
   </p:cSld>
@@ -6968,7 +7052,7 @@
           <p:cNvPr id="2" name="Titre 1">
             <a:extLst>
               <a:ext uri="{FF2B5EF4-FFF2-40B4-BE49-F238E27FC236}">
-                <a16:creationId xmlns:a16="http://schemas.microsoft.com/office/drawing/2014/main" id="{D9D9958B-F60A-4448-8DE9-660E3A804CA2}"/>
+                <a16:creationId xmlns:a16="http://schemas.microsoft.com/office/drawing/2014/main" id="{032B6AEF-C876-43EC-A3BB-520E6059A878}"/>
               </a:ext>
             </a:extLst>
           </p:cNvPr>
@@ -6997,7 +7081,7 @@
           <p:cNvPr id="3" name="Espace réservé du contenu 2">
             <a:extLst>
               <a:ext uri="{FF2B5EF4-FFF2-40B4-BE49-F238E27FC236}">
-                <a16:creationId xmlns:a16="http://schemas.microsoft.com/office/drawing/2014/main" id="{260EF2F7-E06B-4D57-A46A-2A5DB60FBD5C}"/>
+                <a16:creationId xmlns:a16="http://schemas.microsoft.com/office/drawing/2014/main" id="{D46423FC-BF38-49FF-A12A-175EFBB3D32F}"/>
               </a:ext>
             </a:extLst>
           </p:cNvPr>
@@ -7008,19 +7092,14 @@
             <p:ph idx="1"/>
           </p:nvPr>
         </p:nvSpPr>
-        <p:spPr>
-          <a:xfrm>
-            <a:off x="1097280" y="1845734"/>
-            <a:ext cx="4775982" cy="4023360"/>
-          </a:xfrm>
-        </p:spPr>
+        <p:spPr/>
         <p:txBody>
           <a:bodyPr/>
           <a:lstStyle/>
           <a:p>
             <a:r>
-              <a:rPr lang="fr-FR" u="sng" dirty="0" err="1"/>
-              <a:t>Spell</a:t>
+              <a:rPr lang="fr-FR" u="sng" dirty="0"/>
+              <a:t>Monsters</a:t>
             </a:r>
             <a:r>
               <a:rPr lang="fr-FR" dirty="0"/>
@@ -7034,17 +7113,48 @@
             </a:pPr>
             <a:r>
               <a:rPr lang="fr-FR" dirty="0"/>
-              <a:t> </a:t>
-            </a:r>
-            <a:r>
-              <a:rPr lang="en-GB" dirty="0" err="1"/>
-              <a:t>Lorann</a:t>
-            </a:r>
-            <a:r>
-              <a:rPr lang="en-GB" dirty="0"/>
-              <a:t> can cast a multicolour spell in order to kill a monster.</a:t>
-            </a:r>
-            <a:endParaRPr lang="fr-FR" dirty="0"/>
+              <a:t> Monsters can go </a:t>
+            </a:r>
+            <a:r>
+              <a:rPr lang="fr-FR" b="1" dirty="0"/>
+              <a:t>UP</a:t>
+            </a:r>
+            <a:r>
+              <a:rPr lang="fr-FR" dirty="0"/>
+              <a:t>, </a:t>
+            </a:r>
+            <a:r>
+              <a:rPr lang="fr-FR" b="1" dirty="0"/>
+              <a:t>LEFT</a:t>
+            </a:r>
+            <a:r>
+              <a:rPr lang="fr-FR" dirty="0"/>
+              <a:t>, </a:t>
+            </a:r>
+            <a:r>
+              <a:rPr lang="fr-FR" b="1" dirty="0"/>
+              <a:t>RIGHT</a:t>
+            </a:r>
+            <a:r>
+              <a:rPr lang="fr-FR" dirty="0"/>
+              <a:t>, </a:t>
+            </a:r>
+            <a:r>
+              <a:rPr lang="fr-FR" b="1" dirty="0"/>
+              <a:t>DOWN</a:t>
+            </a:r>
+            <a:r>
+              <a:rPr lang="fr-FR" dirty="0"/>
+              <a:t> and </a:t>
+            </a:r>
+            <a:r>
+              <a:rPr lang="fr-FR" b="1" dirty="0"/>
+              <a:t>DIAGONAL</a:t>
+            </a:r>
+            <a:r>
+              <a:rPr lang="fr-FR" dirty="0"/>
+              <a:t>.</a:t>
+            </a:r>
           </a:p>
           <a:p>
             <a:pPr>
@@ -7052,36 +7162,99 @@
               <a:buChar char="•"/>
             </a:pPr>
             <a:r>
+              <a:rPr lang="fr-FR" dirty="0"/>
+              <a:t> </a:t>
+            </a:r>
+            <a:r>
               <a:rPr lang="en-GB" dirty="0"/>
-              <a:t> The Spell can bounce on walls and go back to </a:t>
-            </a:r>
-            <a:r>
-              <a:rPr lang="en-GB" dirty="0" err="1"/>
-              <a:t>Lorann</a:t>
-            </a:r>
-            <a:r>
-              <a:rPr lang="en-GB" dirty="0"/>
-              <a:t>.</a:t>
-            </a:r>
-          </a:p>
-          <a:p>
-            <a:pPr>
+              <a:t>They will try to attack you so use your spell carefully! </a:t>
+            </a:r>
+            <a:endParaRPr lang="fr-FR" dirty="0"/>
+          </a:p>
+          <a:p>
+            <a:pPr marL="0" indent="0">
+              <a:buNone/>
+            </a:pPr>
+            <a:endParaRPr lang="fr-FR" dirty="0"/>
+          </a:p>
+          <a:p>
+            <a:pPr lvl="4">
               <a:buFont typeface="Arial" panose="020B0604020202020204" pitchFamily="34" charset="0"/>
               <a:buChar char="•"/>
             </a:pPr>
             <a:r>
-              <a:rPr lang="en-GB" dirty="0"/>
-              <a:t> If the spell hits a monster, it kills him.</a:t>
-            </a:r>
+              <a:rPr lang="fr-FR" sz="1600" dirty="0" err="1"/>
+              <a:t>Ghost</a:t>
+            </a:r>
+            <a:endParaRPr lang="fr-FR" sz="1600" dirty="0"/>
+          </a:p>
+          <a:p>
+            <a:pPr lvl="3">
+              <a:buFont typeface="Arial" panose="020B0604020202020204" pitchFamily="34" charset="0"/>
+              <a:buChar char="•"/>
+            </a:pPr>
+            <a:endParaRPr lang="fr-FR" sz="1600" dirty="0"/>
+          </a:p>
+          <a:p>
+            <a:pPr lvl="4">
+              <a:buFont typeface="Arial" panose="020B0604020202020204" pitchFamily="34" charset="0"/>
+              <a:buChar char="•"/>
+            </a:pPr>
+            <a:r>
+              <a:rPr lang="fr-FR" sz="1600" dirty="0" err="1"/>
+              <a:t>Skull</a:t>
+            </a:r>
+            <a:endParaRPr lang="fr-FR" sz="1600" dirty="0"/>
+          </a:p>
+          <a:p>
+            <a:pPr lvl="3">
+              <a:buFont typeface="Arial" panose="020B0604020202020204" pitchFamily="34" charset="0"/>
+              <a:buChar char="•"/>
+            </a:pPr>
+            <a:endParaRPr lang="fr-FR" sz="1600" dirty="0"/>
+          </a:p>
+          <a:p>
+            <a:pPr lvl="4">
+              <a:buFont typeface="Arial" panose="020B0604020202020204" pitchFamily="34" charset="0"/>
+              <a:buChar char="•"/>
+            </a:pPr>
+            <a:r>
+              <a:rPr lang="fr-FR" sz="1600" dirty="0"/>
+              <a:t>Totem</a:t>
+            </a:r>
+          </a:p>
+          <a:p>
+            <a:pPr lvl="3">
+              <a:buFont typeface="Arial" panose="020B0604020202020204" pitchFamily="34" charset="0"/>
+              <a:buChar char="•"/>
+            </a:pPr>
+            <a:endParaRPr lang="fr-FR" sz="1600" dirty="0"/>
+          </a:p>
+          <a:p>
+            <a:pPr lvl="4">
+              <a:buFont typeface="Arial" panose="020B0604020202020204" pitchFamily="34" charset="0"/>
+              <a:buChar char="•"/>
+            </a:pPr>
+            <a:r>
+              <a:rPr lang="fr-FR" sz="1600" dirty="0"/>
+              <a:t>Storm</a:t>
+            </a:r>
+          </a:p>
+          <a:p>
+            <a:pPr lvl="3">
+              <a:buFont typeface="Arial" panose="020B0604020202020204" pitchFamily="34" charset="0"/>
+              <a:buChar char="•"/>
+            </a:pPr>
+            <a:endParaRPr lang="fr-FR" dirty="0"/>
           </a:p>
         </p:txBody>
       </p:sp>
       <p:pic>
         <p:nvPicPr>
-          <p:cNvPr id="5" name="Image 4" descr="Une image contenant horloge, objet&#10;&#10;Description générée avec un niveau de confiance très élevé">
+          <p:cNvPr id="5" name="Image 4" descr="Une image contenant objet&#10;&#10;Description générée avec un niveau de confiance très élevé">
             <a:extLst>
               <a:ext uri="{FF2B5EF4-FFF2-40B4-BE49-F238E27FC236}">
-                <a16:creationId xmlns:a16="http://schemas.microsoft.com/office/drawing/2014/main" id="{8070086E-B172-4ACD-9DAF-A63102B75F73}"/>
+                <a16:creationId xmlns:a16="http://schemas.microsoft.com/office/drawing/2014/main" id="{98A6449B-FDE7-4440-9762-F3C53564DDFD}"/>
               </a:ext>
             </a:extLst>
           </p:cNvPr>
@@ -7104,8 +7277,8 @@
         </p:blipFill>
         <p:spPr>
           <a:xfrm>
-            <a:off x="7807547" y="2314917"/>
-            <a:ext cx="440445" cy="440445"/>
+            <a:off x="3342164" y="3431458"/>
+            <a:ext cx="534760" cy="534760"/>
           </a:xfrm>
           <a:prstGeom prst="rect">
             <a:avLst/>
@@ -7114,10 +7287,10 @@
       </p:pic>
       <p:pic>
         <p:nvPicPr>
-          <p:cNvPr id="7" name="Image 6" descr="Une image contenant horloge, objet&#10;&#10;Description générée avec un niveau de confiance très élevé">
+          <p:cNvPr id="7" name="Image 6" descr="Une image contenant clipart&#10;&#10;Description générée avec un niveau de confiance élevé">
             <a:extLst>
               <a:ext uri="{FF2B5EF4-FFF2-40B4-BE49-F238E27FC236}">
-                <a16:creationId xmlns:a16="http://schemas.microsoft.com/office/drawing/2014/main" id="{A6DE09AC-71DB-4FF1-A7D6-A490186CB51A}"/>
+                <a16:creationId xmlns:a16="http://schemas.microsoft.com/office/drawing/2014/main" id="{69BE1745-0192-4C43-BEB3-0700E36D85F3}"/>
               </a:ext>
             </a:extLst>
           </p:cNvPr>
@@ -7140,8 +7313,8 @@
         </p:blipFill>
         <p:spPr>
           <a:xfrm>
-            <a:off x="8283160" y="2312377"/>
-            <a:ext cx="440445" cy="440445"/>
+            <a:off x="3342164" y="4009290"/>
+            <a:ext cx="534760" cy="534760"/>
           </a:xfrm>
           <a:prstGeom prst="rect">
             <a:avLst/>
@@ -7150,10 +7323,10 @@
       </p:pic>
       <p:pic>
         <p:nvPicPr>
-          <p:cNvPr id="9" name="Image 8" descr="Une image contenant horloge, objet&#10;&#10;Description générée avec un niveau de confiance très élevé">
+          <p:cNvPr id="9" name="Image 8">
             <a:extLst>
               <a:ext uri="{FF2B5EF4-FFF2-40B4-BE49-F238E27FC236}">
-                <a16:creationId xmlns:a16="http://schemas.microsoft.com/office/drawing/2014/main" id="{51A8D92D-8B30-4001-832E-382C1CF54D82}"/>
+                <a16:creationId xmlns:a16="http://schemas.microsoft.com/office/drawing/2014/main" id="{72F4A145-181A-44E2-BA6F-A3A1427DBB81}"/>
               </a:ext>
             </a:extLst>
           </p:cNvPr>
@@ -7176,8 +7349,8 @@
         </p:blipFill>
         <p:spPr>
           <a:xfrm>
-            <a:off x="8758773" y="2312377"/>
-            <a:ext cx="440445" cy="440445"/>
+            <a:off x="3342164" y="4587122"/>
+            <a:ext cx="534760" cy="534760"/>
           </a:xfrm>
           <a:prstGeom prst="rect">
             <a:avLst/>
@@ -7186,10 +7359,10 @@
       </p:pic>
       <p:pic>
         <p:nvPicPr>
-          <p:cNvPr id="11" name="Image 10" descr="Une image contenant horloge, objet, temps, monté&#10;&#10;Description générée avec un niveau de confiance très élevé">
+          <p:cNvPr id="11" name="Image 10">
             <a:extLst>
               <a:ext uri="{FF2B5EF4-FFF2-40B4-BE49-F238E27FC236}">
-                <a16:creationId xmlns:a16="http://schemas.microsoft.com/office/drawing/2014/main" id="{4E71E3EE-2ADA-4C1B-866D-1B6B98F87656}"/>
+                <a16:creationId xmlns:a16="http://schemas.microsoft.com/office/drawing/2014/main" id="{5C56D827-052D-49E0-8E88-83E1451CFA4B}"/>
               </a:ext>
             </a:extLst>
           </p:cNvPr>
@@ -7212,80 +7385,8 @@
         </p:blipFill>
         <p:spPr>
           <a:xfrm>
-            <a:off x="9234386" y="2312377"/>
-            <a:ext cx="440445" cy="440445"/>
-          </a:xfrm>
-          <a:prstGeom prst="rect">
-            <a:avLst/>
-          </a:prstGeom>
-        </p:spPr>
-      </p:pic>
-      <p:pic>
-        <p:nvPicPr>
-          <p:cNvPr id="13" name="Image 12" descr="Une image contenant horloge, objet, jaune&#10;&#10;Description générée avec un niveau de confiance très élevé">
-            <a:extLst>
-              <a:ext uri="{FF2B5EF4-FFF2-40B4-BE49-F238E27FC236}">
-                <a16:creationId xmlns:a16="http://schemas.microsoft.com/office/drawing/2014/main" id="{A76D331E-835F-413E-BEF5-5F1C1101EC16}"/>
-              </a:ext>
-            </a:extLst>
-          </p:cNvPr>
-          <p:cNvPicPr>
-            <a:picLocks noChangeAspect="1"/>
-          </p:cNvPicPr>
-          <p:nvPr/>
-        </p:nvPicPr>
-        <p:blipFill>
-          <a:blip r:embed="rId6">
-            <a:extLst>
-              <a:ext uri="{28A0092B-C50C-407E-A947-70E740481C1C}">
-                <a14:useLocalDpi xmlns:a14="http://schemas.microsoft.com/office/drawing/2010/main" val="0"/>
-              </a:ext>
-            </a:extLst>
-          </a:blip>
-          <a:stretch>
-            <a:fillRect/>
-          </a:stretch>
-        </p:blipFill>
-        <p:spPr>
-          <a:xfrm>
-            <a:off x="9709999" y="2312377"/>
-            <a:ext cx="440445" cy="440445"/>
-          </a:xfrm>
-          <a:prstGeom prst="rect">
-            <a:avLst/>
-          </a:prstGeom>
-        </p:spPr>
-      </p:pic>
-      <p:pic>
-        <p:nvPicPr>
-          <p:cNvPr id="21" name="Image 20">
-            <a:extLst>
-              <a:ext uri="{FF2B5EF4-FFF2-40B4-BE49-F238E27FC236}">
-                <a16:creationId xmlns:a16="http://schemas.microsoft.com/office/drawing/2014/main" id="{00A56BDF-332F-4B14-944D-7CEF0B54C327}"/>
-              </a:ext>
-            </a:extLst>
-          </p:cNvPr>
-          <p:cNvPicPr>
-            <a:picLocks noChangeAspect="1"/>
-          </p:cNvPicPr>
-          <p:nvPr/>
-        </p:nvPicPr>
-        <p:blipFill>
-          <a:blip r:embed="rId7">
-            <a:extLst>
-              <a:ext uri="{28A0092B-C50C-407E-A947-70E740481C1C}">
-                <a14:useLocalDpi xmlns:a14="http://schemas.microsoft.com/office/drawing/2010/main" val="0"/>
-              </a:ext>
-            </a:extLst>
-          </a:blip>
-          <a:stretch>
-            <a:fillRect/>
-          </a:stretch>
-        </p:blipFill>
-        <p:spPr>
-          <a:xfrm>
-            <a:off x="6692995" y="4102639"/>
-            <a:ext cx="4572000" cy="1828800"/>
+            <a:off x="3342164" y="5164954"/>
+            <a:ext cx="534760" cy="534760"/>
           </a:xfrm>
           <a:prstGeom prst="rect">
             <a:avLst/>
@@ -7295,7 +7396,7 @@
     </p:spTree>
     <p:extLst>
       <p:ext uri="{BB962C8B-B14F-4D97-AF65-F5344CB8AC3E}">
-        <p14:creationId xmlns:p14="http://schemas.microsoft.com/office/powerpoint/2010/main" val="2249765490"/>
+        <p14:creationId xmlns:p14="http://schemas.microsoft.com/office/powerpoint/2010/main" val="539075554"/>
       </p:ext>
     </p:extLst>
   </p:cSld>
@@ -7327,7 +7428,7 @@
           <p:cNvPr id="2" name="Titre 1">
             <a:extLst>
               <a:ext uri="{FF2B5EF4-FFF2-40B4-BE49-F238E27FC236}">
-                <a16:creationId xmlns:a16="http://schemas.microsoft.com/office/drawing/2014/main" id="{68972747-CDDF-4909-A2AB-75DF9C8929FE}"/>
+                <a16:creationId xmlns:a16="http://schemas.microsoft.com/office/drawing/2014/main" id="{D9D9958B-F60A-4448-8DE9-660E3A804CA2}"/>
               </a:ext>
             </a:extLst>
           </p:cNvPr>
@@ -7345,15 +7446,7 @@
           <a:p>
             <a:r>
               <a:rPr lang="en-GB" dirty="0"/>
-              <a:t>Functional</a:t>
-            </a:r>
-            <a:r>
-              <a:rPr lang="fr-FR" dirty="0"/>
-              <a:t> </a:t>
-            </a:r>
-            <a:r>
-              <a:rPr lang="en-GB" dirty="0"/>
-              <a:t>explanations</a:t>
+              <a:t>Functional explanations</a:t>
             </a:r>
             <a:endParaRPr lang="fr-FR" dirty="0"/>
           </a:p>
@@ -7364,7 +7457,7 @@
           <p:cNvPr id="3" name="Espace réservé du contenu 2">
             <a:extLst>
               <a:ext uri="{FF2B5EF4-FFF2-40B4-BE49-F238E27FC236}">
-                <a16:creationId xmlns:a16="http://schemas.microsoft.com/office/drawing/2014/main" id="{0D614921-F83A-48AB-9AC5-FCDEA4F655E9}"/>
+                <a16:creationId xmlns:a16="http://schemas.microsoft.com/office/drawing/2014/main" id="{260EF2F7-E06B-4D57-A46A-2A5DB60FBD5C}"/>
               </a:ext>
             </a:extLst>
           </p:cNvPr>
@@ -7378,7 +7471,7 @@
         <p:spPr>
           <a:xfrm>
             <a:off x="1097280" y="1845734"/>
-            <a:ext cx="4998720" cy="4023360"/>
+            <a:ext cx="4775982" cy="4023360"/>
           </a:xfrm>
         </p:spPr>
         <p:txBody>
@@ -7386,8 +7479,8 @@
           <a:lstStyle/>
           <a:p>
             <a:r>
-              <a:rPr lang="fr-FR" u="sng" dirty="0"/>
-              <a:t>Goal</a:t>
+              <a:rPr lang="fr-FR" u="sng" dirty="0" err="1"/>
+              <a:t>Spell</a:t>
             </a:r>
             <a:r>
               <a:rPr lang="fr-FR" dirty="0"/>
@@ -7404,9 +7497,14 @@
               <a:t> </a:t>
             </a:r>
             <a:r>
+              <a:rPr lang="en-GB" dirty="0" err="1"/>
+              <a:t>Lorann</a:t>
+            </a:r>
+            <a:r>
               <a:rPr lang="en-GB" dirty="0"/>
-              <a:t>The goal is to achieve to go out by the door.</a:t>
-            </a:r>
+              <a:t> can cast a multicolour spell in order to kill a monster.</a:t>
+            </a:r>
+            <a:endParaRPr lang="fr-FR" dirty="0"/>
           </a:p>
           <a:p>
             <a:pPr>
@@ -7415,23 +7513,35 @@
             </a:pPr>
             <a:r>
               <a:rPr lang="en-GB" dirty="0"/>
-              <a:t> You must find the Energy bubble to unlock the door.</a:t>
-            </a:r>
-          </a:p>
-          <a:p>
-            <a:pPr marL="0" indent="0">
-              <a:buNone/>
+              <a:t> The Spell can bounce on walls and go back to </a:t>
+            </a:r>
+            <a:r>
+              <a:rPr lang="en-GB" dirty="0" err="1"/>
+              <a:t>Lorann</a:t>
+            </a:r>
+            <a:r>
+              <a:rPr lang="en-GB" dirty="0"/>
+              <a:t>.</a:t>
+            </a:r>
+          </a:p>
+          <a:p>
+            <a:pPr>
+              <a:buFont typeface="Arial" panose="020B0604020202020204" pitchFamily="34" charset="0"/>
+              <a:buChar char="•"/>
             </a:pPr>
-            <a:endParaRPr lang="en-GB" dirty="0"/>
+            <a:r>
+              <a:rPr lang="en-GB" dirty="0"/>
+              <a:t> If the spell hits a monster, it kills him.</a:t>
+            </a:r>
           </a:p>
         </p:txBody>
       </p:sp>
       <p:pic>
         <p:nvPicPr>
-          <p:cNvPr id="6" name="Image 5">
+          <p:cNvPr id="5" name="Image 4" descr="Une image contenant horloge, objet&#10;&#10;Description générée avec un niveau de confiance très élevé">
             <a:extLst>
               <a:ext uri="{FF2B5EF4-FFF2-40B4-BE49-F238E27FC236}">
-                <a16:creationId xmlns:a16="http://schemas.microsoft.com/office/drawing/2014/main" id="{90BA709E-536B-44C9-8069-C2ED2E2054DD}"/>
+                <a16:creationId xmlns:a16="http://schemas.microsoft.com/office/drawing/2014/main" id="{8070086E-B172-4ACD-9DAF-A63102B75F73}"/>
               </a:ext>
             </a:extLst>
           </p:cNvPr>
@@ -7454,8 +7564,8 @@
         </p:blipFill>
         <p:spPr>
           <a:xfrm>
-            <a:off x="7614809" y="3852093"/>
-            <a:ext cx="2516484" cy="1950275"/>
+            <a:off x="7807547" y="2314917"/>
+            <a:ext cx="440445" cy="440445"/>
           </a:xfrm>
           <a:prstGeom prst="rect">
             <a:avLst/>
@@ -7464,10 +7574,10 @@
       </p:pic>
       <p:pic>
         <p:nvPicPr>
-          <p:cNvPr id="9" name="Image 8">
+          <p:cNvPr id="7" name="Image 6" descr="Une image contenant horloge, objet&#10;&#10;Description générée avec un niveau de confiance très élevé">
             <a:extLst>
               <a:ext uri="{FF2B5EF4-FFF2-40B4-BE49-F238E27FC236}">
-                <a16:creationId xmlns:a16="http://schemas.microsoft.com/office/drawing/2014/main" id="{A1210AED-8E21-4A3D-AFE3-0A0A638E3D36}"/>
+                <a16:creationId xmlns:a16="http://schemas.microsoft.com/office/drawing/2014/main" id="{A6DE09AC-71DB-4FF1-A7D6-A490186CB51A}"/>
               </a:ext>
             </a:extLst>
           </p:cNvPr>
@@ -7490,8 +7600,152 @@
         </p:blipFill>
         <p:spPr>
           <a:xfrm>
-            <a:off x="7614809" y="1841832"/>
-            <a:ext cx="2516484" cy="1905789"/>
+            <a:off x="8283160" y="2312377"/>
+            <a:ext cx="440445" cy="440445"/>
+          </a:xfrm>
+          <a:prstGeom prst="rect">
+            <a:avLst/>
+          </a:prstGeom>
+        </p:spPr>
+      </p:pic>
+      <p:pic>
+        <p:nvPicPr>
+          <p:cNvPr id="9" name="Image 8" descr="Une image contenant horloge, objet&#10;&#10;Description générée avec un niveau de confiance très élevé">
+            <a:extLst>
+              <a:ext uri="{FF2B5EF4-FFF2-40B4-BE49-F238E27FC236}">
+                <a16:creationId xmlns:a16="http://schemas.microsoft.com/office/drawing/2014/main" id="{51A8D92D-8B30-4001-832E-382C1CF54D82}"/>
+              </a:ext>
+            </a:extLst>
+          </p:cNvPr>
+          <p:cNvPicPr>
+            <a:picLocks noChangeAspect="1"/>
+          </p:cNvPicPr>
+          <p:nvPr/>
+        </p:nvPicPr>
+        <p:blipFill>
+          <a:blip r:embed="rId4">
+            <a:extLst>
+              <a:ext uri="{28A0092B-C50C-407E-A947-70E740481C1C}">
+                <a14:useLocalDpi xmlns:a14="http://schemas.microsoft.com/office/drawing/2010/main" val="0"/>
+              </a:ext>
+            </a:extLst>
+          </a:blip>
+          <a:stretch>
+            <a:fillRect/>
+          </a:stretch>
+        </p:blipFill>
+        <p:spPr>
+          <a:xfrm>
+            <a:off x="8758773" y="2312377"/>
+            <a:ext cx="440445" cy="440445"/>
+          </a:xfrm>
+          <a:prstGeom prst="rect">
+            <a:avLst/>
+          </a:prstGeom>
+        </p:spPr>
+      </p:pic>
+      <p:pic>
+        <p:nvPicPr>
+          <p:cNvPr id="11" name="Image 10" descr="Une image contenant horloge, objet, temps, monté&#10;&#10;Description générée avec un niveau de confiance très élevé">
+            <a:extLst>
+              <a:ext uri="{FF2B5EF4-FFF2-40B4-BE49-F238E27FC236}">
+                <a16:creationId xmlns:a16="http://schemas.microsoft.com/office/drawing/2014/main" id="{4E71E3EE-2ADA-4C1B-866D-1B6B98F87656}"/>
+              </a:ext>
+            </a:extLst>
+          </p:cNvPr>
+          <p:cNvPicPr>
+            <a:picLocks noChangeAspect="1"/>
+          </p:cNvPicPr>
+          <p:nvPr/>
+        </p:nvPicPr>
+        <p:blipFill>
+          <a:blip r:embed="rId5">
+            <a:extLst>
+              <a:ext uri="{28A0092B-C50C-407E-A947-70E740481C1C}">
+                <a14:useLocalDpi xmlns:a14="http://schemas.microsoft.com/office/drawing/2010/main" val="0"/>
+              </a:ext>
+            </a:extLst>
+          </a:blip>
+          <a:stretch>
+            <a:fillRect/>
+          </a:stretch>
+        </p:blipFill>
+        <p:spPr>
+          <a:xfrm>
+            <a:off x="9234386" y="2312377"/>
+            <a:ext cx="440445" cy="440445"/>
+          </a:xfrm>
+          <a:prstGeom prst="rect">
+            <a:avLst/>
+          </a:prstGeom>
+        </p:spPr>
+      </p:pic>
+      <p:pic>
+        <p:nvPicPr>
+          <p:cNvPr id="13" name="Image 12" descr="Une image contenant horloge, objet, jaune&#10;&#10;Description générée avec un niveau de confiance très élevé">
+            <a:extLst>
+              <a:ext uri="{FF2B5EF4-FFF2-40B4-BE49-F238E27FC236}">
+                <a16:creationId xmlns:a16="http://schemas.microsoft.com/office/drawing/2014/main" id="{A76D331E-835F-413E-BEF5-5F1C1101EC16}"/>
+              </a:ext>
+            </a:extLst>
+          </p:cNvPr>
+          <p:cNvPicPr>
+            <a:picLocks noChangeAspect="1"/>
+          </p:cNvPicPr>
+          <p:nvPr/>
+        </p:nvPicPr>
+        <p:blipFill>
+          <a:blip r:embed="rId6">
+            <a:extLst>
+              <a:ext uri="{28A0092B-C50C-407E-A947-70E740481C1C}">
+                <a14:useLocalDpi xmlns:a14="http://schemas.microsoft.com/office/drawing/2010/main" val="0"/>
+              </a:ext>
+            </a:extLst>
+          </a:blip>
+          <a:stretch>
+            <a:fillRect/>
+          </a:stretch>
+        </p:blipFill>
+        <p:spPr>
+          <a:xfrm>
+            <a:off x="9709999" y="2312377"/>
+            <a:ext cx="440445" cy="440445"/>
+          </a:xfrm>
+          <a:prstGeom prst="rect">
+            <a:avLst/>
+          </a:prstGeom>
+        </p:spPr>
+      </p:pic>
+      <p:pic>
+        <p:nvPicPr>
+          <p:cNvPr id="21" name="Image 20">
+            <a:extLst>
+              <a:ext uri="{FF2B5EF4-FFF2-40B4-BE49-F238E27FC236}">
+                <a16:creationId xmlns:a16="http://schemas.microsoft.com/office/drawing/2014/main" id="{00A56BDF-332F-4B14-944D-7CEF0B54C327}"/>
+              </a:ext>
+            </a:extLst>
+          </p:cNvPr>
+          <p:cNvPicPr>
+            <a:picLocks noChangeAspect="1"/>
+          </p:cNvPicPr>
+          <p:nvPr/>
+        </p:nvPicPr>
+        <p:blipFill>
+          <a:blip r:embed="rId7">
+            <a:extLst>
+              <a:ext uri="{28A0092B-C50C-407E-A947-70E740481C1C}">
+                <a14:useLocalDpi xmlns:a14="http://schemas.microsoft.com/office/drawing/2010/main" val="0"/>
+              </a:ext>
+            </a:extLst>
+          </a:blip>
+          <a:stretch>
+            <a:fillRect/>
+          </a:stretch>
+        </p:blipFill>
+        <p:spPr>
+          <a:xfrm>
+            <a:off x="6692995" y="4102639"/>
+            <a:ext cx="4572000" cy="1828800"/>
           </a:xfrm>
           <a:prstGeom prst="rect">
             <a:avLst/>
@@ -7501,7 +7755,7 @@
     </p:spTree>
     <p:extLst>
       <p:ext uri="{BB962C8B-B14F-4D97-AF65-F5344CB8AC3E}">
-        <p14:creationId xmlns:p14="http://schemas.microsoft.com/office/powerpoint/2010/main" val="2983243882"/>
+        <p14:creationId xmlns:p14="http://schemas.microsoft.com/office/powerpoint/2010/main" val="2249765490"/>
       </p:ext>
     </p:extLst>
   </p:cSld>

--- a/Deliverables/Lorann - PowerPoint.pptx
+++ b/Deliverables/Lorann - PowerPoint.pptx
@@ -4781,7 +4781,7 @@
             </a:r>
             <a:r>
               <a:rPr lang="en-GB" b="1" dirty="0"/>
-              <a:t>Arrow</a:t>
+              <a:t>ZQSD</a:t>
             </a:r>
             <a:r>
               <a:rPr lang="en-GB" dirty="0"/>
@@ -4800,26 +4800,7 @@
             </a:r>
             <a:r>
               <a:rPr lang="en-GB" b="1" dirty="0"/>
-              <a:t>ZQSD</a:t>
-            </a:r>
-            <a:r>
-              <a:rPr lang="en-GB" dirty="0"/>
-              <a:t> keys</a:t>
-            </a:r>
-          </a:p>
-          <a:p>
-            <a:pPr lvl="1">
-              <a:buSzPct val="50000"/>
-              <a:buFont typeface="Courier New" panose="02070309020205020404" pitchFamily="49" charset="0"/>
-              <a:buChar char="o"/>
-            </a:pPr>
-            <a:r>
-              <a:rPr lang="en-GB" dirty="0"/>
-              <a:t>The </a:t>
-            </a:r>
-            <a:r>
-              <a:rPr lang="en-GB" b="1" dirty="0"/>
-              <a:t>WASD</a:t>
+              <a:t>OPLM</a:t>
             </a:r>
             <a:r>
               <a:rPr lang="en-GB" dirty="0"/>
@@ -4886,10 +4867,10 @@
       </p:sp>
       <p:pic>
         <p:nvPicPr>
-          <p:cNvPr id="5" name="Image 4">
+          <p:cNvPr id="7" name="Image 6" descr="Une image contenant équipement électronique&#10;&#10;Description générée avec un niveau de confiance élevé">
             <a:extLst>
               <a:ext uri="{FF2B5EF4-FFF2-40B4-BE49-F238E27FC236}">
-                <a16:creationId xmlns:a16="http://schemas.microsoft.com/office/drawing/2014/main" id="{3D3C9AAE-5D43-48D2-AC4A-184C8DC6286A}"/>
+                <a16:creationId xmlns:a16="http://schemas.microsoft.com/office/drawing/2014/main" id="{E747E1F8-8769-4D43-A5C5-AE9711CC3114}"/>
               </a:ext>
             </a:extLst>
           </p:cNvPr>
@@ -4912,8 +4893,8 @@
         </p:blipFill>
         <p:spPr>
           <a:xfrm>
-            <a:off x="2998405" y="4264264"/>
-            <a:ext cx="6256149" cy="1776051"/>
+            <a:off x="2845259" y="4114464"/>
+            <a:ext cx="6562441" cy="1863004"/>
           </a:xfrm>
           <a:prstGeom prst="rect">
             <a:avLst/>
@@ -6960,10 +6941,9 @@
               <a:t>kill</a:t>
             </a:r>
             <a:r>
-              <a:rPr lang="fr-FR"/>
+              <a:rPr lang="fr-FR" dirty="0"/>
               <a:t> Monsters.</a:t>
             </a:r>
-            <a:endParaRPr lang="fr-FR" dirty="0"/>
           </a:p>
           <a:p>
             <a:pPr>

--- a/Deliverables/Lorann - PowerPoint.pptx
+++ b/Deliverables/Lorann - PowerPoint.pptx
@@ -5455,7 +5455,7 @@
             </a:pPr>
             <a:r>
               <a:rPr lang="en-GB" dirty="0"/>
-              <a:t>Functional explanations</a:t>
+              <a:t> Functional explanations</a:t>
             </a:r>
           </a:p>
           <a:p>
@@ -5550,7 +5550,7 @@
                   <a:srgbClr val="FFFF00"/>
                 </a:highlight>
               </a:rPr>
-              <a:t>Demo of the game</a:t>
+              <a:t> Demo of the game</a:t>
             </a:r>
           </a:p>
         </p:txBody>

--- a/Deliverables/Lorann - PowerPoint.pptx
+++ b/Deliverables/Lorann - PowerPoint.pptx
@@ -6941,9 +6941,10 @@
               <a:t>kill</a:t>
             </a:r>
             <a:r>
-              <a:rPr lang="fr-FR" dirty="0"/>
+              <a:rPr lang="fr-FR"/>
               <a:t> Monsters.</a:t>
             </a:r>
+            <a:endParaRPr lang="fr-FR" dirty="0"/>
           </a:p>
           <a:p>
             <a:pPr>

--- a/Deliverables/Lorann - PowerPoint.pptx
+++ b/Deliverables/Lorann - PowerPoint.pptx
@@ -4317,7 +4317,7 @@
             </a:r>
             <a:r>
               <a:rPr lang="en-GB" dirty="0"/>
-              <a:t>The goal is to achieve to go out by the door.</a:t>
+              <a:t>The goal is to succeed in going out through the door.</a:t>
             </a:r>
           </a:p>
           <a:p>
@@ -4520,7 +4520,7 @@
             </a:pPr>
             <a:r>
               <a:rPr lang="en-GB" dirty="0"/>
-              <a:t> There is no time limit to finish any level.</a:t>
+              <a:t> There is no time frame to finish a level.</a:t>
             </a:r>
             <a:endParaRPr lang="fr-FR" dirty="0"/>
           </a:p>
@@ -4539,7 +4539,7 @@
             </a:r>
             <a:r>
               <a:rPr lang="en-GB" dirty="0"/>
-              <a:t> can move in any direction (left, right, up, down, all diagonals).</a:t>
+              <a:t> can move in any direction (left, right, up, down, diagonal movements).</a:t>
             </a:r>
             <a:endParaRPr lang="fr-FR" dirty="0"/>
           </a:p>
@@ -4612,7 +4612,7 @@
             </a:r>
             <a:r>
               <a:rPr lang="en-GB" dirty="0"/>
-              <a:t> can kill the monsters only using his Spell.</a:t>
+              <a:t> can only kill the monsters with his single Spell.</a:t>
             </a:r>
           </a:p>
           <a:p>
@@ -4630,7 +4630,7 @@
             </a:r>
             <a:r>
               <a:rPr lang="en-GB" dirty="0"/>
-              <a:t> can cast his Spell only once at a time, and must grab it back (by going on it’s way) to cast it again.</a:t>
+              <a:t> can only cast his Spell in one go, and must grab it back (by moving towards it) to cast it again.</a:t>
             </a:r>
             <a:endParaRPr lang="fr-FR" dirty="0"/>
           </a:p>
@@ -4744,7 +4744,19 @@
           <a:p>
             <a:r>
               <a:rPr lang="fr-FR" u="sng" dirty="0"/>
-              <a:t>Functioning</a:t>
+              <a:t>How </a:t>
+            </a:r>
+            <a:r>
+              <a:rPr lang="fr-FR" u="sng" dirty="0" err="1"/>
+              <a:t>it</a:t>
+            </a:r>
+            <a:r>
+              <a:rPr lang="fr-FR" u="sng" dirty="0"/>
+              <a:t> </a:t>
+            </a:r>
+            <a:r>
+              <a:rPr lang="fr-FR" u="sng" dirty="0" err="1"/>
+              <a:t>works</a:t>
             </a:r>
             <a:r>
               <a:rPr lang="fr-FR" dirty="0"/>
@@ -4766,7 +4778,7 @@
             </a:r>
             <a:r>
               <a:rPr lang="en-GB" dirty="0"/>
-              <a:t> can be leaded by 3 types of keycaps:</a:t>
+              <a:t> can be led by 2 types of keycaps:</a:t>
             </a:r>
           </a:p>
           <a:p>
@@ -4835,11 +4847,11 @@
             </a:r>
             <a:r>
               <a:rPr lang="fr-FR" dirty="0" err="1"/>
-              <a:t>casted</a:t>
+              <a:t>cast</a:t>
             </a:r>
             <a:r>
               <a:rPr lang="fr-FR" dirty="0"/>
-              <a:t> by the use of the </a:t>
+              <a:t> by pressing the </a:t>
             </a:r>
             <a:r>
               <a:rPr lang="fr-FR" b="1" dirty="0"/>
@@ -5005,7 +5017,7 @@
             </a:pPr>
             <a:r>
               <a:rPr lang="en-GB" dirty="0"/>
-              <a:t> You can earn points by many ways:</a:t>
+              <a:t> You can earn points in many different ways:</a:t>
             </a:r>
           </a:p>
           <a:p>
@@ -5526,7 +5538,7 @@
             </a:pPr>
             <a:r>
               <a:rPr lang="en-GB" dirty="0"/>
-              <a:t>Functioning</a:t>
+              <a:t>How it works</a:t>
             </a:r>
           </a:p>
           <a:p>
@@ -6534,8 +6546,12 @@
           </a:lstStyle>
           <a:p>
             <a:r>
+              <a:rPr lang="fr-FR" u="sng" dirty="0" err="1"/>
+              <a:t>Static</a:t>
+            </a:r>
+            <a:r>
               <a:rPr lang="fr-FR" u="sng" dirty="0"/>
-              <a:t>Non-living items</a:t>
+              <a:t> items</a:t>
             </a:r>
             <a:r>
               <a:rPr lang="fr-FR" dirty="0"/>
@@ -6895,8 +6911,20 @@
               <a:t> and </a:t>
             </a:r>
             <a:r>
+              <a:rPr lang="fr-FR" dirty="0" err="1"/>
+              <a:t>perform</a:t>
+            </a:r>
+            <a:r>
+              <a:rPr lang="fr-FR" dirty="0"/>
+              <a:t> </a:t>
+            </a:r>
+            <a:r>
               <a:rPr lang="fr-FR" b="1" dirty="0"/>
-              <a:t>DIAGONAL</a:t>
+              <a:t>DIAGONAL </a:t>
+            </a:r>
+            <a:r>
+              <a:rPr lang="fr-FR" dirty="0" err="1"/>
+              <a:t>movements</a:t>
             </a:r>
             <a:r>
               <a:rPr lang="fr-FR" dirty="0"/>
@@ -6910,15 +6938,7 @@
             </a:pPr>
             <a:r>
               <a:rPr lang="fr-FR" dirty="0"/>
-              <a:t> </a:t>
-            </a:r>
-            <a:r>
-              <a:rPr lang="fr-FR" dirty="0" err="1"/>
-              <a:t>Lorann</a:t>
-            </a:r>
-            <a:r>
-              <a:rPr lang="fr-FR" dirty="0"/>
-              <a:t> can shoot a </a:t>
+              <a:t> He can shoot a </a:t>
             </a:r>
             <a:r>
               <a:rPr lang="fr-FR" dirty="0" err="1"/>
@@ -6941,10 +6961,67 @@
               <a:t>kill</a:t>
             </a:r>
             <a:r>
-              <a:rPr lang="fr-FR"/>
+              <a:rPr lang="fr-FR" dirty="0"/>
               <a:t> Monsters.</a:t>
             </a:r>
-            <a:endParaRPr lang="fr-FR" dirty="0"/>
+          </a:p>
+          <a:p>
+            <a:pPr>
+              <a:buFont typeface="Arial" panose="020B0604020202020204" pitchFamily="34" charset="0"/>
+              <a:buChar char="•"/>
+            </a:pPr>
+            <a:r>
+              <a:rPr lang="fr-FR" dirty="0"/>
+              <a:t> </a:t>
+            </a:r>
+            <a:r>
+              <a:rPr lang="fr-FR" dirty="0" err="1"/>
+              <a:t>His</a:t>
+            </a:r>
+            <a:r>
+              <a:rPr lang="fr-FR" dirty="0"/>
+              <a:t> goal </a:t>
+            </a:r>
+            <a:r>
+              <a:rPr lang="fr-FR" dirty="0" err="1"/>
+              <a:t>it</a:t>
+            </a:r>
+            <a:r>
+              <a:rPr lang="fr-FR" dirty="0"/>
+              <a:t> to </a:t>
+            </a:r>
+            <a:r>
+              <a:rPr lang="fr-FR" dirty="0" err="1"/>
+              <a:t>succeed</a:t>
+            </a:r>
+            <a:r>
+              <a:rPr lang="fr-FR" dirty="0"/>
+              <a:t> in </a:t>
+            </a:r>
+            <a:r>
+              <a:rPr lang="fr-FR" dirty="0" err="1"/>
+              <a:t>going</a:t>
+            </a:r>
+            <a:r>
+              <a:rPr lang="fr-FR" dirty="0"/>
+              <a:t> out </a:t>
+            </a:r>
+            <a:r>
+              <a:rPr lang="fr-FR" dirty="0" err="1"/>
+              <a:t>through</a:t>
+            </a:r>
+            <a:r>
+              <a:rPr lang="fr-FR" dirty="0"/>
+              <a:t> the </a:t>
+            </a:r>
+            <a:r>
+              <a:rPr lang="fr-FR" dirty="0" err="1"/>
+              <a:t>door</a:t>
+            </a:r>
+            <a:r>
+              <a:rPr lang="fr-FR" dirty="0"/>
+              <a:t>.</a:t>
+            </a:r>
           </a:p>
           <a:p>
             <a:pPr>
@@ -6990,7 +7067,7 @@
         </p:blipFill>
         <p:spPr>
           <a:xfrm>
-            <a:off x="8715374" y="2028824"/>
+            <a:off x="5683567" y="4279655"/>
             <a:ext cx="885825" cy="885825"/>
           </a:xfrm>
           <a:prstGeom prst="rect">
@@ -7075,7 +7152,9 @@
         </p:nvSpPr>
         <p:spPr/>
         <p:txBody>
-          <a:bodyPr/>
+          <a:bodyPr>
+            <a:normAutofit/>
+          </a:bodyPr>
           <a:lstStyle/>
           <a:p>
             <a:r>
@@ -7129,8 +7208,20 @@
               <a:t> and </a:t>
             </a:r>
             <a:r>
+              <a:rPr lang="fr-FR" dirty="0" err="1"/>
+              <a:t>perform</a:t>
+            </a:r>
+            <a:r>
+              <a:rPr lang="fr-FR" dirty="0"/>
+              <a:t> </a:t>
+            </a:r>
+            <a:r>
               <a:rPr lang="fr-FR" b="1" dirty="0"/>
-              <a:t>DIAGONAL</a:t>
+              <a:t>DIAGONAL </a:t>
+            </a:r>
+            <a:r>
+              <a:rPr lang="fr-FR" dirty="0" err="1"/>
+              <a:t>movements</a:t>
             </a:r>
             <a:r>
               <a:rPr lang="fr-FR" dirty="0"/>
@@ -7148,7 +7239,7 @@
             </a:r>
             <a:r>
               <a:rPr lang="en-GB" dirty="0"/>
-              <a:t>They will try to attack you so use your spell carefully! </a:t>
+              <a:t>They will try to attack you so use your Spell carefully! </a:t>
             </a:r>
             <a:endParaRPr lang="fr-FR" dirty="0"/>
           </a:p>

--- a/Deliverables/Lorann - PowerPoint.pptx
+++ b/Deliverables/Lorann - PowerPoint.pptx
@@ -4539,7 +4539,47 @@
             </a:r>
             <a:r>
               <a:rPr lang="en-GB" dirty="0"/>
-              <a:t> can move in any direction (left, right, up, down, diagonal movements).</a:t>
+              <a:t> can move in any direction (</a:t>
+            </a:r>
+            <a:r>
+              <a:rPr lang="en-GB" b="1" dirty="0"/>
+              <a:t>LEFT</a:t>
+            </a:r>
+            <a:r>
+              <a:rPr lang="en-GB" dirty="0"/>
+              <a:t>, </a:t>
+            </a:r>
+            <a:r>
+              <a:rPr lang="en-GB" b="1" dirty="0"/>
+              <a:t>RIGHT</a:t>
+            </a:r>
+            <a:r>
+              <a:rPr lang="en-GB" dirty="0"/>
+              <a:t>, </a:t>
+            </a:r>
+            <a:r>
+              <a:rPr lang="en-GB" b="1" dirty="0"/>
+              <a:t>UP</a:t>
+            </a:r>
+            <a:r>
+              <a:rPr lang="en-GB" dirty="0"/>
+              <a:t>, </a:t>
+            </a:r>
+            <a:r>
+              <a:rPr lang="en-GB" b="1" dirty="0"/>
+              <a:t>DOWN </a:t>
+            </a:r>
+            <a:r>
+              <a:rPr lang="en-GB" dirty="0"/>
+              <a:t>and </a:t>
+            </a:r>
+            <a:r>
+              <a:rPr lang="en-GB" b="1" dirty="0"/>
+              <a:t>DIAGONAL</a:t>
+            </a:r>
+            <a:r>
+              <a:rPr lang="en-GB" dirty="0"/>
+              <a:t> movements).</a:t>
             </a:r>
             <a:endParaRPr lang="fr-FR" dirty="0"/>
           </a:p>
@@ -4585,7 +4625,7 @@
             <a:pPr lvl="1"/>
             <a:r>
               <a:rPr lang="en-GB" dirty="0"/>
-              <a:t>The closed door leading to the next level</a:t>
+              <a:t>The closed Door leading to the next level</a:t>
             </a:r>
             <a:endParaRPr lang="fr-FR" dirty="0"/>
           </a:p>
@@ -4593,7 +4633,7 @@
             <a:pPr lvl="1"/>
             <a:r>
               <a:rPr lang="en-GB" dirty="0"/>
-              <a:t>Any of the 4 monsters</a:t>
+              <a:t>Any of the 4 Monsters</a:t>
             </a:r>
             <a:endParaRPr lang="fr-FR" dirty="0"/>
           </a:p>
@@ -4612,7 +4652,7 @@
             </a:r>
             <a:r>
               <a:rPr lang="en-GB" dirty="0"/>
-              <a:t> can only kill the monsters with his single Spell.</a:t>
+              <a:t> can only kill the Monsters with his single Spell.</a:t>
             </a:r>
           </a:p>
           <a:p>
@@ -7574,7 +7614,7 @@
             </a:r>
             <a:r>
               <a:rPr lang="en-GB" dirty="0"/>
-              <a:t> can cast a multicolour spell in order to kill a monster.</a:t>
+              <a:t> can cast a multicolour spell in order to kill a Monster.</a:t>
             </a:r>
             <a:endParaRPr lang="fr-FR" dirty="0"/>
           </a:p>
@@ -7603,7 +7643,7 @@
             </a:pPr>
             <a:r>
               <a:rPr lang="en-GB" dirty="0"/>
-              <a:t> If the spell hits a monster, it kills him.</a:t>
+              <a:t> If the spell hits a Monster, it kills him.</a:t>
             </a:r>
           </a:p>
         </p:txBody>

--- a/Deliverables/Lorann - PowerPoint.pptx
+++ b/Deliverables/Lorann - PowerPoint.pptx
@@ -5203,14 +5203,10 @@
           <a:bodyPr/>
           <a:lstStyle/>
           <a:p>
-            <a:r>
-              <a:rPr lang="fr-FR" dirty="0">
-                <a:highlight>
-                  <a:srgbClr val="FFFF00"/>
-                </a:highlight>
-              </a:rPr>
-              <a:t>(démo du jeu en direct live sur vos postes radio au 107.7)</a:t>
-            </a:r>
+            <a:pPr marL="0" indent="0">
+              <a:buNone/>
+            </a:pPr>
+            <a:endParaRPr lang="fr-FR" dirty="0"/>
           </a:p>
         </p:txBody>
       </p:sp>
@@ -5597,11 +5593,7 @@
               <a:buChar char="•"/>
             </a:pPr>
             <a:r>
-              <a:rPr lang="en-GB" dirty="0">
-                <a:highlight>
-                  <a:srgbClr val="FFFF00"/>
-                </a:highlight>
-              </a:rPr>
+              <a:rPr lang="en-GB" dirty="0"/>
               <a:t> Demo of the game</a:t>
             </a:r>
           </a:p>

--- a/Deliverables/Lorann - PowerPoint.pptx
+++ b/Deliverables/Lorann - PowerPoint.pptx
@@ -126,7 +126,7 @@
 </file>
 
 <file path=ppt/slideLayouts/slideLayout1.xml><?xml version="1.0" encoding="utf-8"?>
-<p:sldLayout xmlns:a="http://schemas.openxmlformats.org/drawingml/2006/main" xmlns:r="http://schemas.openxmlformats.org/officeDocument/2006/relationships" xmlns:p="http://schemas.openxmlformats.org/presentationml/2006/main" showMasterSp="0" type="title" preserve="1">
+<p:sldLayout xmlns:a="http://schemas.openxmlformats.org/drawingml/2006/main" xmlns:r="http://schemas.openxmlformats.org/officeDocument/2006/relationships" xmlns:p="http://schemas.openxmlformats.org/presentationml/2006/main" type="title" preserve="1">
   <p:cSld name="Diapositive de titre">
     <p:spTree>
       <p:nvGrpSpPr>
@@ -393,7 +393,7 @@
           <a:p>
             <a:fld id="{BC9C9A25-7999-4FA7-9702-255456554B18}" type="slidenum">
               <a:rPr lang="fr-FR" smtClean="0"/>
-              <a:t>‹N°›</a:t>
+              <a:t>‹#›</a:t>
             </a:fld>
             <a:endParaRPr lang="fr-FR"/>
           </a:p>
@@ -601,7 +601,7 @@
           <a:p>
             <a:fld id="{BC9C9A25-7999-4FA7-9702-255456554B18}" type="slidenum">
               <a:rPr lang="fr-FR" smtClean="0"/>
-              <a:t>‹N°›</a:t>
+              <a:t>‹#›</a:t>
             </a:fld>
             <a:endParaRPr lang="fr-FR"/>
           </a:p>
@@ -621,7 +621,7 @@
 </file>
 
 <file path=ppt/slideLayouts/slideLayout11.xml><?xml version="1.0" encoding="utf-8"?>
-<p:sldLayout xmlns:a="http://schemas.openxmlformats.org/drawingml/2006/main" xmlns:r="http://schemas.openxmlformats.org/officeDocument/2006/relationships" xmlns:p="http://schemas.openxmlformats.org/presentationml/2006/main" showMasterSp="0" type="vertTitleAndTx" preserve="1">
+<p:sldLayout xmlns:a="http://schemas.openxmlformats.org/drawingml/2006/main" xmlns:r="http://schemas.openxmlformats.org/officeDocument/2006/relationships" xmlns:p="http://schemas.openxmlformats.org/presentationml/2006/main" type="vertTitleAndTx" preserve="1">
   <p:cSld name="Titre vertical et texte">
     <p:spTree>
       <p:nvGrpSpPr>
@@ -857,7 +857,7 @@
           <a:p>
             <a:fld id="{BC9C9A25-7999-4FA7-9702-255456554B18}" type="slidenum">
               <a:rPr lang="fr-FR" smtClean="0"/>
-              <a:t>‹N°›</a:t>
+              <a:t>‹#›</a:t>
             </a:fld>
             <a:endParaRPr lang="fr-FR"/>
           </a:p>
@@ -1031,7 +1031,7 @@
           <a:p>
             <a:fld id="{BC9C9A25-7999-4FA7-9702-255456554B18}" type="slidenum">
               <a:rPr lang="fr-FR" smtClean="0"/>
-              <a:t>‹N°›</a:t>
+              <a:t>‹#›</a:t>
             </a:fld>
             <a:endParaRPr lang="fr-FR"/>
           </a:p>
@@ -1051,16 +1051,8 @@
 </file>
 
 <file path=ppt/slideLayouts/slideLayout3.xml><?xml version="1.0" encoding="utf-8"?>
-<p:sldLayout xmlns:a="http://schemas.openxmlformats.org/drawingml/2006/main" xmlns:r="http://schemas.openxmlformats.org/officeDocument/2006/relationships" xmlns:p="http://schemas.openxmlformats.org/presentationml/2006/main" showMasterSp="0" type="secHead" preserve="1">
+<p:sldLayout xmlns:a="http://schemas.openxmlformats.org/drawingml/2006/main" xmlns:r="http://schemas.openxmlformats.org/officeDocument/2006/relationships" xmlns:p="http://schemas.openxmlformats.org/presentationml/2006/main" type="secHead" preserve="1">
   <p:cSld name="Titre de section">
-    <p:bg>
-      <p:bgPr>
-        <a:solidFill>
-          <a:schemeClr val="bg1"/>
-        </a:solidFill>
-        <a:effectLst/>
-      </p:bgPr>
-    </p:bg>
     <p:spTree>
       <p:nvGrpSpPr>
         <p:cNvPr id="1" name=""/>
@@ -1374,7 +1366,7 @@
           <a:p>
             <a:fld id="{BC9C9A25-7999-4FA7-9702-255456554B18}" type="slidenum">
               <a:rPr lang="fr-FR" smtClean="0"/>
-              <a:t>‹N°›</a:t>
+              <a:t>‹#›</a:t>
             </a:fld>
             <a:endParaRPr lang="fr-FR"/>
           </a:p>
@@ -1649,7 +1641,7 @@
           <a:p>
             <a:fld id="{BC9C9A25-7999-4FA7-9702-255456554B18}" type="slidenum">
               <a:rPr lang="fr-FR" smtClean="0"/>
-              <a:t>‹N°›</a:t>
+              <a:t>‹#›</a:t>
             </a:fld>
             <a:endParaRPr lang="fr-FR"/>
           </a:p>
@@ -2028,7 +2020,7 @@
           <a:p>
             <a:fld id="{BC9C9A25-7999-4FA7-9702-255456554B18}" type="slidenum">
               <a:rPr lang="fr-FR" smtClean="0"/>
-              <a:t>‹N°›</a:t>
+              <a:t>‹#›</a:t>
             </a:fld>
             <a:endParaRPr lang="fr-FR"/>
           </a:p>
@@ -2146,7 +2138,7 @@
           <a:p>
             <a:fld id="{BC9C9A25-7999-4FA7-9702-255456554B18}" type="slidenum">
               <a:rPr lang="fr-FR" smtClean="0"/>
-              <a:t>‹N°›</a:t>
+              <a:t>‹#›</a:t>
             </a:fld>
             <a:endParaRPr lang="fr-FR"/>
           </a:p>
@@ -2166,7 +2158,7 @@
 </file>
 
 <file path=ppt/slideLayouts/slideLayout7.xml><?xml version="1.0" encoding="utf-8"?>
-<p:sldLayout xmlns:a="http://schemas.openxmlformats.org/drawingml/2006/main" xmlns:r="http://schemas.openxmlformats.org/officeDocument/2006/relationships" xmlns:p="http://schemas.openxmlformats.org/presentationml/2006/main" showMasterSp="0" type="blank" preserve="1">
+<p:sldLayout xmlns:a="http://schemas.openxmlformats.org/drawingml/2006/main" xmlns:r="http://schemas.openxmlformats.org/officeDocument/2006/relationships" xmlns:p="http://schemas.openxmlformats.org/presentationml/2006/main" type="blank" preserve="1">
   <p:cSld name="Vide">
     <p:spTree>
       <p:nvGrpSpPr>
@@ -2325,7 +2317,7 @@
           <a:p>
             <a:fld id="{BC9C9A25-7999-4FA7-9702-255456554B18}" type="slidenum">
               <a:rPr lang="fr-FR" smtClean="0"/>
-              <a:t>‹N°›</a:t>
+              <a:t>‹#›</a:t>
             </a:fld>
             <a:endParaRPr lang="fr-FR"/>
           </a:p>
@@ -2345,7 +2337,7 @@
 </file>
 
 <file path=ppt/slideLayouts/slideLayout8.xml><?xml version="1.0" encoding="utf-8"?>
-<p:sldLayout xmlns:a="http://schemas.openxmlformats.org/drawingml/2006/main" xmlns:r="http://schemas.openxmlformats.org/officeDocument/2006/relationships" xmlns:p="http://schemas.openxmlformats.org/presentationml/2006/main" showMasterSp="0" type="objTx" preserve="1">
+<p:sldLayout xmlns:a="http://schemas.openxmlformats.org/drawingml/2006/main" xmlns:r="http://schemas.openxmlformats.org/officeDocument/2006/relationships" xmlns:p="http://schemas.openxmlformats.org/presentationml/2006/main" type="objTx" preserve="1">
   <p:cSld name="Contenu avec légende">
     <p:spTree>
       <p:nvGrpSpPr>
@@ -2692,7 +2684,7 @@
           <a:p>
             <a:fld id="{BC9C9A25-7999-4FA7-9702-255456554B18}" type="slidenum">
               <a:rPr lang="fr-FR" smtClean="0"/>
-              <a:t>‹N°›</a:t>
+              <a:t>‹#›</a:t>
             </a:fld>
             <a:endParaRPr lang="fr-FR"/>
           </a:p>
@@ -2712,7 +2704,7 @@
 </file>
 
 <file path=ppt/slideLayouts/slideLayout9.xml><?xml version="1.0" encoding="utf-8"?>
-<p:sldLayout xmlns:a="http://schemas.openxmlformats.org/drawingml/2006/main" xmlns:r="http://schemas.openxmlformats.org/officeDocument/2006/relationships" xmlns:p="http://schemas.openxmlformats.org/presentationml/2006/main" showMasterSp="0" type="picTx" preserve="1">
+<p:sldLayout xmlns:a="http://schemas.openxmlformats.org/drawingml/2006/main" xmlns:r="http://schemas.openxmlformats.org/officeDocument/2006/relationships" xmlns:p="http://schemas.openxmlformats.org/presentationml/2006/main" type="picTx" preserve="1">
   <p:cSld name="Image avec légende">
     <p:spTree>
       <p:nvGrpSpPr>
@@ -3053,7 +3045,7 @@
           <a:p>
             <a:fld id="{BC9C9A25-7999-4FA7-9702-255456554B18}" type="slidenum">
               <a:rPr lang="fr-FR" smtClean="0"/>
-              <a:t>‹N°›</a:t>
+              <a:t>‹#›</a:t>
             </a:fld>
             <a:endParaRPr lang="fr-FR"/>
           </a:p>
@@ -3076,9 +3068,15 @@
 <p:sldMaster xmlns:a="http://schemas.openxmlformats.org/drawingml/2006/main" xmlns:r="http://schemas.openxmlformats.org/officeDocument/2006/relationships" xmlns:p="http://schemas.openxmlformats.org/presentationml/2006/main">
   <p:cSld>
     <p:bg>
-      <p:bgRef idx="1001">
-        <a:schemeClr val="bg1"/>
-      </p:bgRef>
+      <p:bgPr>
+        <a:solidFill>
+          <a:schemeClr val="tx1">
+            <a:lumMod val="75000"/>
+            <a:lumOff val="25000"/>
+          </a:schemeClr>
+        </a:solidFill>
+        <a:effectLst/>
+      </p:bgPr>
     </p:bg>
     <p:spTree>
       <p:nvGrpSpPr>
@@ -3372,7 +3370,7 @@
           <a:p>
             <a:fld id="{BC9C9A25-7999-4FA7-9702-255456554B18}" type="slidenum">
               <a:rPr lang="fr-FR" smtClean="0"/>
-              <a:t>‹N°›</a:t>
+              <a:t>‹#›</a:t>
             </a:fld>
             <a:endParaRPr lang="fr-FR"/>
           </a:p>
@@ -3808,14 +3806,6 @@
 <file path=ppt/slides/slide1.xml><?xml version="1.0" encoding="utf-8"?>
 <p:sld xmlns:a="http://schemas.openxmlformats.org/drawingml/2006/main" xmlns:r="http://schemas.openxmlformats.org/officeDocument/2006/relationships" xmlns:p="http://schemas.openxmlformats.org/presentationml/2006/main">
   <p:cSld>
-    <p:bg>
-      <p:bgPr>
-        <a:solidFill>
-          <a:schemeClr val="bg1"/>
-        </a:solidFill>
-        <a:effectLst/>
-      </p:bgPr>
-    </p:bg>
     <p:spTree>
       <p:nvGrpSpPr>
         <p:cNvPr id="1" name=""/>
@@ -4256,18 +4246,42 @@
           <a:lstStyle/>
           <a:p>
             <a:r>
-              <a:rPr lang="en-GB" dirty="0"/>
+              <a:rPr lang="en-GB" dirty="0">
+                <a:solidFill>
+                  <a:schemeClr val="bg1">
+                    <a:lumMod val="85000"/>
+                  </a:schemeClr>
+                </a:solidFill>
+              </a:rPr>
               <a:t>Functional</a:t>
             </a:r>
             <a:r>
-              <a:rPr lang="fr-FR" dirty="0"/>
+              <a:rPr lang="fr-FR" dirty="0">
+                <a:solidFill>
+                  <a:schemeClr val="bg1">
+                    <a:lumMod val="85000"/>
+                  </a:schemeClr>
+                </a:solidFill>
+              </a:rPr>
               <a:t> </a:t>
             </a:r>
             <a:r>
-              <a:rPr lang="en-GB" dirty="0"/>
+              <a:rPr lang="en-GB" dirty="0">
+                <a:solidFill>
+                  <a:schemeClr val="bg1">
+                    <a:lumMod val="85000"/>
+                  </a:schemeClr>
+                </a:solidFill>
+              </a:rPr>
               <a:t>explanations</a:t>
             </a:r>
-            <a:endParaRPr lang="fr-FR" dirty="0"/>
+            <a:endParaRPr lang="fr-FR" dirty="0">
+              <a:solidFill>
+                <a:schemeClr val="bg1">
+                  <a:lumMod val="85000"/>
+                </a:schemeClr>
+              </a:solidFill>
+            </a:endParaRPr>
           </a:p>
         </p:txBody>
       </p:sp>
@@ -4298,11 +4312,23 @@
           <a:lstStyle/>
           <a:p>
             <a:r>
-              <a:rPr lang="fr-FR" u="sng" dirty="0"/>
+              <a:rPr lang="fr-FR" u="sng" dirty="0">
+                <a:solidFill>
+                  <a:schemeClr val="bg1">
+                    <a:lumMod val="85000"/>
+                  </a:schemeClr>
+                </a:solidFill>
+              </a:rPr>
               <a:t>Goal</a:t>
             </a:r>
             <a:r>
-              <a:rPr lang="fr-FR" dirty="0"/>
+              <a:rPr lang="fr-FR" dirty="0">
+                <a:solidFill>
+                  <a:schemeClr val="bg1">
+                    <a:lumMod val="85000"/>
+                  </a:schemeClr>
+                </a:solidFill>
+              </a:rPr>
               <a:t>:</a:t>
             </a:r>
           </a:p>
@@ -4312,11 +4338,23 @@
               <a:buChar char="•"/>
             </a:pPr>
             <a:r>
-              <a:rPr lang="fr-FR" dirty="0"/>
+              <a:rPr lang="fr-FR" dirty="0">
+                <a:solidFill>
+                  <a:schemeClr val="bg1">
+                    <a:lumMod val="85000"/>
+                  </a:schemeClr>
+                </a:solidFill>
+              </a:rPr>
               <a:t> </a:t>
             </a:r>
             <a:r>
-              <a:rPr lang="en-GB" dirty="0"/>
+              <a:rPr lang="en-GB" dirty="0">
+                <a:solidFill>
+                  <a:schemeClr val="bg1">
+                    <a:lumMod val="85000"/>
+                  </a:schemeClr>
+                </a:solidFill>
+              </a:rPr>
               <a:t>The goal is to succeed in going out through the door.</a:t>
             </a:r>
           </a:p>
@@ -4326,7 +4364,13 @@
               <a:buChar char="•"/>
             </a:pPr>
             <a:r>
-              <a:rPr lang="en-GB" dirty="0"/>
+              <a:rPr lang="en-GB" dirty="0">
+                <a:solidFill>
+                  <a:schemeClr val="bg1">
+                    <a:lumMod val="85000"/>
+                  </a:schemeClr>
+                </a:solidFill>
+              </a:rPr>
               <a:t> You must find the Energy bubble to unlock the door.</a:t>
             </a:r>
           </a:p>
@@ -4334,7 +4378,13 @@
             <a:pPr marL="0" indent="0">
               <a:buNone/>
             </a:pPr>
-            <a:endParaRPr lang="en-GB" dirty="0"/>
+            <a:endParaRPr lang="en-GB" dirty="0">
+              <a:solidFill>
+                <a:schemeClr val="bg1">
+                  <a:lumMod val="85000"/>
+                </a:schemeClr>
+              </a:solidFill>
+            </a:endParaRPr>
           </a:p>
         </p:txBody>
       </p:sp>
@@ -4462,15 +4512,33 @@
           <a:lstStyle/>
           <a:p>
             <a:r>
-              <a:rPr lang="en-GB" dirty="0"/>
+              <a:rPr lang="en-GB" dirty="0">
+                <a:solidFill>
+                  <a:schemeClr val="bg1">
+                    <a:lumMod val="85000"/>
+                  </a:schemeClr>
+                </a:solidFill>
+              </a:rPr>
               <a:t>Functional</a:t>
             </a:r>
             <a:r>
-              <a:rPr lang="fr-FR" dirty="0"/>
+              <a:rPr lang="fr-FR" dirty="0">
+                <a:solidFill>
+                  <a:schemeClr val="bg1">
+                    <a:lumMod val="85000"/>
+                  </a:schemeClr>
+                </a:solidFill>
+              </a:rPr>
               <a:t> </a:t>
             </a:r>
             <a:r>
-              <a:rPr lang="en-GB" dirty="0"/>
+              <a:rPr lang="en-GB" dirty="0">
+                <a:solidFill>
+                  <a:schemeClr val="bg1">
+                    <a:lumMod val="85000"/>
+                  </a:schemeClr>
+                </a:solidFill>
+              </a:rPr>
               <a:t>explanations</a:t>
             </a:r>
           </a:p>
@@ -4505,11 +4573,23 @@
           <a:lstStyle/>
           <a:p>
             <a:r>
-              <a:rPr lang="fr-FR" u="sng" dirty="0"/>
+              <a:rPr lang="fr-FR" u="sng" dirty="0">
+                <a:solidFill>
+                  <a:schemeClr val="bg1">
+                    <a:lumMod val="85000"/>
+                  </a:schemeClr>
+                </a:solidFill>
+              </a:rPr>
               <a:t>Rules</a:t>
             </a:r>
             <a:r>
-              <a:rPr lang="fr-FR" dirty="0"/>
+              <a:rPr lang="fr-FR" dirty="0">
+                <a:solidFill>
+                  <a:schemeClr val="bg1">
+                    <a:lumMod val="85000"/>
+                  </a:schemeClr>
+                </a:solidFill>
+              </a:rPr>
               <a:t>:</a:t>
             </a:r>
           </a:p>
@@ -4519,10 +4599,22 @@
               <a:buChar char="•"/>
             </a:pPr>
             <a:r>
-              <a:rPr lang="en-GB" dirty="0"/>
+              <a:rPr lang="en-GB" dirty="0">
+                <a:solidFill>
+                  <a:schemeClr val="bg1">
+                    <a:lumMod val="85000"/>
+                  </a:schemeClr>
+                </a:solidFill>
+              </a:rPr>
               <a:t> There is no time frame to finish a level.</a:t>
             </a:r>
-            <a:endParaRPr lang="fr-FR" dirty="0"/>
+            <a:endParaRPr lang="fr-FR" dirty="0">
+              <a:solidFill>
+                <a:schemeClr val="bg1">
+                  <a:lumMod val="85000"/>
+                </a:schemeClr>
+              </a:solidFill>
+            </a:endParaRPr>
           </a:p>
           <a:p>
             <a:pPr lvl="0">
@@ -4530,58 +4622,142 @@
               <a:buChar char="•"/>
             </a:pPr>
             <a:r>
-              <a:rPr lang="en-GB" dirty="0"/>
+              <a:rPr lang="en-GB" dirty="0">
+                <a:solidFill>
+                  <a:schemeClr val="bg1">
+                    <a:lumMod val="85000"/>
+                  </a:schemeClr>
+                </a:solidFill>
+              </a:rPr>
               <a:t> </a:t>
             </a:r>
             <a:r>
-              <a:rPr lang="en-GB" dirty="0" err="1"/>
+              <a:rPr lang="en-GB" dirty="0" err="1">
+                <a:solidFill>
+                  <a:schemeClr val="bg1">
+                    <a:lumMod val="85000"/>
+                  </a:schemeClr>
+                </a:solidFill>
+              </a:rPr>
               <a:t>Lorann</a:t>
             </a:r>
             <a:r>
-              <a:rPr lang="en-GB" dirty="0"/>
+              <a:rPr lang="en-GB" dirty="0">
+                <a:solidFill>
+                  <a:schemeClr val="bg1">
+                    <a:lumMod val="85000"/>
+                  </a:schemeClr>
+                </a:solidFill>
+              </a:rPr>
               <a:t> can move in any direction (</a:t>
             </a:r>
             <a:r>
-              <a:rPr lang="en-GB" b="1" dirty="0"/>
+              <a:rPr lang="en-GB" b="1" dirty="0">
+                <a:solidFill>
+                  <a:schemeClr val="bg1">
+                    <a:lumMod val="85000"/>
+                  </a:schemeClr>
+                </a:solidFill>
+              </a:rPr>
               <a:t>LEFT</a:t>
             </a:r>
             <a:r>
-              <a:rPr lang="en-GB" dirty="0"/>
+              <a:rPr lang="en-GB" dirty="0">
+                <a:solidFill>
+                  <a:schemeClr val="bg1">
+                    <a:lumMod val="85000"/>
+                  </a:schemeClr>
+                </a:solidFill>
+              </a:rPr>
               <a:t>, </a:t>
             </a:r>
             <a:r>
-              <a:rPr lang="en-GB" b="1" dirty="0"/>
+              <a:rPr lang="en-GB" b="1" dirty="0">
+                <a:solidFill>
+                  <a:schemeClr val="bg1">
+                    <a:lumMod val="85000"/>
+                  </a:schemeClr>
+                </a:solidFill>
+              </a:rPr>
               <a:t>RIGHT</a:t>
             </a:r>
             <a:r>
-              <a:rPr lang="en-GB" dirty="0"/>
+              <a:rPr lang="en-GB" dirty="0">
+                <a:solidFill>
+                  <a:schemeClr val="bg1">
+                    <a:lumMod val="85000"/>
+                  </a:schemeClr>
+                </a:solidFill>
+              </a:rPr>
               <a:t>, </a:t>
             </a:r>
             <a:r>
-              <a:rPr lang="en-GB" b="1" dirty="0"/>
+              <a:rPr lang="en-GB" b="1" dirty="0">
+                <a:solidFill>
+                  <a:schemeClr val="bg1">
+                    <a:lumMod val="85000"/>
+                  </a:schemeClr>
+                </a:solidFill>
+              </a:rPr>
               <a:t>UP</a:t>
             </a:r>
             <a:r>
-              <a:rPr lang="en-GB" dirty="0"/>
+              <a:rPr lang="en-GB" dirty="0">
+                <a:solidFill>
+                  <a:schemeClr val="bg1">
+                    <a:lumMod val="85000"/>
+                  </a:schemeClr>
+                </a:solidFill>
+              </a:rPr>
               <a:t>, </a:t>
             </a:r>
             <a:r>
-              <a:rPr lang="en-GB" b="1" dirty="0"/>
+              <a:rPr lang="en-GB" b="1" dirty="0">
+                <a:solidFill>
+                  <a:schemeClr val="bg1">
+                    <a:lumMod val="85000"/>
+                  </a:schemeClr>
+                </a:solidFill>
+              </a:rPr>
               <a:t>DOWN </a:t>
             </a:r>
             <a:r>
-              <a:rPr lang="en-GB" dirty="0"/>
+              <a:rPr lang="en-GB" dirty="0">
+                <a:solidFill>
+                  <a:schemeClr val="bg1">
+                    <a:lumMod val="85000"/>
+                  </a:schemeClr>
+                </a:solidFill>
+              </a:rPr>
               <a:t>and </a:t>
             </a:r>
             <a:r>
-              <a:rPr lang="en-GB" b="1" dirty="0"/>
+              <a:rPr lang="en-GB" b="1" dirty="0">
+                <a:solidFill>
+                  <a:schemeClr val="bg1">
+                    <a:lumMod val="85000"/>
+                  </a:schemeClr>
+                </a:solidFill>
+              </a:rPr>
               <a:t>DIAGONAL</a:t>
             </a:r>
             <a:r>
-              <a:rPr lang="en-GB" dirty="0"/>
+              <a:rPr lang="en-GB" dirty="0">
+                <a:solidFill>
+                  <a:schemeClr val="bg1">
+                    <a:lumMod val="85000"/>
+                  </a:schemeClr>
+                </a:solidFill>
+              </a:rPr>
               <a:t> movements).</a:t>
             </a:r>
-            <a:endParaRPr lang="fr-FR" dirty="0"/>
+            <a:endParaRPr lang="fr-FR" dirty="0">
+              <a:solidFill>
+                <a:schemeClr val="bg1">
+                  <a:lumMod val="85000"/>
+                </a:schemeClr>
+              </a:solidFill>
+            </a:endParaRPr>
           </a:p>
           <a:p>
             <a:pPr lvl="0">
@@ -4589,18 +4765,42 @@
               <a:buChar char="•"/>
             </a:pPr>
             <a:r>
-              <a:rPr lang="en-GB" dirty="0"/>
+              <a:rPr lang="en-GB" dirty="0">
+                <a:solidFill>
+                  <a:schemeClr val="bg1">
+                    <a:lumMod val="85000"/>
+                  </a:schemeClr>
+                </a:solidFill>
+              </a:rPr>
               <a:t> </a:t>
             </a:r>
             <a:r>
-              <a:rPr lang="en-GB" dirty="0" err="1"/>
+              <a:rPr lang="en-GB" dirty="0" err="1">
+                <a:solidFill>
+                  <a:schemeClr val="bg1">
+                    <a:lumMod val="85000"/>
+                  </a:schemeClr>
+                </a:solidFill>
+              </a:rPr>
               <a:t>Lorann</a:t>
             </a:r>
             <a:r>
-              <a:rPr lang="en-GB" dirty="0"/>
+              <a:rPr lang="en-GB" dirty="0">
+                <a:solidFill>
+                  <a:schemeClr val="bg1">
+                    <a:lumMod val="85000"/>
+                  </a:schemeClr>
+                </a:solidFill>
+              </a:rPr>
               <a:t> cannot go through walls (Pillars, Horizontal and Vertical Bones).</a:t>
             </a:r>
-            <a:endParaRPr lang="fr-FR" dirty="0"/>
+            <a:endParaRPr lang="fr-FR" dirty="0">
+              <a:solidFill>
+                <a:schemeClr val="bg1">
+                  <a:lumMod val="85000"/>
+                </a:schemeClr>
+              </a:solidFill>
+            </a:endParaRPr>
           </a:p>
           <a:p>
             <a:pPr>
@@ -4608,34 +4808,82 @@
               <a:buChar char="•"/>
             </a:pPr>
             <a:r>
-              <a:rPr lang="en-GB" dirty="0"/>
+              <a:rPr lang="en-GB" dirty="0">
+                <a:solidFill>
+                  <a:schemeClr val="bg1">
+                    <a:lumMod val="85000"/>
+                  </a:schemeClr>
+                </a:solidFill>
+              </a:rPr>
               <a:t> </a:t>
             </a:r>
             <a:r>
-              <a:rPr lang="en-GB" dirty="0" err="1"/>
+              <a:rPr lang="en-GB" dirty="0" err="1">
+                <a:solidFill>
+                  <a:schemeClr val="bg1">
+                    <a:lumMod val="85000"/>
+                  </a:schemeClr>
+                </a:solidFill>
+              </a:rPr>
               <a:t>Lorann</a:t>
             </a:r>
             <a:r>
-              <a:rPr lang="en-GB" dirty="0"/>
+              <a:rPr lang="en-GB" dirty="0">
+                <a:solidFill>
+                  <a:schemeClr val="bg1">
+                    <a:lumMod val="85000"/>
+                  </a:schemeClr>
+                </a:solidFill>
+              </a:rPr>
               <a:t> can get killed if he encounters one of the following:</a:t>
             </a:r>
-            <a:endParaRPr lang="fr-FR" dirty="0"/>
+            <a:endParaRPr lang="fr-FR" dirty="0">
+              <a:solidFill>
+                <a:schemeClr val="bg1">
+                  <a:lumMod val="85000"/>
+                </a:schemeClr>
+              </a:solidFill>
+            </a:endParaRPr>
           </a:p>
           <a:p>
             <a:pPr lvl="1"/>
             <a:r>
-              <a:rPr lang="en-GB" dirty="0"/>
+              <a:rPr lang="en-GB" dirty="0">
+                <a:solidFill>
+                  <a:schemeClr val="bg1">
+                    <a:lumMod val="85000"/>
+                  </a:schemeClr>
+                </a:solidFill>
+              </a:rPr>
               <a:t>The closed Door leading to the next level</a:t>
             </a:r>
-            <a:endParaRPr lang="fr-FR" dirty="0"/>
+            <a:endParaRPr lang="fr-FR" dirty="0">
+              <a:solidFill>
+                <a:schemeClr val="bg1">
+                  <a:lumMod val="85000"/>
+                </a:schemeClr>
+              </a:solidFill>
+            </a:endParaRPr>
           </a:p>
           <a:p>
             <a:pPr lvl="1"/>
             <a:r>
-              <a:rPr lang="en-GB" dirty="0"/>
+              <a:rPr lang="en-GB" dirty="0">
+                <a:solidFill>
+                  <a:schemeClr val="bg1">
+                    <a:lumMod val="85000"/>
+                  </a:schemeClr>
+                </a:solidFill>
+              </a:rPr>
               <a:t>Any of the 4 Monsters</a:t>
             </a:r>
-            <a:endParaRPr lang="fr-FR" dirty="0"/>
+            <a:endParaRPr lang="fr-FR" dirty="0">
+              <a:solidFill>
+                <a:schemeClr val="bg1">
+                  <a:lumMod val="85000"/>
+                </a:schemeClr>
+              </a:solidFill>
+            </a:endParaRPr>
           </a:p>
           <a:p>
             <a:pPr>
@@ -4643,15 +4891,33 @@
               <a:buChar char="•"/>
             </a:pPr>
             <a:r>
-              <a:rPr lang="en-GB" dirty="0"/>
+              <a:rPr lang="en-GB" dirty="0">
+                <a:solidFill>
+                  <a:schemeClr val="bg1">
+                    <a:lumMod val="85000"/>
+                  </a:schemeClr>
+                </a:solidFill>
+              </a:rPr>
               <a:t> </a:t>
             </a:r>
             <a:r>
-              <a:rPr lang="en-GB" dirty="0" err="1"/>
+              <a:rPr lang="en-GB" dirty="0" err="1">
+                <a:solidFill>
+                  <a:schemeClr val="bg1">
+                    <a:lumMod val="85000"/>
+                  </a:schemeClr>
+                </a:solidFill>
+              </a:rPr>
               <a:t>Lorann</a:t>
             </a:r>
             <a:r>
-              <a:rPr lang="en-GB" dirty="0"/>
+              <a:rPr lang="en-GB" dirty="0">
+                <a:solidFill>
+                  <a:schemeClr val="bg1">
+                    <a:lumMod val="85000"/>
+                  </a:schemeClr>
+                </a:solidFill>
+              </a:rPr>
               <a:t> can only kill the Monsters with his single Spell.</a:t>
             </a:r>
           </a:p>
@@ -4661,18 +4927,42 @@
               <a:buChar char="•"/>
             </a:pPr>
             <a:r>
-              <a:rPr lang="en-GB" dirty="0"/>
+              <a:rPr lang="en-GB" dirty="0">
+                <a:solidFill>
+                  <a:schemeClr val="bg1">
+                    <a:lumMod val="85000"/>
+                  </a:schemeClr>
+                </a:solidFill>
+              </a:rPr>
               <a:t> </a:t>
             </a:r>
             <a:r>
-              <a:rPr lang="en-GB" dirty="0" err="1"/>
+              <a:rPr lang="en-GB" dirty="0" err="1">
+                <a:solidFill>
+                  <a:schemeClr val="bg1">
+                    <a:lumMod val="85000"/>
+                  </a:schemeClr>
+                </a:solidFill>
+              </a:rPr>
               <a:t>Lorann</a:t>
             </a:r>
             <a:r>
-              <a:rPr lang="en-GB" dirty="0"/>
+              <a:rPr lang="en-GB" dirty="0">
+                <a:solidFill>
+                  <a:schemeClr val="bg1">
+                    <a:lumMod val="85000"/>
+                  </a:schemeClr>
+                </a:solidFill>
+              </a:rPr>
               <a:t> can only cast his Spell in one go, and must grab it back (by moving towards it) to cast it again.</a:t>
             </a:r>
-            <a:endParaRPr lang="fr-FR" dirty="0"/>
+            <a:endParaRPr lang="fr-FR" dirty="0">
+              <a:solidFill>
+                <a:schemeClr val="bg1">
+                  <a:lumMod val="85000"/>
+                </a:schemeClr>
+              </a:solidFill>
+            </a:endParaRPr>
           </a:p>
           <a:p>
             <a:pPr lvl="0">
@@ -4680,17 +4970,35 @@
               <a:buChar char="•"/>
             </a:pPr>
             <a:r>
-              <a:rPr lang="en-GB" dirty="0"/>
+              <a:rPr lang="en-GB" dirty="0">
+                <a:solidFill>
+                  <a:schemeClr val="bg1">
+                    <a:lumMod val="85000"/>
+                  </a:schemeClr>
+                </a:solidFill>
+              </a:rPr>
               <a:t> Monsters cannot go through walls.</a:t>
             </a:r>
-            <a:endParaRPr lang="fr-FR" dirty="0"/>
+            <a:endParaRPr lang="fr-FR" dirty="0">
+              <a:solidFill>
+                <a:schemeClr val="bg1">
+                  <a:lumMod val="85000"/>
+                </a:schemeClr>
+              </a:solidFill>
+            </a:endParaRPr>
           </a:p>
           <a:p>
             <a:pPr>
               <a:buFont typeface="Arial" panose="020B0604020202020204" pitchFamily="34" charset="0"/>
               <a:buChar char="•"/>
             </a:pPr>
-            <a:endParaRPr lang="fr-FR" dirty="0"/>
+            <a:endParaRPr lang="fr-FR" dirty="0">
+              <a:solidFill>
+                <a:schemeClr val="bg1">
+                  <a:lumMod val="85000"/>
+                </a:schemeClr>
+              </a:solidFill>
+            </a:endParaRPr>
           </a:p>
         </p:txBody>
       </p:sp>
@@ -4746,18 +5054,42 @@
           <a:lstStyle/>
           <a:p>
             <a:r>
-              <a:rPr lang="en-GB" dirty="0"/>
+              <a:rPr lang="en-GB" dirty="0">
+                <a:solidFill>
+                  <a:schemeClr val="bg1">
+                    <a:lumMod val="85000"/>
+                  </a:schemeClr>
+                </a:solidFill>
+              </a:rPr>
               <a:t>Functional</a:t>
             </a:r>
             <a:r>
-              <a:rPr lang="fr-FR" dirty="0"/>
+              <a:rPr lang="fr-FR" dirty="0">
+                <a:solidFill>
+                  <a:schemeClr val="bg1">
+                    <a:lumMod val="85000"/>
+                  </a:schemeClr>
+                </a:solidFill>
+              </a:rPr>
               <a:t> </a:t>
             </a:r>
             <a:r>
-              <a:rPr lang="en-GB" dirty="0"/>
+              <a:rPr lang="en-GB" dirty="0">
+                <a:solidFill>
+                  <a:schemeClr val="bg1">
+                    <a:lumMod val="85000"/>
+                  </a:schemeClr>
+                </a:solidFill>
+              </a:rPr>
               <a:t>explanations</a:t>
             </a:r>
-            <a:endParaRPr lang="fr-FR" dirty="0"/>
+            <a:endParaRPr lang="fr-FR" dirty="0">
+              <a:solidFill>
+                <a:schemeClr val="bg1">
+                  <a:lumMod val="85000"/>
+                </a:schemeClr>
+              </a:solidFill>
+            </a:endParaRPr>
           </a:p>
         </p:txBody>
       </p:sp>
@@ -4783,23 +5115,53 @@
           <a:lstStyle/>
           <a:p>
             <a:r>
-              <a:rPr lang="fr-FR" u="sng" dirty="0"/>
+              <a:rPr lang="fr-FR" u="sng" dirty="0">
+                <a:solidFill>
+                  <a:schemeClr val="bg1">
+                    <a:lumMod val="85000"/>
+                  </a:schemeClr>
+                </a:solidFill>
+              </a:rPr>
               <a:t>How </a:t>
             </a:r>
             <a:r>
-              <a:rPr lang="fr-FR" u="sng" dirty="0" err="1"/>
+              <a:rPr lang="fr-FR" u="sng" dirty="0" err="1">
+                <a:solidFill>
+                  <a:schemeClr val="bg1">
+                    <a:lumMod val="85000"/>
+                  </a:schemeClr>
+                </a:solidFill>
+              </a:rPr>
               <a:t>it</a:t>
             </a:r>
             <a:r>
-              <a:rPr lang="fr-FR" u="sng" dirty="0"/>
+              <a:rPr lang="fr-FR" u="sng" dirty="0">
+                <a:solidFill>
+                  <a:schemeClr val="bg1">
+                    <a:lumMod val="85000"/>
+                  </a:schemeClr>
+                </a:solidFill>
+              </a:rPr>
               <a:t> </a:t>
             </a:r>
             <a:r>
-              <a:rPr lang="fr-FR" u="sng" dirty="0" err="1"/>
+              <a:rPr lang="fr-FR" u="sng" dirty="0" err="1">
+                <a:solidFill>
+                  <a:schemeClr val="bg1">
+                    <a:lumMod val="85000"/>
+                  </a:schemeClr>
+                </a:solidFill>
+              </a:rPr>
               <a:t>works</a:t>
             </a:r>
             <a:r>
-              <a:rPr lang="fr-FR" dirty="0"/>
+              <a:rPr lang="fr-FR" dirty="0">
+                <a:solidFill>
+                  <a:schemeClr val="bg1">
+                    <a:lumMod val="85000"/>
+                  </a:schemeClr>
+                </a:solidFill>
+              </a:rPr>
               <a:t>:</a:t>
             </a:r>
           </a:p>
@@ -4809,15 +5171,33 @@
               <a:buChar char="•"/>
             </a:pPr>
             <a:r>
-              <a:rPr lang="en-GB" dirty="0"/>
+              <a:rPr lang="en-GB" dirty="0">
+                <a:solidFill>
+                  <a:schemeClr val="bg1">
+                    <a:lumMod val="85000"/>
+                  </a:schemeClr>
+                </a:solidFill>
+              </a:rPr>
               <a:t> </a:t>
             </a:r>
             <a:r>
-              <a:rPr lang="en-GB" dirty="0" err="1"/>
+              <a:rPr lang="en-GB" dirty="0" err="1">
+                <a:solidFill>
+                  <a:schemeClr val="bg1">
+                    <a:lumMod val="85000"/>
+                  </a:schemeClr>
+                </a:solidFill>
+              </a:rPr>
               <a:t>Lorann</a:t>
             </a:r>
             <a:r>
-              <a:rPr lang="en-GB" dirty="0"/>
+              <a:rPr lang="en-GB" dirty="0">
+                <a:solidFill>
+                  <a:schemeClr val="bg1">
+                    <a:lumMod val="85000"/>
+                  </a:schemeClr>
+                </a:solidFill>
+              </a:rPr>
               <a:t> can be led by 2 types of keycaps:</a:t>
             </a:r>
           </a:p>
@@ -4828,15 +5208,33 @@
               <a:buChar char="o"/>
             </a:pPr>
             <a:r>
-              <a:rPr lang="en-GB" dirty="0"/>
+              <a:rPr lang="en-GB" dirty="0">
+                <a:solidFill>
+                  <a:schemeClr val="bg1">
+                    <a:lumMod val="85000"/>
+                  </a:schemeClr>
+                </a:solidFill>
+              </a:rPr>
               <a:t>The </a:t>
             </a:r>
             <a:r>
-              <a:rPr lang="en-GB" b="1" dirty="0"/>
+              <a:rPr lang="en-GB" b="1" dirty="0">
+                <a:solidFill>
+                  <a:schemeClr val="bg1">
+                    <a:lumMod val="85000"/>
+                  </a:schemeClr>
+                </a:solidFill>
+              </a:rPr>
               <a:t>ZQSD</a:t>
             </a:r>
             <a:r>
-              <a:rPr lang="en-GB" dirty="0"/>
+              <a:rPr lang="en-GB" dirty="0">
+                <a:solidFill>
+                  <a:schemeClr val="bg1">
+                    <a:lumMod val="85000"/>
+                  </a:schemeClr>
+                </a:solidFill>
+              </a:rPr>
               <a:t> keys</a:t>
             </a:r>
           </a:p>
@@ -4847,18 +5245,42 @@
               <a:buChar char="o"/>
             </a:pPr>
             <a:r>
-              <a:rPr lang="en-GB" dirty="0"/>
+              <a:rPr lang="en-GB" dirty="0">
+                <a:solidFill>
+                  <a:schemeClr val="bg1">
+                    <a:lumMod val="85000"/>
+                  </a:schemeClr>
+                </a:solidFill>
+              </a:rPr>
               <a:t>The </a:t>
             </a:r>
             <a:r>
-              <a:rPr lang="en-GB" b="1" dirty="0"/>
+              <a:rPr lang="en-GB" b="1" dirty="0">
+                <a:solidFill>
+                  <a:schemeClr val="bg1">
+                    <a:lumMod val="85000"/>
+                  </a:schemeClr>
+                </a:solidFill>
+              </a:rPr>
               <a:t>OPLM</a:t>
             </a:r>
             <a:r>
-              <a:rPr lang="en-GB" dirty="0"/>
+              <a:rPr lang="en-GB" dirty="0">
+                <a:solidFill>
+                  <a:schemeClr val="bg1">
+                    <a:lumMod val="85000"/>
+                  </a:schemeClr>
+                </a:solidFill>
+              </a:rPr>
               <a:t> keys</a:t>
             </a:r>
-            <a:endParaRPr lang="fr-FR" dirty="0"/>
+            <a:endParaRPr lang="fr-FR" dirty="0">
+              <a:solidFill>
+                <a:schemeClr val="bg1">
+                  <a:lumMod val="85000"/>
+                </a:schemeClr>
+              </a:solidFill>
+            </a:endParaRPr>
           </a:p>
           <a:p>
             <a:pPr>
@@ -4866,39 +5288,93 @@
               <a:buChar char="•"/>
             </a:pPr>
             <a:r>
-              <a:rPr lang="fr-FR" dirty="0"/>
+              <a:rPr lang="fr-FR" dirty="0">
+                <a:solidFill>
+                  <a:schemeClr val="bg1">
+                    <a:lumMod val="85000"/>
+                  </a:schemeClr>
+                </a:solidFill>
+              </a:rPr>
               <a:t> The </a:t>
             </a:r>
             <a:r>
-              <a:rPr lang="fr-FR" dirty="0" err="1"/>
+              <a:rPr lang="fr-FR" dirty="0" err="1">
+                <a:solidFill>
+                  <a:schemeClr val="bg1">
+                    <a:lumMod val="85000"/>
+                  </a:schemeClr>
+                </a:solidFill>
+              </a:rPr>
               <a:t>Spell</a:t>
             </a:r>
             <a:r>
-              <a:rPr lang="fr-FR" dirty="0"/>
+              <a:rPr lang="fr-FR" dirty="0">
+                <a:solidFill>
+                  <a:schemeClr val="bg1">
+                    <a:lumMod val="85000"/>
+                  </a:schemeClr>
+                </a:solidFill>
+              </a:rPr>
               <a:t> can </a:t>
             </a:r>
             <a:r>
-              <a:rPr lang="fr-FR" dirty="0" err="1"/>
+              <a:rPr lang="fr-FR" dirty="0" err="1">
+                <a:solidFill>
+                  <a:schemeClr val="bg1">
+                    <a:lumMod val="85000"/>
+                  </a:schemeClr>
+                </a:solidFill>
+              </a:rPr>
               <a:t>be</a:t>
             </a:r>
             <a:r>
-              <a:rPr lang="fr-FR" dirty="0"/>
+              <a:rPr lang="fr-FR" dirty="0">
+                <a:solidFill>
+                  <a:schemeClr val="bg1">
+                    <a:lumMod val="85000"/>
+                  </a:schemeClr>
+                </a:solidFill>
+              </a:rPr>
               <a:t> </a:t>
             </a:r>
             <a:r>
-              <a:rPr lang="fr-FR" dirty="0" err="1"/>
+              <a:rPr lang="fr-FR" dirty="0" err="1">
+                <a:solidFill>
+                  <a:schemeClr val="bg1">
+                    <a:lumMod val="85000"/>
+                  </a:schemeClr>
+                </a:solidFill>
+              </a:rPr>
               <a:t>cast</a:t>
             </a:r>
             <a:r>
-              <a:rPr lang="fr-FR" dirty="0"/>
+              <a:rPr lang="fr-FR" dirty="0">
+                <a:solidFill>
+                  <a:schemeClr val="bg1">
+                    <a:lumMod val="85000"/>
+                  </a:schemeClr>
+                </a:solidFill>
+              </a:rPr>
               <a:t> by pressing the </a:t>
             </a:r>
             <a:r>
-              <a:rPr lang="fr-FR" b="1" dirty="0"/>
+              <a:rPr lang="fr-FR" b="1" dirty="0">
+                <a:solidFill>
+                  <a:schemeClr val="bg1">
+                    <a:lumMod val="85000"/>
+                  </a:schemeClr>
+                </a:solidFill>
+              </a:rPr>
               <a:t>SPACE</a:t>
             </a:r>
             <a:r>
-              <a:rPr lang="fr-FR" dirty="0"/>
+              <a:rPr lang="fr-FR" dirty="0">
+                <a:solidFill>
+                  <a:schemeClr val="bg1">
+                    <a:lumMod val="85000"/>
+                  </a:schemeClr>
+                </a:solidFill>
+              </a:rPr>
               <a:t> key.</a:t>
             </a:r>
           </a:p>
@@ -4906,14 +5382,26 @@
             <a:pPr marL="0" indent="0">
               <a:buNone/>
             </a:pPr>
-            <a:endParaRPr lang="fr-FR" dirty="0"/>
+            <a:endParaRPr lang="fr-FR" dirty="0">
+              <a:solidFill>
+                <a:schemeClr val="bg1">
+                  <a:lumMod val="85000"/>
+                </a:schemeClr>
+              </a:solidFill>
+            </a:endParaRPr>
           </a:p>
           <a:p>
             <a:pPr>
               <a:buFont typeface="Arial" panose="020B0604020202020204" pitchFamily="34" charset="0"/>
               <a:buChar char="•"/>
             </a:pPr>
-            <a:endParaRPr lang="fr-FR" dirty="0"/>
+            <a:endParaRPr lang="fr-FR" dirty="0">
+              <a:solidFill>
+                <a:schemeClr val="bg1">
+                  <a:lumMod val="85000"/>
+                </a:schemeClr>
+              </a:solidFill>
+            </a:endParaRPr>
           </a:p>
         </p:txBody>
       </p:sp>
@@ -5005,18 +5493,42 @@
           <a:lstStyle/>
           <a:p>
             <a:r>
-              <a:rPr lang="en-GB" dirty="0"/>
+              <a:rPr lang="en-GB" dirty="0">
+                <a:solidFill>
+                  <a:schemeClr val="bg1">
+                    <a:lumMod val="85000"/>
+                  </a:schemeClr>
+                </a:solidFill>
+              </a:rPr>
               <a:t>Functional</a:t>
             </a:r>
             <a:r>
-              <a:rPr lang="fr-FR" dirty="0"/>
+              <a:rPr lang="fr-FR" dirty="0">
+                <a:solidFill>
+                  <a:schemeClr val="bg1">
+                    <a:lumMod val="85000"/>
+                  </a:schemeClr>
+                </a:solidFill>
+              </a:rPr>
               <a:t> </a:t>
             </a:r>
             <a:r>
-              <a:rPr lang="en-GB" dirty="0"/>
+              <a:rPr lang="en-GB" dirty="0">
+                <a:solidFill>
+                  <a:schemeClr val="bg1">
+                    <a:lumMod val="85000"/>
+                  </a:schemeClr>
+                </a:solidFill>
+              </a:rPr>
               <a:t>explanations</a:t>
             </a:r>
-            <a:endParaRPr lang="fr-FR" dirty="0"/>
+            <a:endParaRPr lang="fr-FR" dirty="0">
+              <a:solidFill>
+                <a:schemeClr val="bg1">
+                  <a:lumMod val="85000"/>
+                </a:schemeClr>
+              </a:solidFill>
+            </a:endParaRPr>
           </a:p>
         </p:txBody>
       </p:sp>
@@ -5042,11 +5554,23 @@
           <a:lstStyle/>
           <a:p>
             <a:r>
-              <a:rPr lang="en-GB" u="sng" dirty="0"/>
+              <a:rPr lang="en-GB" u="sng" dirty="0">
+                <a:solidFill>
+                  <a:schemeClr val="bg1">
+                    <a:lumMod val="85000"/>
+                  </a:schemeClr>
+                </a:solidFill>
+              </a:rPr>
               <a:t>Points</a:t>
             </a:r>
             <a:r>
-              <a:rPr lang="en-GB" dirty="0"/>
+              <a:rPr lang="en-GB" dirty="0">
+                <a:solidFill>
+                  <a:schemeClr val="bg1">
+                    <a:lumMod val="85000"/>
+                  </a:schemeClr>
+                </a:solidFill>
+              </a:rPr>
               <a:t>:</a:t>
             </a:r>
           </a:p>
@@ -5056,7 +5580,13 @@
               <a:buChar char="•"/>
             </a:pPr>
             <a:r>
-              <a:rPr lang="en-GB" dirty="0"/>
+              <a:rPr lang="en-GB" dirty="0">
+                <a:solidFill>
+                  <a:schemeClr val="bg1">
+                    <a:lumMod val="85000"/>
+                  </a:schemeClr>
+                </a:solidFill>
+              </a:rPr>
               <a:t> You can earn points in many different ways:</a:t>
             </a:r>
           </a:p>
@@ -5067,7 +5597,13 @@
               <a:buChar char="o"/>
             </a:pPr>
             <a:r>
-              <a:rPr lang="en-GB" dirty="0"/>
+              <a:rPr lang="en-GB" dirty="0">
+                <a:solidFill>
+                  <a:schemeClr val="bg1">
+                    <a:lumMod val="85000"/>
+                  </a:schemeClr>
+                </a:solidFill>
+              </a:rPr>
               <a:t>Collecting a Purse grants 50 points</a:t>
             </a:r>
           </a:p>
@@ -5078,7 +5614,13 @@
               <a:buChar char="o"/>
             </a:pPr>
             <a:r>
-              <a:rPr lang="en-GB" dirty="0"/>
+              <a:rPr lang="en-GB" dirty="0">
+                <a:solidFill>
+                  <a:schemeClr val="bg1">
+                    <a:lumMod val="85000"/>
+                  </a:schemeClr>
+                </a:solidFill>
+              </a:rPr>
               <a:t>Killing a Monster grants 50 points</a:t>
             </a:r>
           </a:p>
@@ -5089,7 +5631,13 @@
               <a:buChar char="o"/>
             </a:pPr>
             <a:r>
-              <a:rPr lang="en-GB" dirty="0"/>
+              <a:rPr lang="en-GB" dirty="0">
+                <a:solidFill>
+                  <a:schemeClr val="bg1">
+                    <a:lumMod val="85000"/>
+                  </a:schemeClr>
+                </a:solidFill>
+              </a:rPr>
               <a:t>Passing through the Door grants 100 points</a:t>
             </a:r>
           </a:p>
@@ -5098,20 +5646,38 @@
               <a:buFont typeface="Arial" panose="020B0604020202020204" pitchFamily="34" charset="0"/>
               <a:buChar char="•"/>
             </a:pPr>
-            <a:endParaRPr lang="en-GB" dirty="0"/>
+            <a:endParaRPr lang="en-GB" dirty="0">
+              <a:solidFill>
+                <a:schemeClr val="bg1">
+                  <a:lumMod val="85000"/>
+                </a:schemeClr>
+              </a:solidFill>
+            </a:endParaRPr>
           </a:p>
           <a:p>
             <a:pPr lvl="1">
               <a:buFont typeface="Arial" panose="020B0604020202020204" pitchFamily="34" charset="0"/>
               <a:buChar char="•"/>
             </a:pPr>
-            <a:endParaRPr lang="en-GB" dirty="0"/>
+            <a:endParaRPr lang="en-GB" dirty="0">
+              <a:solidFill>
+                <a:schemeClr val="bg1">
+                  <a:lumMod val="85000"/>
+                </a:schemeClr>
+              </a:solidFill>
+            </a:endParaRPr>
           </a:p>
           <a:p>
             <a:pPr marL="201168" lvl="1" indent="0">
               <a:buNone/>
             </a:pPr>
-            <a:endParaRPr lang="en-GB" dirty="0"/>
+            <a:endParaRPr lang="en-GB" dirty="0">
+              <a:solidFill>
+                <a:schemeClr val="bg1">
+                  <a:lumMod val="85000"/>
+                </a:schemeClr>
+              </a:solidFill>
+            </a:endParaRPr>
           </a:p>
         </p:txBody>
       </p:sp>
@@ -5167,18 +5733,42 @@
           <a:lstStyle/>
           <a:p>
             <a:r>
-              <a:rPr lang="fr-FR" dirty="0" err="1"/>
+              <a:rPr lang="fr-FR" dirty="0" err="1">
+                <a:solidFill>
+                  <a:schemeClr val="bg1">
+                    <a:lumMod val="85000"/>
+                  </a:schemeClr>
+                </a:solidFill>
+              </a:rPr>
               <a:t>Demo</a:t>
             </a:r>
             <a:r>
-              <a:rPr lang="fr-FR" dirty="0"/>
+              <a:rPr lang="fr-FR" dirty="0">
+                <a:solidFill>
+                  <a:schemeClr val="bg1">
+                    <a:lumMod val="85000"/>
+                  </a:schemeClr>
+                </a:solidFill>
+              </a:rPr>
               <a:t> of the </a:t>
             </a:r>
             <a:r>
-              <a:rPr lang="fr-FR" dirty="0" err="1"/>
+              <a:rPr lang="fr-FR" dirty="0" err="1">
+                <a:solidFill>
+                  <a:schemeClr val="bg1">
+                    <a:lumMod val="85000"/>
+                  </a:schemeClr>
+                </a:solidFill>
+              </a:rPr>
               <a:t>game</a:t>
             </a:r>
-            <a:endParaRPr lang="fr-FR" dirty="0"/>
+            <a:endParaRPr lang="fr-FR" dirty="0">
+              <a:solidFill>
+                <a:schemeClr val="bg1">
+                  <a:lumMod val="85000"/>
+                </a:schemeClr>
+              </a:solidFill>
+            </a:endParaRPr>
           </a:p>
         </p:txBody>
       </p:sp>
@@ -5206,7 +5796,13 @@
             <a:pPr marL="0" indent="0">
               <a:buNone/>
             </a:pPr>
-            <a:endParaRPr lang="fr-FR" dirty="0"/>
+            <a:endParaRPr lang="fr-FR" dirty="0">
+              <a:solidFill>
+                <a:schemeClr val="bg1">
+                  <a:lumMod val="85000"/>
+                </a:schemeClr>
+              </a:solidFill>
+            </a:endParaRPr>
           </a:p>
         </p:txBody>
       </p:sp>
@@ -5262,11 +5858,23 @@
           <a:lstStyle/>
           <a:p>
             <a:r>
-              <a:rPr lang="en-GB" dirty="0"/>
+              <a:rPr lang="en-GB" dirty="0">
+                <a:solidFill>
+                  <a:schemeClr val="bg1">
+                    <a:lumMod val="85000"/>
+                  </a:schemeClr>
+                </a:solidFill>
+              </a:rPr>
               <a:t>Members</a:t>
             </a:r>
             <a:r>
-              <a:rPr lang="fr-FR" dirty="0"/>
+              <a:rPr lang="fr-FR" dirty="0">
+                <a:solidFill>
+                  <a:schemeClr val="bg1">
+                    <a:lumMod val="85000"/>
+                  </a:schemeClr>
+                </a:solidFill>
+              </a:rPr>
               <a:t> of the group</a:t>
             </a:r>
           </a:p>
@@ -5297,7 +5905,13 @@
               <a:buNone/>
             </a:pPr>
             <a:r>
-              <a:rPr lang="en-US" b="1" dirty="0"/>
+              <a:rPr lang="en-US" b="1" dirty="0">
+                <a:solidFill>
+                  <a:schemeClr val="bg1">
+                    <a:lumMod val="85000"/>
+                  </a:schemeClr>
+                </a:solidFill>
+              </a:rPr>
               <a:t> </a:t>
             </a:r>
           </a:p>
@@ -5307,18 +5921,42 @@
               <a:buChar char="•"/>
             </a:pPr>
             <a:r>
-              <a:rPr lang="en-US" b="1" dirty="0"/>
+              <a:rPr lang="en-US" b="1" dirty="0">
+                <a:solidFill>
+                  <a:schemeClr val="bg1">
+                    <a:lumMod val="85000"/>
+                  </a:schemeClr>
+                </a:solidFill>
+              </a:rPr>
               <a:t> Joël DIDIER</a:t>
             </a:r>
             <a:r>
-              <a:rPr lang="en-US" dirty="0"/>
+              <a:rPr lang="en-US" dirty="0">
+                <a:solidFill>
+                  <a:schemeClr val="bg1">
+                    <a:lumMod val="85000"/>
+                  </a:schemeClr>
+                </a:solidFill>
+              </a:rPr>
               <a:t>: </a:t>
             </a:r>
             <a:r>
-              <a:rPr lang="en-US" i="1" dirty="0"/>
+              <a:rPr lang="en-US" i="1" dirty="0">
+                <a:solidFill>
+                  <a:schemeClr val="bg1">
+                    <a:lumMod val="85000"/>
+                  </a:schemeClr>
+                </a:solidFill>
+              </a:rPr>
               <a:t>Project Manager, Database Master, Documentation Advisor, Level Designer</a:t>
             </a:r>
-            <a:endParaRPr lang="fr-FR" i="1" dirty="0"/>
+            <a:endParaRPr lang="fr-FR" i="1" dirty="0">
+              <a:solidFill>
+                <a:schemeClr val="bg1">
+                  <a:lumMod val="85000"/>
+                </a:schemeClr>
+              </a:solidFill>
+            </a:endParaRPr>
           </a:p>
           <a:p>
             <a:pPr lvl="0">
@@ -5326,22 +5964,52 @@
               <a:buChar char="•"/>
             </a:pPr>
             <a:r>
-              <a:rPr lang="fr-FR" b="1" i="1" dirty="0"/>
+              <a:rPr lang="fr-FR" b="1" i="1" dirty="0">
+                <a:solidFill>
+                  <a:schemeClr val="bg1">
+                    <a:lumMod val="85000"/>
+                  </a:schemeClr>
+                </a:solidFill>
+              </a:rPr>
               <a:t> </a:t>
             </a:r>
             <a:r>
-              <a:rPr lang="en-GB" b="1" dirty="0"/>
+              <a:rPr lang="en-GB" b="1" dirty="0">
+                <a:solidFill>
+                  <a:schemeClr val="bg1">
+                    <a:lumMod val="85000"/>
+                  </a:schemeClr>
+                </a:solidFill>
+              </a:rPr>
               <a:t>Nicolas DRAPIER</a:t>
             </a:r>
             <a:r>
-              <a:rPr lang="en-GB" dirty="0"/>
+              <a:rPr lang="en-GB" dirty="0">
+                <a:solidFill>
+                  <a:schemeClr val="bg1">
+                    <a:lumMod val="85000"/>
+                  </a:schemeClr>
+                </a:solidFill>
+              </a:rPr>
               <a:t>: </a:t>
             </a:r>
             <a:r>
-              <a:rPr lang="en-GB" i="1" dirty="0"/>
+              <a:rPr lang="en-GB" i="1" dirty="0">
+                <a:solidFill>
+                  <a:schemeClr val="bg1">
+                    <a:lumMod val="85000"/>
+                  </a:schemeClr>
+                </a:solidFill>
+              </a:rPr>
               <a:t>Lead Java Developer</a:t>
             </a:r>
-            <a:endParaRPr lang="fr-FR" i="1" dirty="0"/>
+            <a:endParaRPr lang="fr-FR" i="1" dirty="0">
+              <a:solidFill>
+                <a:schemeClr val="bg1">
+                  <a:lumMod val="85000"/>
+                </a:schemeClr>
+              </a:solidFill>
+            </a:endParaRPr>
           </a:p>
           <a:p>
             <a:pPr lvl="0">
@@ -5349,26 +6017,62 @@
               <a:buChar char="•"/>
             </a:pPr>
             <a:r>
-              <a:rPr lang="fr-FR" b="1" i="1" dirty="0"/>
+              <a:rPr lang="fr-FR" b="1" i="1" dirty="0">
+                <a:solidFill>
+                  <a:schemeClr val="bg1">
+                    <a:lumMod val="85000"/>
+                  </a:schemeClr>
+                </a:solidFill>
+              </a:rPr>
               <a:t> </a:t>
             </a:r>
             <a:r>
-              <a:rPr lang="en-US" b="1" dirty="0"/>
+              <a:rPr lang="en-US" b="1" dirty="0">
+                <a:solidFill>
+                  <a:schemeClr val="bg1">
+                    <a:lumMod val="85000"/>
+                  </a:schemeClr>
+                </a:solidFill>
+              </a:rPr>
               <a:t>Thomas LOURENCO</a:t>
             </a:r>
             <a:r>
-              <a:rPr lang="en-US" dirty="0"/>
+              <a:rPr lang="en-US" dirty="0">
+                <a:solidFill>
+                  <a:schemeClr val="bg1">
+                    <a:lumMod val="85000"/>
+                  </a:schemeClr>
+                </a:solidFill>
+              </a:rPr>
               <a:t>: </a:t>
             </a:r>
             <a:r>
-              <a:rPr lang="en-US" i="1" dirty="0"/>
+              <a:rPr lang="en-US" i="1" dirty="0">
+                <a:solidFill>
+                  <a:schemeClr val="bg1">
+                    <a:lumMod val="85000"/>
+                  </a:schemeClr>
+                </a:solidFill>
+              </a:rPr>
               <a:t>Documentation Master, Java Developer, Translator</a:t>
             </a:r>
             <a:r>
-              <a:rPr lang="en-US" b="1" dirty="0"/>
+              <a:rPr lang="en-US" b="1" dirty="0">
+                <a:solidFill>
+                  <a:schemeClr val="bg1">
+                    <a:lumMod val="85000"/>
+                  </a:schemeClr>
+                </a:solidFill>
+              </a:rPr>
               <a:t> </a:t>
             </a:r>
-            <a:endParaRPr lang="fr-FR" dirty="0"/>
+            <a:endParaRPr lang="fr-FR" dirty="0">
+              <a:solidFill>
+                <a:schemeClr val="bg1">
+                  <a:lumMod val="85000"/>
+                </a:schemeClr>
+              </a:solidFill>
+            </a:endParaRPr>
           </a:p>
           <a:p>
             <a:pPr lvl="0">
@@ -5376,26 +6080,62 @@
               <a:buChar char="•"/>
             </a:pPr>
             <a:r>
-              <a:rPr lang="fr-FR" b="1" dirty="0"/>
+              <a:rPr lang="fr-FR" b="1" dirty="0">
+                <a:solidFill>
+                  <a:schemeClr val="bg1">
+                    <a:lumMod val="85000"/>
+                  </a:schemeClr>
+                </a:solidFill>
+              </a:rPr>
               <a:t> Bastien LE GALL</a:t>
             </a:r>
             <a:r>
-              <a:rPr lang="fr-FR" dirty="0"/>
+              <a:rPr lang="fr-FR" dirty="0">
+                <a:solidFill>
+                  <a:schemeClr val="bg1">
+                    <a:lumMod val="85000"/>
+                  </a:schemeClr>
+                </a:solidFill>
+              </a:rPr>
               <a:t>: </a:t>
             </a:r>
             <a:r>
-              <a:rPr lang="fr-FR" i="1" dirty="0"/>
+              <a:rPr lang="fr-FR" i="1" dirty="0">
+                <a:solidFill>
+                  <a:schemeClr val="bg1">
+                    <a:lumMod val="85000"/>
+                  </a:schemeClr>
+                </a:solidFill>
+              </a:rPr>
               <a:t>Java </a:t>
             </a:r>
             <a:r>
-              <a:rPr lang="en-GB" i="1" dirty="0"/>
+              <a:rPr lang="en-GB" i="1" dirty="0">
+                <a:solidFill>
+                  <a:schemeClr val="bg1">
+                    <a:lumMod val="85000"/>
+                  </a:schemeClr>
+                </a:solidFill>
+              </a:rPr>
               <a:t>Developer</a:t>
             </a:r>
             <a:r>
-              <a:rPr lang="fr-FR" i="1" dirty="0"/>
+              <a:rPr lang="fr-FR" i="1" dirty="0">
+                <a:solidFill>
+                  <a:schemeClr val="bg1">
+                    <a:lumMod val="85000"/>
+                  </a:schemeClr>
+                </a:solidFill>
+              </a:rPr>
               <a:t>, Game Tester</a:t>
             </a:r>
-            <a:endParaRPr lang="fr-FR" dirty="0"/>
+            <a:endParaRPr lang="fr-FR" dirty="0">
+              <a:solidFill>
+                <a:schemeClr val="bg1">
+                  <a:lumMod val="85000"/>
+                </a:schemeClr>
+              </a:solidFill>
+            </a:endParaRPr>
           </a:p>
         </p:txBody>
       </p:sp>
@@ -5451,7 +6191,13 @@
           <a:lstStyle/>
           <a:p>
             <a:r>
-              <a:rPr lang="fr-FR" dirty="0"/>
+              <a:rPr lang="fr-FR" dirty="0">
+                <a:solidFill>
+                  <a:schemeClr val="bg1">
+                    <a:lumMod val="85000"/>
+                  </a:schemeClr>
+                </a:solidFill>
+              </a:rPr>
               <a:t>Table of Contents</a:t>
             </a:r>
           </a:p>
@@ -5484,7 +6230,13 @@
               <a:buFont typeface="Arial" panose="020B0604020202020204" pitchFamily="34" charset="0"/>
               <a:buChar char="•"/>
             </a:pPr>
-            <a:endParaRPr lang="fr-FR" dirty="0"/>
+            <a:endParaRPr lang="fr-FR" dirty="0">
+              <a:solidFill>
+                <a:schemeClr val="bg1">
+                  <a:lumMod val="85000"/>
+                </a:schemeClr>
+              </a:solidFill>
+            </a:endParaRPr>
           </a:p>
           <a:p>
             <a:pPr>
@@ -5492,7 +6244,13 @@
               <a:buChar char="•"/>
             </a:pPr>
             <a:r>
-              <a:rPr lang="en-GB" dirty="0"/>
+              <a:rPr lang="en-GB" dirty="0">
+                <a:solidFill>
+                  <a:schemeClr val="bg1">
+                    <a:lumMod val="85000"/>
+                  </a:schemeClr>
+                </a:solidFill>
+              </a:rPr>
               <a:t> Overview of the game</a:t>
             </a:r>
           </a:p>
@@ -5502,7 +6260,13 @@
               <a:buChar char="•"/>
             </a:pPr>
             <a:r>
-              <a:rPr lang="en-GB" dirty="0"/>
+              <a:rPr lang="en-GB" dirty="0">
+                <a:solidFill>
+                  <a:schemeClr val="bg1">
+                    <a:lumMod val="85000"/>
+                  </a:schemeClr>
+                </a:solidFill>
+              </a:rPr>
               <a:t> Functional explanations</a:t>
             </a:r>
           </a:p>
@@ -5512,7 +6276,13 @@
               <a:buChar char="•"/>
             </a:pPr>
             <a:r>
-              <a:rPr lang="en-GB" dirty="0"/>
+              <a:rPr lang="en-GB" dirty="0">
+                <a:solidFill>
+                  <a:schemeClr val="bg1">
+                    <a:lumMod val="85000"/>
+                  </a:schemeClr>
+                </a:solidFill>
+              </a:rPr>
               <a:t>Characters &amp; Collectibles</a:t>
             </a:r>
           </a:p>
@@ -5522,10 +6292,22 @@
               <a:buChar char="•"/>
             </a:pPr>
             <a:r>
-              <a:rPr lang="en-GB" dirty="0" err="1"/>
+              <a:rPr lang="en-GB" dirty="0" err="1">
+                <a:solidFill>
+                  <a:schemeClr val="bg1">
+                    <a:lumMod val="85000"/>
+                  </a:schemeClr>
+                </a:solidFill>
+              </a:rPr>
               <a:t>Lorann</a:t>
             </a:r>
-            <a:endParaRPr lang="en-GB" dirty="0"/>
+            <a:endParaRPr lang="en-GB" dirty="0">
+              <a:solidFill>
+                <a:schemeClr val="bg1">
+                  <a:lumMod val="85000"/>
+                </a:schemeClr>
+              </a:solidFill>
+            </a:endParaRPr>
           </a:p>
           <a:p>
             <a:pPr lvl="1">
@@ -5533,7 +6315,13 @@
               <a:buChar char="•"/>
             </a:pPr>
             <a:r>
-              <a:rPr lang="en-GB" dirty="0"/>
+              <a:rPr lang="en-GB" dirty="0">
+                <a:solidFill>
+                  <a:schemeClr val="bg1">
+                    <a:lumMod val="85000"/>
+                  </a:schemeClr>
+                </a:solidFill>
+              </a:rPr>
               <a:t>Monsters</a:t>
             </a:r>
           </a:p>
@@ -5543,7 +6331,13 @@
               <a:buChar char="•"/>
             </a:pPr>
             <a:r>
-              <a:rPr lang="en-GB" dirty="0"/>
+              <a:rPr lang="en-GB" dirty="0">
+                <a:solidFill>
+                  <a:schemeClr val="bg1">
+                    <a:lumMod val="85000"/>
+                  </a:schemeClr>
+                </a:solidFill>
+              </a:rPr>
               <a:t>Spell</a:t>
             </a:r>
           </a:p>
@@ -5553,7 +6347,13 @@
               <a:buChar char="•"/>
             </a:pPr>
             <a:r>
-              <a:rPr lang="en-GB" dirty="0"/>
+              <a:rPr lang="en-GB" dirty="0">
+                <a:solidFill>
+                  <a:schemeClr val="bg1">
+                    <a:lumMod val="85000"/>
+                  </a:schemeClr>
+                </a:solidFill>
+              </a:rPr>
               <a:t>Goal</a:t>
             </a:r>
           </a:p>
@@ -5563,7 +6363,13 @@
               <a:buChar char="•"/>
             </a:pPr>
             <a:r>
-              <a:rPr lang="en-GB" dirty="0"/>
+              <a:rPr lang="en-GB" dirty="0">
+                <a:solidFill>
+                  <a:schemeClr val="bg1">
+                    <a:lumMod val="85000"/>
+                  </a:schemeClr>
+                </a:solidFill>
+              </a:rPr>
               <a:t>Rules</a:t>
             </a:r>
           </a:p>
@@ -5573,7 +6379,13 @@
               <a:buChar char="•"/>
             </a:pPr>
             <a:r>
-              <a:rPr lang="en-GB" dirty="0"/>
+              <a:rPr lang="en-GB" dirty="0">
+                <a:solidFill>
+                  <a:schemeClr val="bg1">
+                    <a:lumMod val="85000"/>
+                  </a:schemeClr>
+                </a:solidFill>
+              </a:rPr>
               <a:t>How it works</a:t>
             </a:r>
           </a:p>
@@ -5583,7 +6395,13 @@
               <a:buChar char="•"/>
             </a:pPr>
             <a:r>
-              <a:rPr lang="en-GB" dirty="0"/>
+              <a:rPr lang="en-GB" dirty="0">
+                <a:solidFill>
+                  <a:schemeClr val="bg1">
+                    <a:lumMod val="85000"/>
+                  </a:schemeClr>
+                </a:solidFill>
+              </a:rPr>
               <a:t>Points</a:t>
             </a:r>
           </a:p>
@@ -5593,7 +6411,13 @@
               <a:buChar char="•"/>
             </a:pPr>
             <a:r>
-              <a:rPr lang="en-GB" dirty="0"/>
+              <a:rPr lang="en-GB" dirty="0">
+                <a:solidFill>
+                  <a:schemeClr val="bg1">
+                    <a:lumMod val="85000"/>
+                  </a:schemeClr>
+                </a:solidFill>
+              </a:rPr>
               <a:t> Demo of the game</a:t>
             </a:r>
           </a:p>
@@ -5651,18 +6475,42 @@
           <a:lstStyle/>
           <a:p>
             <a:r>
-              <a:rPr lang="fr-FR" dirty="0" err="1"/>
+              <a:rPr lang="fr-FR" dirty="0" err="1">
+                <a:solidFill>
+                  <a:schemeClr val="bg1">
+                    <a:lumMod val="85000"/>
+                  </a:schemeClr>
+                </a:solidFill>
+              </a:rPr>
               <a:t>Overview</a:t>
             </a:r>
             <a:r>
-              <a:rPr lang="fr-FR" dirty="0"/>
+              <a:rPr lang="fr-FR" dirty="0">
+                <a:solidFill>
+                  <a:schemeClr val="bg1">
+                    <a:lumMod val="85000"/>
+                  </a:schemeClr>
+                </a:solidFill>
+              </a:rPr>
               <a:t> of the </a:t>
             </a:r>
             <a:r>
-              <a:rPr lang="fr-FR" dirty="0" err="1"/>
+              <a:rPr lang="fr-FR" dirty="0" err="1">
+                <a:solidFill>
+                  <a:schemeClr val="bg1">
+                    <a:lumMod val="85000"/>
+                  </a:schemeClr>
+                </a:solidFill>
+              </a:rPr>
               <a:t>game</a:t>
             </a:r>
-            <a:endParaRPr lang="fr-FR" dirty="0"/>
+            <a:endParaRPr lang="fr-FR" dirty="0">
+              <a:solidFill>
+                <a:schemeClr val="bg1">
+                  <a:lumMod val="85000"/>
+                </a:schemeClr>
+              </a:solidFill>
+            </a:endParaRPr>
           </a:p>
         </p:txBody>
       </p:sp>
@@ -5730,46 +6578,112 @@
           <a:lstStyle/>
           <a:p>
             <a:r>
-              <a:rPr lang="en-US" dirty="0" err="1"/>
+              <a:rPr lang="en-US" dirty="0" err="1">
+                <a:solidFill>
+                  <a:schemeClr val="bg1">
+                    <a:lumMod val="85000"/>
+                  </a:schemeClr>
+                </a:solidFill>
+              </a:rPr>
               <a:t>Lorann</a:t>
             </a:r>
             <a:r>
-              <a:rPr lang="en-US" dirty="0"/>
+              <a:rPr lang="en-US" dirty="0">
+                <a:solidFill>
+                  <a:schemeClr val="bg1">
+                    <a:lumMod val="85000"/>
+                  </a:schemeClr>
+                </a:solidFill>
+              </a:rPr>
               <a:t> is a game that was created in 1985 by the former French Game Development Studio </a:t>
             </a:r>
             <a:r>
-              <a:rPr lang="en-US" i="1" dirty="0" err="1"/>
+              <a:rPr lang="en-US" i="1" dirty="0" err="1">
+                <a:solidFill>
+                  <a:schemeClr val="bg1">
+                    <a:lumMod val="85000"/>
+                  </a:schemeClr>
+                </a:solidFill>
+              </a:rPr>
               <a:t>Loriciels</a:t>
             </a:r>
             <a:r>
-              <a:rPr lang="en-US" i="1" dirty="0"/>
+              <a:rPr lang="en-US" i="1" dirty="0">
+                <a:solidFill>
+                  <a:schemeClr val="bg1">
+                    <a:lumMod val="85000"/>
+                  </a:schemeClr>
+                </a:solidFill>
+              </a:rPr>
               <a:t> </a:t>
             </a:r>
             <a:r>
-              <a:rPr lang="en-US" dirty="0"/>
+              <a:rPr lang="en-US" dirty="0">
+                <a:solidFill>
+                  <a:schemeClr val="bg1">
+                    <a:lumMod val="85000"/>
+                  </a:schemeClr>
+                </a:solidFill>
+              </a:rPr>
               <a:t>and edited for Thomson MO5 and TO7 computers.</a:t>
             </a:r>
           </a:p>
           <a:p>
-            <a:endParaRPr lang="fr-FR" dirty="0"/>
-          </a:p>
-          <a:p>
-            <a:r>
-              <a:rPr lang="en-US" dirty="0"/>
+            <a:endParaRPr lang="fr-FR" dirty="0">
+              <a:solidFill>
+                <a:schemeClr val="bg1">
+                  <a:lumMod val="85000"/>
+                </a:schemeClr>
+              </a:solidFill>
+            </a:endParaRPr>
+          </a:p>
+          <a:p>
+            <a:r>
+              <a:rPr lang="en-US" dirty="0">
+                <a:solidFill>
+                  <a:schemeClr val="bg1">
+                    <a:lumMod val="85000"/>
+                  </a:schemeClr>
+                </a:solidFill>
+              </a:rPr>
               <a:t>This is a </a:t>
             </a:r>
             <a:r>
-              <a:rPr lang="en-US" dirty="0" err="1"/>
+              <a:rPr lang="en-US" dirty="0" err="1">
+                <a:solidFill>
+                  <a:schemeClr val="bg1">
+                    <a:lumMod val="85000"/>
+                  </a:schemeClr>
+                </a:solidFill>
+              </a:rPr>
               <a:t>PacMan</a:t>
             </a:r>
             <a:r>
-              <a:rPr lang="en-US" dirty="0"/>
+              <a:rPr lang="en-US" dirty="0">
+                <a:solidFill>
+                  <a:schemeClr val="bg1">
+                    <a:lumMod val="85000"/>
+                  </a:schemeClr>
+                </a:solidFill>
+              </a:rPr>
               <a:t>-like game which means that a single character moves square-by-square while collecting a maximum of items and defeat monster to advance to the next stage.</a:t>
             </a:r>
-            <a:endParaRPr lang="fr-FR" dirty="0"/>
-          </a:p>
-          <a:p>
-            <a:endParaRPr lang="fr-FR" dirty="0"/>
+            <a:endParaRPr lang="fr-FR" dirty="0">
+              <a:solidFill>
+                <a:schemeClr val="bg1">
+                  <a:lumMod val="85000"/>
+                </a:schemeClr>
+              </a:solidFill>
+            </a:endParaRPr>
+          </a:p>
+          <a:p>
+            <a:endParaRPr lang="fr-FR" dirty="0">
+              <a:solidFill>
+                <a:schemeClr val="bg1">
+                  <a:lumMod val="85000"/>
+                </a:schemeClr>
+              </a:solidFill>
+            </a:endParaRPr>
           </a:p>
         </p:txBody>
       </p:sp>
@@ -5825,18 +6739,42 @@
           <a:lstStyle/>
           <a:p>
             <a:r>
-              <a:rPr lang="fr-FR" dirty="0" err="1"/>
+              <a:rPr lang="fr-FR" dirty="0" err="1">
+                <a:solidFill>
+                  <a:schemeClr val="bg1">
+                    <a:lumMod val="85000"/>
+                  </a:schemeClr>
+                </a:solidFill>
+              </a:rPr>
               <a:t>Overview</a:t>
             </a:r>
             <a:r>
-              <a:rPr lang="fr-FR" dirty="0"/>
+              <a:rPr lang="fr-FR" dirty="0">
+                <a:solidFill>
+                  <a:schemeClr val="bg1">
+                    <a:lumMod val="85000"/>
+                  </a:schemeClr>
+                </a:solidFill>
+              </a:rPr>
               <a:t> of the </a:t>
             </a:r>
             <a:r>
-              <a:rPr lang="fr-FR" dirty="0" err="1"/>
+              <a:rPr lang="fr-FR" dirty="0" err="1">
+                <a:solidFill>
+                  <a:schemeClr val="bg1">
+                    <a:lumMod val="85000"/>
+                  </a:schemeClr>
+                </a:solidFill>
+              </a:rPr>
               <a:t>game</a:t>
             </a:r>
-            <a:endParaRPr lang="fr-FR" dirty="0"/>
+            <a:endParaRPr lang="fr-FR" dirty="0">
+              <a:solidFill>
+                <a:schemeClr val="bg1">
+                  <a:lumMod val="85000"/>
+                </a:schemeClr>
+              </a:solidFill>
+            </a:endParaRPr>
           </a:p>
         </p:txBody>
       </p:sp>
@@ -5927,7 +6865,13 @@
           <a:lstStyle/>
           <a:p>
             <a:r>
-              <a:rPr lang="en-GB" dirty="0"/>
+              <a:rPr lang="en-GB" dirty="0">
+                <a:solidFill>
+                  <a:schemeClr val="bg1">
+                    <a:lumMod val="85000"/>
+                  </a:schemeClr>
+                </a:solidFill>
+              </a:rPr>
               <a:t>Functional explanations</a:t>
             </a:r>
           </a:p>
@@ -5960,11 +6904,23 @@
           <a:lstStyle/>
           <a:p>
             <a:r>
-              <a:rPr lang="fr-FR" u="sng" dirty="0" err="1"/>
+              <a:rPr lang="fr-FR" u="sng" dirty="0" err="1">
+                <a:solidFill>
+                  <a:schemeClr val="bg1">
+                    <a:lumMod val="85000"/>
+                  </a:schemeClr>
+                </a:solidFill>
+              </a:rPr>
               <a:t>Characters</a:t>
             </a:r>
             <a:r>
-              <a:rPr lang="fr-FR" dirty="0"/>
+              <a:rPr lang="fr-FR" dirty="0">
+                <a:solidFill>
+                  <a:schemeClr val="bg1">
+                    <a:lumMod val="85000"/>
+                  </a:schemeClr>
+                </a:solidFill>
+              </a:rPr>
               <a:t>:</a:t>
             </a:r>
           </a:p>
@@ -5974,14 +6930,32 @@
               <a:buChar char="•"/>
             </a:pPr>
             <a:r>
-              <a:rPr lang="fr-FR" dirty="0"/>
+              <a:rPr lang="fr-FR" dirty="0">
+                <a:solidFill>
+                  <a:schemeClr val="bg1">
+                    <a:lumMod val="85000"/>
+                  </a:schemeClr>
+                </a:solidFill>
+              </a:rPr>
               <a:t> </a:t>
             </a:r>
             <a:r>
-              <a:rPr lang="fr-FR" dirty="0" err="1"/>
+              <a:rPr lang="fr-FR" dirty="0" err="1">
+                <a:solidFill>
+                  <a:schemeClr val="bg1">
+                    <a:lumMod val="85000"/>
+                  </a:schemeClr>
+                </a:solidFill>
+              </a:rPr>
               <a:t>Lorann</a:t>
             </a:r>
-            <a:endParaRPr lang="fr-FR" dirty="0"/>
+            <a:endParaRPr lang="fr-FR" dirty="0">
+              <a:solidFill>
+                <a:schemeClr val="bg1">
+                  <a:lumMod val="85000"/>
+                </a:schemeClr>
+              </a:solidFill>
+            </a:endParaRPr>
           </a:p>
           <a:p>
             <a:pPr>
@@ -5989,7 +6963,13 @@
               <a:buChar char="•"/>
             </a:pPr>
             <a:r>
-              <a:rPr lang="fr-FR" dirty="0"/>
+              <a:rPr lang="fr-FR" dirty="0">
+                <a:solidFill>
+                  <a:schemeClr val="bg1">
+                    <a:lumMod val="85000"/>
+                  </a:schemeClr>
+                </a:solidFill>
+              </a:rPr>
               <a:t> Monsters</a:t>
             </a:r>
           </a:p>
@@ -5998,18 +6978,36 @@
               <a:buFont typeface="Arial" panose="020B0604020202020204" pitchFamily="34" charset="0"/>
               <a:buChar char="•"/>
             </a:pPr>
-            <a:endParaRPr lang="fr-FR" dirty="0"/>
+            <a:endParaRPr lang="fr-FR" dirty="0">
+              <a:solidFill>
+                <a:schemeClr val="bg1">
+                  <a:lumMod val="85000"/>
+                </a:schemeClr>
+              </a:solidFill>
+            </a:endParaRPr>
           </a:p>
           <a:p>
             <a:pPr marL="0" indent="0">
               <a:buNone/>
             </a:pPr>
             <a:r>
-              <a:rPr lang="fr-FR" u="sng" dirty="0" err="1"/>
+              <a:rPr lang="fr-FR" u="sng" dirty="0" err="1">
+                <a:solidFill>
+                  <a:schemeClr val="bg1">
+                    <a:lumMod val="85000"/>
+                  </a:schemeClr>
+                </a:solidFill>
+              </a:rPr>
               <a:t>Collectibles</a:t>
             </a:r>
             <a:r>
-              <a:rPr lang="fr-FR" dirty="0"/>
+              <a:rPr lang="fr-FR" dirty="0">
+                <a:solidFill>
+                  <a:schemeClr val="bg1">
+                    <a:lumMod val="85000"/>
+                  </a:schemeClr>
+                </a:solidFill>
+              </a:rPr>
               <a:t>:</a:t>
             </a:r>
           </a:p>
@@ -6019,14 +7017,32 @@
               <a:buChar char="•"/>
             </a:pPr>
             <a:r>
-              <a:rPr lang="fr-FR" dirty="0"/>
+              <a:rPr lang="fr-FR" dirty="0">
+                <a:solidFill>
+                  <a:schemeClr val="bg1">
+                    <a:lumMod val="85000"/>
+                  </a:schemeClr>
+                </a:solidFill>
+              </a:rPr>
               <a:t> </a:t>
             </a:r>
             <a:r>
-              <a:rPr lang="fr-FR" dirty="0" err="1"/>
+              <a:rPr lang="fr-FR" dirty="0" err="1">
+                <a:solidFill>
+                  <a:schemeClr val="bg1">
+                    <a:lumMod val="85000"/>
+                  </a:schemeClr>
+                </a:solidFill>
+              </a:rPr>
               <a:t>Purse</a:t>
             </a:r>
-            <a:endParaRPr lang="fr-FR" dirty="0"/>
+            <a:endParaRPr lang="fr-FR" dirty="0">
+              <a:solidFill>
+                <a:schemeClr val="bg1">
+                  <a:lumMod val="85000"/>
+                </a:schemeClr>
+              </a:solidFill>
+            </a:endParaRPr>
           </a:p>
           <a:p>
             <a:pPr>
@@ -6034,20 +7050,44 @@
               <a:buChar char="•"/>
             </a:pPr>
             <a:r>
-              <a:rPr lang="fr-FR" dirty="0"/>
+              <a:rPr lang="fr-FR" dirty="0">
+                <a:solidFill>
+                  <a:schemeClr val="bg1">
+                    <a:lumMod val="85000"/>
+                  </a:schemeClr>
+                </a:solidFill>
+              </a:rPr>
               <a:t> Energy </a:t>
             </a:r>
             <a:r>
-              <a:rPr lang="fr-FR" dirty="0" err="1"/>
+              <a:rPr lang="fr-FR" dirty="0" err="1">
+                <a:solidFill>
+                  <a:schemeClr val="bg1">
+                    <a:lumMod val="85000"/>
+                  </a:schemeClr>
+                </a:solidFill>
+              </a:rPr>
               <a:t>bubble</a:t>
             </a:r>
-            <a:endParaRPr lang="fr-FR" dirty="0"/>
+            <a:endParaRPr lang="fr-FR" dirty="0">
+              <a:solidFill>
+                <a:schemeClr val="bg1">
+                  <a:lumMod val="85000"/>
+                </a:schemeClr>
+              </a:solidFill>
+            </a:endParaRPr>
           </a:p>
           <a:p>
             <a:pPr marL="0" indent="0">
               <a:buNone/>
             </a:pPr>
-            <a:endParaRPr lang="fr-FR" dirty="0"/>
+            <a:endParaRPr lang="fr-FR" dirty="0">
+              <a:solidFill>
+                <a:schemeClr val="bg1">
+                  <a:lumMod val="85000"/>
+                </a:schemeClr>
+              </a:solidFill>
+            </a:endParaRPr>
           </a:p>
         </p:txBody>
       </p:sp>
@@ -6578,15 +7618,33 @@
           </a:lstStyle>
           <a:p>
             <a:r>
-              <a:rPr lang="fr-FR" u="sng" dirty="0" err="1"/>
+              <a:rPr lang="fr-FR" u="sng" dirty="0" err="1">
+                <a:solidFill>
+                  <a:schemeClr val="bg1">
+                    <a:lumMod val="85000"/>
+                  </a:schemeClr>
+                </a:solidFill>
+              </a:rPr>
               <a:t>Static</a:t>
             </a:r>
             <a:r>
-              <a:rPr lang="fr-FR" u="sng" dirty="0"/>
+              <a:rPr lang="fr-FR" u="sng" dirty="0">
+                <a:solidFill>
+                  <a:schemeClr val="bg1">
+                    <a:lumMod val="85000"/>
+                  </a:schemeClr>
+                </a:solidFill>
+              </a:rPr>
               <a:t> items</a:t>
             </a:r>
             <a:r>
-              <a:rPr lang="fr-FR" dirty="0"/>
+              <a:rPr lang="fr-FR" dirty="0">
+                <a:solidFill>
+                  <a:schemeClr val="bg1">
+                    <a:lumMod val="85000"/>
+                  </a:schemeClr>
+                </a:solidFill>
+              </a:rPr>
               <a:t>:</a:t>
             </a:r>
           </a:p>
@@ -6596,7 +7654,13 @@
               <a:buChar char="•"/>
             </a:pPr>
             <a:r>
-              <a:rPr lang="fr-FR" dirty="0"/>
+              <a:rPr lang="fr-FR" dirty="0">
+                <a:solidFill>
+                  <a:schemeClr val="bg1">
+                    <a:lumMod val="85000"/>
+                  </a:schemeClr>
+                </a:solidFill>
+              </a:rPr>
               <a:t> Walls</a:t>
             </a:r>
           </a:p>
@@ -6606,21 +7670,45 @@
               <a:buChar char="•"/>
             </a:pPr>
             <a:r>
-              <a:rPr lang="fr-FR" dirty="0"/>
+              <a:rPr lang="fr-FR" dirty="0">
+                <a:solidFill>
+                  <a:schemeClr val="bg1">
+                    <a:lumMod val="85000"/>
+                  </a:schemeClr>
+                </a:solidFill>
+              </a:rPr>
               <a:t> </a:t>
             </a:r>
             <a:r>
-              <a:rPr lang="fr-FR" dirty="0" err="1"/>
+              <a:rPr lang="fr-FR" dirty="0" err="1">
+                <a:solidFill>
+                  <a:schemeClr val="bg1">
+                    <a:lumMod val="85000"/>
+                  </a:schemeClr>
+                </a:solidFill>
+              </a:rPr>
               <a:t>Door</a:t>
             </a:r>
-            <a:endParaRPr lang="fr-FR" dirty="0"/>
+            <a:endParaRPr lang="fr-FR" dirty="0">
+              <a:solidFill>
+                <a:schemeClr val="bg1">
+                  <a:lumMod val="85000"/>
+                </a:schemeClr>
+              </a:solidFill>
+            </a:endParaRPr>
           </a:p>
           <a:p>
             <a:pPr marL="0" indent="0">
               <a:buFont typeface="Calibri" panose="020F0502020204030204" pitchFamily="34" charset="0"/>
               <a:buNone/>
             </a:pPr>
-            <a:endParaRPr lang="fr-FR" dirty="0"/>
+            <a:endParaRPr lang="fr-FR" dirty="0">
+              <a:solidFill>
+                <a:schemeClr val="bg1">
+                  <a:lumMod val="85000"/>
+                </a:schemeClr>
+              </a:solidFill>
+            </a:endParaRPr>
           </a:p>
         </p:txBody>
       </p:sp>
@@ -6856,10 +7944,22 @@
           <a:lstStyle/>
           <a:p>
             <a:r>
-              <a:rPr lang="en-GB" dirty="0"/>
+              <a:rPr lang="en-GB" dirty="0">
+                <a:solidFill>
+                  <a:schemeClr val="bg1">
+                    <a:lumMod val="85000"/>
+                  </a:schemeClr>
+                </a:solidFill>
+              </a:rPr>
               <a:t>Functional explanations</a:t>
             </a:r>
-            <a:endParaRPr lang="fr-FR" dirty="0"/>
+            <a:endParaRPr lang="fr-FR" dirty="0">
+              <a:solidFill>
+                <a:schemeClr val="bg1">
+                  <a:lumMod val="85000"/>
+                </a:schemeClr>
+              </a:solidFill>
+            </a:endParaRPr>
           </a:p>
         </p:txBody>
       </p:sp>
@@ -6885,11 +7985,23 @@
           <a:lstStyle/>
           <a:p>
             <a:r>
-              <a:rPr lang="fr-FR" u="sng" dirty="0" err="1"/>
+              <a:rPr lang="fr-FR" u="sng" dirty="0" err="1">
+                <a:solidFill>
+                  <a:schemeClr val="bg1">
+                    <a:lumMod val="85000"/>
+                  </a:schemeClr>
+                </a:solidFill>
+              </a:rPr>
               <a:t>Lorann</a:t>
             </a:r>
             <a:r>
-              <a:rPr lang="fr-FR" dirty="0"/>
+              <a:rPr lang="fr-FR" dirty="0">
+                <a:solidFill>
+                  <a:schemeClr val="bg1">
+                    <a:lumMod val="85000"/>
+                  </a:schemeClr>
+                </a:solidFill>
+              </a:rPr>
               <a:t>:</a:t>
             </a:r>
           </a:p>
@@ -6899,67 +8011,163 @@
               <a:buChar char="•"/>
             </a:pPr>
             <a:r>
-              <a:rPr lang="fr-FR" dirty="0"/>
+              <a:rPr lang="fr-FR" dirty="0">
+                <a:solidFill>
+                  <a:schemeClr val="bg1">
+                    <a:lumMod val="85000"/>
+                  </a:schemeClr>
+                </a:solidFill>
+              </a:rPr>
               <a:t> </a:t>
             </a:r>
             <a:r>
-              <a:rPr lang="fr-FR" dirty="0" err="1"/>
+              <a:rPr lang="fr-FR" dirty="0" err="1">
+                <a:solidFill>
+                  <a:schemeClr val="bg1">
+                    <a:lumMod val="85000"/>
+                  </a:schemeClr>
+                </a:solidFill>
+              </a:rPr>
               <a:t>Lorann</a:t>
             </a:r>
             <a:r>
-              <a:rPr lang="fr-FR" dirty="0"/>
+              <a:rPr lang="fr-FR" dirty="0">
+                <a:solidFill>
+                  <a:schemeClr val="bg1">
+                    <a:lumMod val="85000"/>
+                  </a:schemeClr>
+                </a:solidFill>
+              </a:rPr>
               <a:t> can go </a:t>
             </a:r>
             <a:r>
-              <a:rPr lang="fr-FR" b="1" dirty="0"/>
+              <a:rPr lang="fr-FR" b="1" dirty="0">
+                <a:solidFill>
+                  <a:schemeClr val="bg1">
+                    <a:lumMod val="85000"/>
+                  </a:schemeClr>
+                </a:solidFill>
+              </a:rPr>
               <a:t>UP</a:t>
             </a:r>
             <a:r>
-              <a:rPr lang="fr-FR" dirty="0"/>
+              <a:rPr lang="fr-FR" dirty="0">
+                <a:solidFill>
+                  <a:schemeClr val="bg1">
+                    <a:lumMod val="85000"/>
+                  </a:schemeClr>
+                </a:solidFill>
+              </a:rPr>
               <a:t>, </a:t>
             </a:r>
             <a:r>
-              <a:rPr lang="fr-FR" b="1" dirty="0"/>
+              <a:rPr lang="fr-FR" b="1" dirty="0">
+                <a:solidFill>
+                  <a:schemeClr val="bg1">
+                    <a:lumMod val="85000"/>
+                  </a:schemeClr>
+                </a:solidFill>
+              </a:rPr>
               <a:t>LEFT</a:t>
             </a:r>
             <a:r>
-              <a:rPr lang="fr-FR" dirty="0"/>
+              <a:rPr lang="fr-FR" dirty="0">
+                <a:solidFill>
+                  <a:schemeClr val="bg1">
+                    <a:lumMod val="85000"/>
+                  </a:schemeClr>
+                </a:solidFill>
+              </a:rPr>
               <a:t>, </a:t>
             </a:r>
             <a:r>
-              <a:rPr lang="fr-FR" b="1" dirty="0"/>
+              <a:rPr lang="fr-FR" b="1" dirty="0">
+                <a:solidFill>
+                  <a:schemeClr val="bg1">
+                    <a:lumMod val="85000"/>
+                  </a:schemeClr>
+                </a:solidFill>
+              </a:rPr>
               <a:t>RIGHT</a:t>
             </a:r>
             <a:r>
-              <a:rPr lang="fr-FR" dirty="0"/>
+              <a:rPr lang="fr-FR" dirty="0">
+                <a:solidFill>
+                  <a:schemeClr val="bg1">
+                    <a:lumMod val="85000"/>
+                  </a:schemeClr>
+                </a:solidFill>
+              </a:rPr>
               <a:t>, </a:t>
             </a:r>
             <a:r>
-              <a:rPr lang="fr-FR" b="1" dirty="0"/>
+              <a:rPr lang="fr-FR" b="1" dirty="0">
+                <a:solidFill>
+                  <a:schemeClr val="bg1">
+                    <a:lumMod val="85000"/>
+                  </a:schemeClr>
+                </a:solidFill>
+              </a:rPr>
               <a:t>DOWN</a:t>
             </a:r>
             <a:r>
-              <a:rPr lang="fr-FR" dirty="0"/>
+              <a:rPr lang="fr-FR" dirty="0">
+                <a:solidFill>
+                  <a:schemeClr val="bg1">
+                    <a:lumMod val="85000"/>
+                  </a:schemeClr>
+                </a:solidFill>
+              </a:rPr>
               <a:t> and </a:t>
             </a:r>
             <a:r>
-              <a:rPr lang="fr-FR" dirty="0" err="1"/>
+              <a:rPr lang="fr-FR" dirty="0" err="1">
+                <a:solidFill>
+                  <a:schemeClr val="bg1">
+                    <a:lumMod val="85000"/>
+                  </a:schemeClr>
+                </a:solidFill>
+              </a:rPr>
               <a:t>perform</a:t>
             </a:r>
             <a:r>
-              <a:rPr lang="fr-FR" dirty="0"/>
+              <a:rPr lang="fr-FR" dirty="0">
+                <a:solidFill>
+                  <a:schemeClr val="bg1">
+                    <a:lumMod val="85000"/>
+                  </a:schemeClr>
+                </a:solidFill>
+              </a:rPr>
               <a:t> </a:t>
             </a:r>
             <a:r>
-              <a:rPr lang="fr-FR" b="1" dirty="0"/>
+              <a:rPr lang="fr-FR" b="1" dirty="0">
+                <a:solidFill>
+                  <a:schemeClr val="bg1">
+                    <a:lumMod val="85000"/>
+                  </a:schemeClr>
+                </a:solidFill>
+              </a:rPr>
               <a:t>DIAGONAL </a:t>
             </a:r>
             <a:r>
-              <a:rPr lang="fr-FR" dirty="0" err="1"/>
+              <a:rPr lang="fr-FR" dirty="0" err="1">
+                <a:solidFill>
+                  <a:schemeClr val="bg1">
+                    <a:lumMod val="85000"/>
+                  </a:schemeClr>
+                </a:solidFill>
+              </a:rPr>
               <a:t>movements</a:t>
             </a:r>
             <a:r>
-              <a:rPr lang="fr-FR" dirty="0"/>
+              <a:rPr lang="fr-FR" dirty="0">
+                <a:solidFill>
+                  <a:schemeClr val="bg1">
+                    <a:lumMod val="85000"/>
+                  </a:schemeClr>
+                </a:solidFill>
+              </a:rPr>
               <a:t>.</a:t>
             </a:r>
           </a:p>
@@ -6969,31 +8177,73 @@
               <a:buChar char="•"/>
             </a:pPr>
             <a:r>
-              <a:rPr lang="fr-FR" dirty="0"/>
+              <a:rPr lang="fr-FR" dirty="0">
+                <a:solidFill>
+                  <a:schemeClr val="bg1">
+                    <a:lumMod val="85000"/>
+                  </a:schemeClr>
+                </a:solidFill>
+              </a:rPr>
               <a:t> He can shoot a </a:t>
             </a:r>
             <a:r>
-              <a:rPr lang="fr-FR" dirty="0" err="1"/>
+              <a:rPr lang="fr-FR" dirty="0" err="1">
+                <a:solidFill>
+                  <a:schemeClr val="bg1">
+                    <a:lumMod val="85000"/>
+                  </a:schemeClr>
+                </a:solidFill>
+              </a:rPr>
               <a:t>Spell</a:t>
             </a:r>
             <a:r>
-              <a:rPr lang="fr-FR" dirty="0"/>
+              <a:rPr lang="fr-FR" dirty="0">
+                <a:solidFill>
+                  <a:schemeClr val="bg1">
+                    <a:lumMod val="85000"/>
+                  </a:schemeClr>
+                </a:solidFill>
+              </a:rPr>
               <a:t> </a:t>
             </a:r>
             <a:r>
-              <a:rPr lang="fr-FR" dirty="0" err="1"/>
+              <a:rPr lang="fr-FR" dirty="0" err="1">
+                <a:solidFill>
+                  <a:schemeClr val="bg1">
+                    <a:lumMod val="85000"/>
+                  </a:schemeClr>
+                </a:solidFill>
+              </a:rPr>
               <a:t>that</a:t>
             </a:r>
             <a:r>
-              <a:rPr lang="fr-FR" dirty="0"/>
+              <a:rPr lang="fr-FR" dirty="0">
+                <a:solidFill>
+                  <a:schemeClr val="bg1">
+                    <a:lumMod val="85000"/>
+                  </a:schemeClr>
+                </a:solidFill>
+              </a:rPr>
               <a:t> can </a:t>
             </a:r>
             <a:r>
-              <a:rPr lang="fr-FR" dirty="0" err="1"/>
+              <a:rPr lang="fr-FR" dirty="0" err="1">
+                <a:solidFill>
+                  <a:schemeClr val="bg1">
+                    <a:lumMod val="85000"/>
+                  </a:schemeClr>
+                </a:solidFill>
+              </a:rPr>
               <a:t>kill</a:t>
             </a:r>
             <a:r>
-              <a:rPr lang="fr-FR" dirty="0"/>
+              <a:rPr lang="fr-FR" dirty="0">
+                <a:solidFill>
+                  <a:schemeClr val="bg1">
+                    <a:lumMod val="85000"/>
+                  </a:schemeClr>
+                </a:solidFill>
+              </a:rPr>
               <a:t> Monsters.</a:t>
             </a:r>
           </a:p>
@@ -7003,55 +8253,133 @@
               <a:buChar char="•"/>
             </a:pPr>
             <a:r>
-              <a:rPr lang="fr-FR" dirty="0"/>
+              <a:rPr lang="fr-FR" dirty="0">
+                <a:solidFill>
+                  <a:schemeClr val="bg1">
+                    <a:lumMod val="85000"/>
+                  </a:schemeClr>
+                </a:solidFill>
+              </a:rPr>
               <a:t> </a:t>
             </a:r>
             <a:r>
-              <a:rPr lang="fr-FR" dirty="0" err="1"/>
+              <a:rPr lang="fr-FR" dirty="0" err="1">
+                <a:solidFill>
+                  <a:schemeClr val="bg1">
+                    <a:lumMod val="85000"/>
+                  </a:schemeClr>
+                </a:solidFill>
+              </a:rPr>
               <a:t>His</a:t>
             </a:r>
             <a:r>
-              <a:rPr lang="fr-FR" dirty="0"/>
+              <a:rPr lang="fr-FR" dirty="0">
+                <a:solidFill>
+                  <a:schemeClr val="bg1">
+                    <a:lumMod val="85000"/>
+                  </a:schemeClr>
+                </a:solidFill>
+              </a:rPr>
               <a:t> goal </a:t>
             </a:r>
             <a:r>
-              <a:rPr lang="fr-FR" dirty="0" err="1"/>
+              <a:rPr lang="fr-FR" dirty="0" err="1">
+                <a:solidFill>
+                  <a:schemeClr val="bg1">
+                    <a:lumMod val="85000"/>
+                  </a:schemeClr>
+                </a:solidFill>
+              </a:rPr>
               <a:t>it</a:t>
             </a:r>
             <a:r>
-              <a:rPr lang="fr-FR" dirty="0"/>
+              <a:rPr lang="fr-FR" dirty="0">
+                <a:solidFill>
+                  <a:schemeClr val="bg1">
+                    <a:lumMod val="85000"/>
+                  </a:schemeClr>
+                </a:solidFill>
+              </a:rPr>
               <a:t> to </a:t>
             </a:r>
             <a:r>
-              <a:rPr lang="fr-FR" dirty="0" err="1"/>
+              <a:rPr lang="fr-FR" dirty="0" err="1">
+                <a:solidFill>
+                  <a:schemeClr val="bg1">
+                    <a:lumMod val="85000"/>
+                  </a:schemeClr>
+                </a:solidFill>
+              </a:rPr>
               <a:t>succeed</a:t>
             </a:r>
             <a:r>
-              <a:rPr lang="fr-FR" dirty="0"/>
+              <a:rPr lang="fr-FR" dirty="0">
+                <a:solidFill>
+                  <a:schemeClr val="bg1">
+                    <a:lumMod val="85000"/>
+                  </a:schemeClr>
+                </a:solidFill>
+              </a:rPr>
               <a:t> in </a:t>
             </a:r>
             <a:r>
-              <a:rPr lang="fr-FR" dirty="0" err="1"/>
+              <a:rPr lang="fr-FR" dirty="0" err="1">
+                <a:solidFill>
+                  <a:schemeClr val="bg1">
+                    <a:lumMod val="85000"/>
+                  </a:schemeClr>
+                </a:solidFill>
+              </a:rPr>
               <a:t>going</a:t>
             </a:r>
             <a:r>
-              <a:rPr lang="fr-FR" dirty="0"/>
+              <a:rPr lang="fr-FR" dirty="0">
+                <a:solidFill>
+                  <a:schemeClr val="bg1">
+                    <a:lumMod val="85000"/>
+                  </a:schemeClr>
+                </a:solidFill>
+              </a:rPr>
               <a:t> out </a:t>
             </a:r>
             <a:r>
-              <a:rPr lang="fr-FR" dirty="0" err="1"/>
+              <a:rPr lang="fr-FR" dirty="0" err="1">
+                <a:solidFill>
+                  <a:schemeClr val="bg1">
+                    <a:lumMod val="85000"/>
+                  </a:schemeClr>
+                </a:solidFill>
+              </a:rPr>
               <a:t>through</a:t>
             </a:r>
             <a:r>
-              <a:rPr lang="fr-FR" dirty="0"/>
+              <a:rPr lang="fr-FR" dirty="0">
+                <a:solidFill>
+                  <a:schemeClr val="bg1">
+                    <a:lumMod val="85000"/>
+                  </a:schemeClr>
+                </a:solidFill>
+              </a:rPr>
               <a:t> the </a:t>
             </a:r>
             <a:r>
-              <a:rPr lang="fr-FR" dirty="0" err="1"/>
+              <a:rPr lang="fr-FR" dirty="0" err="1">
+                <a:solidFill>
+                  <a:schemeClr val="bg1">
+                    <a:lumMod val="85000"/>
+                  </a:schemeClr>
+                </a:solidFill>
+              </a:rPr>
               <a:t>door</a:t>
             </a:r>
             <a:r>
-              <a:rPr lang="fr-FR" dirty="0"/>
+              <a:rPr lang="fr-FR" dirty="0">
+                <a:solidFill>
+                  <a:schemeClr val="bg1">
+                    <a:lumMod val="85000"/>
+                  </a:schemeClr>
+                </a:solidFill>
+              </a:rPr>
               <a:t>.</a:t>
             </a:r>
           </a:p>
@@ -7060,14 +8388,26 @@
               <a:buFont typeface="Arial" panose="020B0604020202020204" pitchFamily="34" charset="0"/>
               <a:buChar char="•"/>
             </a:pPr>
-            <a:endParaRPr lang="fr-FR" dirty="0"/>
+            <a:endParaRPr lang="fr-FR" dirty="0">
+              <a:solidFill>
+                <a:schemeClr val="bg1">
+                  <a:lumMod val="85000"/>
+                </a:schemeClr>
+              </a:solidFill>
+            </a:endParaRPr>
           </a:p>
           <a:p>
             <a:pPr>
               <a:buFont typeface="Arial" panose="020B0604020202020204" pitchFamily="34" charset="0"/>
               <a:buChar char="•"/>
             </a:pPr>
-            <a:endParaRPr lang="fr-FR" dirty="0"/>
+            <a:endParaRPr lang="fr-FR" dirty="0">
+              <a:solidFill>
+                <a:schemeClr val="bg1">
+                  <a:lumMod val="85000"/>
+                </a:schemeClr>
+              </a:solidFill>
+            </a:endParaRPr>
           </a:p>
         </p:txBody>
       </p:sp>
@@ -7159,10 +8499,22 @@
           <a:lstStyle/>
           <a:p>
             <a:r>
-              <a:rPr lang="en-GB" dirty="0"/>
+              <a:rPr lang="en-GB" dirty="0">
+                <a:solidFill>
+                  <a:schemeClr val="bg1">
+                    <a:lumMod val="85000"/>
+                  </a:schemeClr>
+                </a:solidFill>
+              </a:rPr>
               <a:t>Functional explanations</a:t>
             </a:r>
-            <a:endParaRPr lang="fr-FR" dirty="0"/>
+            <a:endParaRPr lang="fr-FR" dirty="0">
+              <a:solidFill>
+                <a:schemeClr val="bg1">
+                  <a:lumMod val="85000"/>
+                </a:schemeClr>
+              </a:solidFill>
+            </a:endParaRPr>
           </a:p>
         </p:txBody>
       </p:sp>
@@ -7190,11 +8542,23 @@
           <a:lstStyle/>
           <a:p>
             <a:r>
-              <a:rPr lang="fr-FR" u="sng" dirty="0"/>
+              <a:rPr lang="fr-FR" u="sng" dirty="0">
+                <a:solidFill>
+                  <a:schemeClr val="bg1">
+                    <a:lumMod val="85000"/>
+                  </a:schemeClr>
+                </a:solidFill>
+              </a:rPr>
               <a:t>Monsters</a:t>
             </a:r>
             <a:r>
-              <a:rPr lang="fr-FR" dirty="0"/>
+              <a:rPr lang="fr-FR" dirty="0">
+                <a:solidFill>
+                  <a:schemeClr val="bg1">
+                    <a:lumMod val="85000"/>
+                  </a:schemeClr>
+                </a:solidFill>
+              </a:rPr>
               <a:t>:</a:t>
             </a:r>
           </a:p>
@@ -7204,59 +8568,143 @@
               <a:buChar char="•"/>
             </a:pPr>
             <a:r>
-              <a:rPr lang="fr-FR" dirty="0"/>
+              <a:rPr lang="fr-FR" dirty="0">
+                <a:solidFill>
+                  <a:schemeClr val="bg1">
+                    <a:lumMod val="85000"/>
+                  </a:schemeClr>
+                </a:solidFill>
+              </a:rPr>
               <a:t> Monsters can go </a:t>
             </a:r>
             <a:r>
-              <a:rPr lang="fr-FR" b="1" dirty="0"/>
+              <a:rPr lang="fr-FR" b="1" dirty="0">
+                <a:solidFill>
+                  <a:schemeClr val="bg1">
+                    <a:lumMod val="85000"/>
+                  </a:schemeClr>
+                </a:solidFill>
+              </a:rPr>
               <a:t>UP</a:t>
             </a:r>
             <a:r>
-              <a:rPr lang="fr-FR" dirty="0"/>
+              <a:rPr lang="fr-FR" dirty="0">
+                <a:solidFill>
+                  <a:schemeClr val="bg1">
+                    <a:lumMod val="85000"/>
+                  </a:schemeClr>
+                </a:solidFill>
+              </a:rPr>
               <a:t>, </a:t>
             </a:r>
             <a:r>
-              <a:rPr lang="fr-FR" b="1" dirty="0"/>
+              <a:rPr lang="fr-FR" b="1" dirty="0">
+                <a:solidFill>
+                  <a:schemeClr val="bg1">
+                    <a:lumMod val="85000"/>
+                  </a:schemeClr>
+                </a:solidFill>
+              </a:rPr>
               <a:t>LEFT</a:t>
             </a:r>
             <a:r>
-              <a:rPr lang="fr-FR" dirty="0"/>
+              <a:rPr lang="fr-FR" dirty="0">
+                <a:solidFill>
+                  <a:schemeClr val="bg1">
+                    <a:lumMod val="85000"/>
+                  </a:schemeClr>
+                </a:solidFill>
+              </a:rPr>
               <a:t>, </a:t>
             </a:r>
             <a:r>
-              <a:rPr lang="fr-FR" b="1" dirty="0"/>
+              <a:rPr lang="fr-FR" b="1" dirty="0">
+                <a:solidFill>
+                  <a:schemeClr val="bg1">
+                    <a:lumMod val="85000"/>
+                  </a:schemeClr>
+                </a:solidFill>
+              </a:rPr>
               <a:t>RIGHT</a:t>
             </a:r>
             <a:r>
-              <a:rPr lang="fr-FR" dirty="0"/>
+              <a:rPr lang="fr-FR" dirty="0">
+                <a:solidFill>
+                  <a:schemeClr val="bg1">
+                    <a:lumMod val="85000"/>
+                  </a:schemeClr>
+                </a:solidFill>
+              </a:rPr>
               <a:t>, </a:t>
             </a:r>
             <a:r>
-              <a:rPr lang="fr-FR" b="1" dirty="0"/>
+              <a:rPr lang="fr-FR" b="1" dirty="0">
+                <a:solidFill>
+                  <a:schemeClr val="bg1">
+                    <a:lumMod val="85000"/>
+                  </a:schemeClr>
+                </a:solidFill>
+              </a:rPr>
               <a:t>DOWN</a:t>
             </a:r>
             <a:r>
-              <a:rPr lang="fr-FR" dirty="0"/>
+              <a:rPr lang="fr-FR" dirty="0">
+                <a:solidFill>
+                  <a:schemeClr val="bg1">
+                    <a:lumMod val="85000"/>
+                  </a:schemeClr>
+                </a:solidFill>
+              </a:rPr>
               <a:t> and </a:t>
             </a:r>
             <a:r>
-              <a:rPr lang="fr-FR" dirty="0" err="1"/>
+              <a:rPr lang="fr-FR" dirty="0" err="1">
+                <a:solidFill>
+                  <a:schemeClr val="bg1">
+                    <a:lumMod val="85000"/>
+                  </a:schemeClr>
+                </a:solidFill>
+              </a:rPr>
               <a:t>perform</a:t>
             </a:r>
             <a:r>
-              <a:rPr lang="fr-FR" dirty="0"/>
+              <a:rPr lang="fr-FR" dirty="0">
+                <a:solidFill>
+                  <a:schemeClr val="bg1">
+                    <a:lumMod val="85000"/>
+                  </a:schemeClr>
+                </a:solidFill>
+              </a:rPr>
               <a:t> </a:t>
             </a:r>
             <a:r>
-              <a:rPr lang="fr-FR" b="1" dirty="0"/>
+              <a:rPr lang="fr-FR" b="1" dirty="0">
+                <a:solidFill>
+                  <a:schemeClr val="bg1">
+                    <a:lumMod val="85000"/>
+                  </a:schemeClr>
+                </a:solidFill>
+              </a:rPr>
               <a:t>DIAGONAL </a:t>
             </a:r>
             <a:r>
-              <a:rPr lang="fr-FR" dirty="0" err="1"/>
+              <a:rPr lang="fr-FR" dirty="0" err="1">
+                <a:solidFill>
+                  <a:schemeClr val="bg1">
+                    <a:lumMod val="85000"/>
+                  </a:schemeClr>
+                </a:solidFill>
+              </a:rPr>
               <a:t>movements</a:t>
             </a:r>
             <a:r>
-              <a:rPr lang="fr-FR" dirty="0"/>
+              <a:rPr lang="fr-FR" dirty="0">
+                <a:solidFill>
+                  <a:schemeClr val="bg1">
+                    <a:lumMod val="85000"/>
+                  </a:schemeClr>
+                </a:solidFill>
+              </a:rPr>
               <a:t>.</a:t>
             </a:r>
           </a:p>
@@ -7266,20 +8714,44 @@
               <a:buChar char="•"/>
             </a:pPr>
             <a:r>
-              <a:rPr lang="fr-FR" dirty="0"/>
+              <a:rPr lang="fr-FR" dirty="0">
+                <a:solidFill>
+                  <a:schemeClr val="bg1">
+                    <a:lumMod val="85000"/>
+                  </a:schemeClr>
+                </a:solidFill>
+              </a:rPr>
               <a:t> </a:t>
             </a:r>
             <a:r>
-              <a:rPr lang="en-GB" dirty="0"/>
+              <a:rPr lang="en-GB" dirty="0">
+                <a:solidFill>
+                  <a:schemeClr val="bg1">
+                    <a:lumMod val="85000"/>
+                  </a:schemeClr>
+                </a:solidFill>
+              </a:rPr>
               <a:t>They will try to attack you so use your Spell carefully! </a:t>
             </a:r>
-            <a:endParaRPr lang="fr-FR" dirty="0"/>
+            <a:endParaRPr lang="fr-FR" dirty="0">
+              <a:solidFill>
+                <a:schemeClr val="bg1">
+                  <a:lumMod val="85000"/>
+                </a:schemeClr>
+              </a:solidFill>
+            </a:endParaRPr>
           </a:p>
           <a:p>
             <a:pPr marL="0" indent="0">
               <a:buNone/>
             </a:pPr>
-            <a:endParaRPr lang="fr-FR" dirty="0"/>
+            <a:endParaRPr lang="fr-FR" dirty="0">
+              <a:solidFill>
+                <a:schemeClr val="bg1">
+                  <a:lumMod val="85000"/>
+                </a:schemeClr>
+              </a:solidFill>
+            </a:endParaRPr>
           </a:p>
           <a:p>
             <a:pPr lvl="4">
@@ -7287,17 +8759,35 @@
               <a:buChar char="•"/>
             </a:pPr>
             <a:r>
-              <a:rPr lang="fr-FR" sz="1600" dirty="0" err="1"/>
+              <a:rPr lang="fr-FR" sz="1600" dirty="0" err="1">
+                <a:solidFill>
+                  <a:schemeClr val="bg1">
+                    <a:lumMod val="85000"/>
+                  </a:schemeClr>
+                </a:solidFill>
+              </a:rPr>
               <a:t>Ghost</a:t>
             </a:r>
-            <a:endParaRPr lang="fr-FR" sz="1600" dirty="0"/>
+            <a:endParaRPr lang="fr-FR" sz="1600" dirty="0">
+              <a:solidFill>
+                <a:schemeClr val="bg1">
+                  <a:lumMod val="85000"/>
+                </a:schemeClr>
+              </a:solidFill>
+            </a:endParaRPr>
           </a:p>
           <a:p>
             <a:pPr lvl="3">
               <a:buFont typeface="Arial" panose="020B0604020202020204" pitchFamily="34" charset="0"/>
               <a:buChar char="•"/>
             </a:pPr>
-            <a:endParaRPr lang="fr-FR" sz="1600" dirty="0"/>
+            <a:endParaRPr lang="fr-FR" sz="1600" dirty="0">
+              <a:solidFill>
+                <a:schemeClr val="bg1">
+                  <a:lumMod val="85000"/>
+                </a:schemeClr>
+              </a:solidFill>
+            </a:endParaRPr>
           </a:p>
           <a:p>
             <a:pPr lvl="4">
@@ -7305,17 +8795,35 @@
               <a:buChar char="•"/>
             </a:pPr>
             <a:r>
-              <a:rPr lang="fr-FR" sz="1600" dirty="0" err="1"/>
+              <a:rPr lang="fr-FR" sz="1600" dirty="0" err="1">
+                <a:solidFill>
+                  <a:schemeClr val="bg1">
+                    <a:lumMod val="85000"/>
+                  </a:schemeClr>
+                </a:solidFill>
+              </a:rPr>
               <a:t>Skull</a:t>
             </a:r>
-            <a:endParaRPr lang="fr-FR" sz="1600" dirty="0"/>
+            <a:endParaRPr lang="fr-FR" sz="1600" dirty="0">
+              <a:solidFill>
+                <a:schemeClr val="bg1">
+                  <a:lumMod val="85000"/>
+                </a:schemeClr>
+              </a:solidFill>
+            </a:endParaRPr>
           </a:p>
           <a:p>
             <a:pPr lvl="3">
               <a:buFont typeface="Arial" panose="020B0604020202020204" pitchFamily="34" charset="0"/>
               <a:buChar char="•"/>
             </a:pPr>
-            <a:endParaRPr lang="fr-FR" sz="1600" dirty="0"/>
+            <a:endParaRPr lang="fr-FR" sz="1600" dirty="0">
+              <a:solidFill>
+                <a:schemeClr val="bg1">
+                  <a:lumMod val="85000"/>
+                </a:schemeClr>
+              </a:solidFill>
+            </a:endParaRPr>
           </a:p>
           <a:p>
             <a:pPr lvl="4">
@@ -7323,7 +8831,13 @@
               <a:buChar char="•"/>
             </a:pPr>
             <a:r>
-              <a:rPr lang="fr-FR" sz="1600" dirty="0"/>
+              <a:rPr lang="fr-FR" sz="1600" dirty="0">
+                <a:solidFill>
+                  <a:schemeClr val="bg1">
+                    <a:lumMod val="85000"/>
+                  </a:schemeClr>
+                </a:solidFill>
+              </a:rPr>
               <a:t>Totem</a:t>
             </a:r>
           </a:p>
@@ -7332,7 +8846,13 @@
               <a:buFont typeface="Arial" panose="020B0604020202020204" pitchFamily="34" charset="0"/>
               <a:buChar char="•"/>
             </a:pPr>
-            <a:endParaRPr lang="fr-FR" sz="1600" dirty="0"/>
+            <a:endParaRPr lang="fr-FR" sz="1600" dirty="0">
+              <a:solidFill>
+                <a:schemeClr val="bg1">
+                  <a:lumMod val="85000"/>
+                </a:schemeClr>
+              </a:solidFill>
+            </a:endParaRPr>
           </a:p>
           <a:p>
             <a:pPr lvl="4">
@@ -7340,7 +8860,13 @@
               <a:buChar char="•"/>
             </a:pPr>
             <a:r>
-              <a:rPr lang="fr-FR" sz="1600" dirty="0"/>
+              <a:rPr lang="fr-FR" sz="1600" dirty="0">
+                <a:solidFill>
+                  <a:schemeClr val="bg1">
+                    <a:lumMod val="85000"/>
+                  </a:schemeClr>
+                </a:solidFill>
+              </a:rPr>
               <a:t>Storm</a:t>
             </a:r>
           </a:p>
@@ -7349,7 +8875,13 @@
               <a:buFont typeface="Arial" panose="020B0604020202020204" pitchFamily="34" charset="0"/>
               <a:buChar char="•"/>
             </a:pPr>
-            <a:endParaRPr lang="fr-FR" dirty="0"/>
+            <a:endParaRPr lang="fr-FR" dirty="0">
+              <a:solidFill>
+                <a:schemeClr val="bg1">
+                  <a:lumMod val="85000"/>
+                </a:schemeClr>
+              </a:solidFill>
+            </a:endParaRPr>
           </a:p>
         </p:txBody>
       </p:sp>
@@ -7549,10 +9081,22 @@
           <a:lstStyle/>
           <a:p>
             <a:r>
-              <a:rPr lang="en-GB" dirty="0"/>
+              <a:rPr lang="en-GB" dirty="0">
+                <a:solidFill>
+                  <a:schemeClr val="bg1">
+                    <a:lumMod val="85000"/>
+                  </a:schemeClr>
+                </a:solidFill>
+              </a:rPr>
               <a:t>Functional explanations</a:t>
             </a:r>
-            <a:endParaRPr lang="fr-FR" dirty="0"/>
+            <a:endParaRPr lang="fr-FR" dirty="0">
+              <a:solidFill>
+                <a:schemeClr val="bg1">
+                  <a:lumMod val="85000"/>
+                </a:schemeClr>
+              </a:solidFill>
+            </a:endParaRPr>
           </a:p>
         </p:txBody>
       </p:sp>
@@ -7583,11 +9127,23 @@
           <a:lstStyle/>
           <a:p>
             <a:r>
-              <a:rPr lang="fr-FR" u="sng" dirty="0" err="1"/>
+              <a:rPr lang="fr-FR" u="sng" dirty="0" err="1">
+                <a:solidFill>
+                  <a:schemeClr val="bg1">
+                    <a:lumMod val="85000"/>
+                  </a:schemeClr>
+                </a:solidFill>
+              </a:rPr>
               <a:t>Spell</a:t>
             </a:r>
             <a:r>
-              <a:rPr lang="fr-FR" dirty="0"/>
+              <a:rPr lang="fr-FR" dirty="0">
+                <a:solidFill>
+                  <a:schemeClr val="bg1">
+                    <a:lumMod val="85000"/>
+                  </a:schemeClr>
+                </a:solidFill>
+              </a:rPr>
               <a:t>:</a:t>
             </a:r>
           </a:p>
@@ -7597,18 +9153,42 @@
               <a:buChar char="•"/>
             </a:pPr>
             <a:r>
-              <a:rPr lang="fr-FR" dirty="0"/>
+              <a:rPr lang="fr-FR" dirty="0">
+                <a:solidFill>
+                  <a:schemeClr val="bg1">
+                    <a:lumMod val="85000"/>
+                  </a:schemeClr>
+                </a:solidFill>
+              </a:rPr>
               <a:t> </a:t>
             </a:r>
             <a:r>
-              <a:rPr lang="en-GB" dirty="0" err="1"/>
+              <a:rPr lang="en-GB" dirty="0" err="1">
+                <a:solidFill>
+                  <a:schemeClr val="bg1">
+                    <a:lumMod val="85000"/>
+                  </a:schemeClr>
+                </a:solidFill>
+              </a:rPr>
               <a:t>Lorann</a:t>
             </a:r>
             <a:r>
-              <a:rPr lang="en-GB" dirty="0"/>
+              <a:rPr lang="en-GB" dirty="0">
+                <a:solidFill>
+                  <a:schemeClr val="bg1">
+                    <a:lumMod val="85000"/>
+                  </a:schemeClr>
+                </a:solidFill>
+              </a:rPr>
               <a:t> can cast a multicolour spell in order to kill a Monster.</a:t>
             </a:r>
-            <a:endParaRPr lang="fr-FR" dirty="0"/>
+            <a:endParaRPr lang="fr-FR" dirty="0">
+              <a:solidFill>
+                <a:schemeClr val="bg1">
+                  <a:lumMod val="85000"/>
+                </a:schemeClr>
+              </a:solidFill>
+            </a:endParaRPr>
           </a:p>
           <a:p>
             <a:pPr>
@@ -7616,15 +9196,33 @@
               <a:buChar char="•"/>
             </a:pPr>
             <a:r>
-              <a:rPr lang="en-GB" dirty="0"/>
+              <a:rPr lang="en-GB" dirty="0">
+                <a:solidFill>
+                  <a:schemeClr val="bg1">
+                    <a:lumMod val="85000"/>
+                  </a:schemeClr>
+                </a:solidFill>
+              </a:rPr>
               <a:t> The Spell can bounce on walls and go back to </a:t>
             </a:r>
             <a:r>
-              <a:rPr lang="en-GB" dirty="0" err="1"/>
+              <a:rPr lang="en-GB" dirty="0" err="1">
+                <a:solidFill>
+                  <a:schemeClr val="bg1">
+                    <a:lumMod val="85000"/>
+                  </a:schemeClr>
+                </a:solidFill>
+              </a:rPr>
               <a:t>Lorann</a:t>
             </a:r>
             <a:r>
-              <a:rPr lang="en-GB" dirty="0"/>
+              <a:rPr lang="en-GB" dirty="0">
+                <a:solidFill>
+                  <a:schemeClr val="bg1">
+                    <a:lumMod val="85000"/>
+                  </a:schemeClr>
+                </a:solidFill>
+              </a:rPr>
               <a:t>.</a:t>
             </a:r>
           </a:p>
@@ -7634,7 +9232,13 @@
               <a:buChar char="•"/>
             </a:pPr>
             <a:r>
-              <a:rPr lang="en-GB" dirty="0"/>
+              <a:rPr lang="en-GB" dirty="0">
+                <a:solidFill>
+                  <a:schemeClr val="bg1">
+                    <a:lumMod val="85000"/>
+                  </a:schemeClr>
+                </a:solidFill>
+              </a:rPr>
               <a:t> If the spell hits a Monster, it kills him.</a:t>
             </a:r>
           </a:p>
